--- a/Our story cards.pptx
+++ b/Our story cards.pptx
@@ -5,20 +5,27 @@
     <p:sldMasterId id="2147483648" r:id="rId1"/>
   </p:sldMasterIdLst>
   <p:sldIdLst>
-    <p:sldId id="258" r:id="rId2"/>
-    <p:sldId id="256" r:id="rId3"/>
-    <p:sldId id="259" r:id="rId4"/>
-    <p:sldId id="260" r:id="rId5"/>
-    <p:sldId id="261" r:id="rId6"/>
-    <p:sldId id="262" r:id="rId7"/>
-    <p:sldId id="263" r:id="rId8"/>
-    <p:sldId id="264" r:id="rId9"/>
-    <p:sldId id="265" r:id="rId10"/>
-    <p:sldId id="266" r:id="rId11"/>
-    <p:sldId id="267" r:id="rId12"/>
-    <p:sldId id="268" r:id="rId13"/>
-    <p:sldId id="269" r:id="rId14"/>
-    <p:sldId id="270" r:id="rId15"/>
+    <p:sldId id="274" r:id="rId2"/>
+    <p:sldId id="258" r:id="rId3"/>
+    <p:sldId id="256" r:id="rId4"/>
+    <p:sldId id="259" r:id="rId5"/>
+    <p:sldId id="260" r:id="rId6"/>
+    <p:sldId id="261" r:id="rId7"/>
+    <p:sldId id="262" r:id="rId8"/>
+    <p:sldId id="263" r:id="rId9"/>
+    <p:sldId id="264" r:id="rId10"/>
+    <p:sldId id="265" r:id="rId11"/>
+    <p:sldId id="266" r:id="rId12"/>
+    <p:sldId id="267" r:id="rId13"/>
+    <p:sldId id="280" r:id="rId14"/>
+    <p:sldId id="268" r:id="rId15"/>
+    <p:sldId id="269" r:id="rId16"/>
+    <p:sldId id="270" r:id="rId17"/>
+    <p:sldId id="271" r:id="rId18"/>
+    <p:sldId id="278" r:id="rId19"/>
+    <p:sldId id="273" r:id="rId20"/>
+    <p:sldId id="275" r:id="rId21"/>
+    <p:sldId id="276" r:id="rId22"/>
   </p:sldIdLst>
   <p:sldSz cx="9906000" cy="6858000" type="A4"/>
   <p:notesSz cx="6858000" cy="9144000"/>
@@ -318,7 +325,7 @@
             <a:fld id="{1585DAA5-6BE2-467A-90B2-00E985D86198}" type="datetimeFigureOut">
               <a:rPr lang="en-AU" smtClean="0"/>
               <a:pPr/>
-              <a:t>7/08/2016</a:t>
+              <a:t>24/08/2016</a:t>
             </a:fld>
             <a:endParaRPr lang="en-AU"/>
           </a:p>
@@ -485,7 +492,7 @@
             <a:fld id="{1585DAA5-6BE2-467A-90B2-00E985D86198}" type="datetimeFigureOut">
               <a:rPr lang="en-AU" smtClean="0"/>
               <a:pPr/>
-              <a:t>7/08/2016</a:t>
+              <a:t>24/08/2016</a:t>
             </a:fld>
             <a:endParaRPr lang="en-AU"/>
           </a:p>
@@ -662,7 +669,7 @@
             <a:fld id="{1585DAA5-6BE2-467A-90B2-00E985D86198}" type="datetimeFigureOut">
               <a:rPr lang="en-AU" smtClean="0"/>
               <a:pPr/>
-              <a:t>7/08/2016</a:t>
+              <a:t>24/08/2016</a:t>
             </a:fld>
             <a:endParaRPr lang="en-AU"/>
           </a:p>
@@ -829,7 +836,7 @@
             <a:fld id="{1585DAA5-6BE2-467A-90B2-00E985D86198}" type="datetimeFigureOut">
               <a:rPr lang="en-AU" smtClean="0"/>
               <a:pPr/>
-              <a:t>7/08/2016</a:t>
+              <a:t>24/08/2016</a:t>
             </a:fld>
             <a:endParaRPr lang="en-AU"/>
           </a:p>
@@ -1072,7 +1079,7 @@
             <a:fld id="{1585DAA5-6BE2-467A-90B2-00E985D86198}" type="datetimeFigureOut">
               <a:rPr lang="en-AU" smtClean="0"/>
               <a:pPr/>
-              <a:t>7/08/2016</a:t>
+              <a:t>24/08/2016</a:t>
             </a:fld>
             <a:endParaRPr lang="en-AU"/>
           </a:p>
@@ -1357,7 +1364,7 @@
             <a:fld id="{1585DAA5-6BE2-467A-90B2-00E985D86198}" type="datetimeFigureOut">
               <a:rPr lang="en-AU" smtClean="0"/>
               <a:pPr/>
-              <a:t>7/08/2016</a:t>
+              <a:t>24/08/2016</a:t>
             </a:fld>
             <a:endParaRPr lang="en-AU"/>
           </a:p>
@@ -1776,7 +1783,7 @@
             <a:fld id="{1585DAA5-6BE2-467A-90B2-00E985D86198}" type="datetimeFigureOut">
               <a:rPr lang="en-AU" smtClean="0"/>
               <a:pPr/>
-              <a:t>7/08/2016</a:t>
+              <a:t>24/08/2016</a:t>
             </a:fld>
             <a:endParaRPr lang="en-AU"/>
           </a:p>
@@ -1891,7 +1898,7 @@
             <a:fld id="{1585DAA5-6BE2-467A-90B2-00E985D86198}" type="datetimeFigureOut">
               <a:rPr lang="en-AU" smtClean="0"/>
               <a:pPr/>
-              <a:t>7/08/2016</a:t>
+              <a:t>24/08/2016</a:t>
             </a:fld>
             <a:endParaRPr lang="en-AU"/>
           </a:p>
@@ -1983,7 +1990,7 @@
             <a:fld id="{1585DAA5-6BE2-467A-90B2-00E985D86198}" type="datetimeFigureOut">
               <a:rPr lang="en-AU" smtClean="0"/>
               <a:pPr/>
-              <a:t>7/08/2016</a:t>
+              <a:t>24/08/2016</a:t>
             </a:fld>
             <a:endParaRPr lang="en-AU"/>
           </a:p>
@@ -2257,7 +2264,7 @@
             <a:fld id="{1585DAA5-6BE2-467A-90B2-00E985D86198}" type="datetimeFigureOut">
               <a:rPr lang="en-AU" smtClean="0"/>
               <a:pPr/>
-              <a:t>7/08/2016</a:t>
+              <a:t>24/08/2016</a:t>
             </a:fld>
             <a:endParaRPr lang="en-AU"/>
           </a:p>
@@ -2507,7 +2514,7 @@
             <a:fld id="{1585DAA5-6BE2-467A-90B2-00E985D86198}" type="datetimeFigureOut">
               <a:rPr lang="en-AU" smtClean="0"/>
               <a:pPr/>
-              <a:t>7/08/2016</a:t>
+              <a:t>24/08/2016</a:t>
             </a:fld>
             <a:endParaRPr lang="en-AU"/>
           </a:p>
@@ -2717,7 +2724,7 @@
             <a:fld id="{1585DAA5-6BE2-467A-90B2-00E985D86198}" type="datetimeFigureOut">
               <a:rPr lang="en-AU" smtClean="0"/>
               <a:pPr/>
-              <a:t>7/08/2016</a:t>
+              <a:t>24/08/2016</a:t>
             </a:fld>
             <a:endParaRPr lang="en-AU"/>
           </a:p>
@@ -3090,6 +3097,29 @@
       </p:grpSpPr>
       <p:sp>
         <p:nvSpPr>
+          <p:cNvPr id="2" name="Title 1"/>
+          <p:cNvSpPr>
+            <a:spLocks noGrp="1"/>
+          </p:cNvSpPr>
+          <p:nvPr>
+            <p:ph type="title"/>
+          </p:nvPr>
+        </p:nvSpPr>
+        <p:spPr/>
+        <p:txBody>
+          <a:bodyPr/>
+          <a:lstStyle/>
+          <a:p>
+            <a:r>
+              <a:rPr lang="en-AU" dirty="0" smtClean="0"/>
+              <a:t>Story Cards</a:t>
+            </a:r>
+            <a:endParaRPr lang="en-AU" dirty="0"/>
+          </a:p>
+        </p:txBody>
+      </p:sp>
+      <p:sp>
+        <p:nvSpPr>
           <p:cNvPr id="3" name="Content Placeholder 2"/>
           <p:cNvSpPr>
             <a:spLocks noGrp="1"/>
@@ -3098,130 +3128,58 @@
             <p:ph idx="1"/>
           </p:nvPr>
         </p:nvSpPr>
-        <p:spPr>
-          <a:xfrm>
-            <a:off x="160215" y="867509"/>
-            <a:ext cx="9585570" cy="5258656"/>
-          </a:xfrm>
-        </p:spPr>
-        <p:txBody>
-          <a:bodyPr>
-            <a:normAutofit/>
-          </a:bodyPr>
-          <a:lstStyle/>
-          <a:p>
-            <a:pPr marL="0" indent="0">
-              <a:spcBef>
-                <a:spcPts val="900"/>
-              </a:spcBef>
-              <a:buNone/>
-            </a:pPr>
-            <a:r>
-              <a:rPr lang="en-AU" sz="2000" u="sng" dirty="0"/>
-              <a:t>Role 1</a:t>
-            </a:r>
-            <a:r>
-              <a:rPr lang="en-AU" sz="2000" dirty="0"/>
-              <a:t> – Courier – The person who picks up packages, delivers them to the warehouse and distributes them from the warehouse to their designated locations.</a:t>
-            </a:r>
-          </a:p>
-          <a:p>
-            <a:pPr marL="0" indent="0">
-              <a:spcBef>
-                <a:spcPts val="900"/>
-              </a:spcBef>
-              <a:buNone/>
-            </a:pPr>
-            <a:r>
-              <a:rPr lang="en-AU" sz="2000" u="sng" dirty="0"/>
-              <a:t>Role 2</a:t>
-            </a:r>
-            <a:r>
-              <a:rPr lang="en-AU" sz="2000" dirty="0"/>
-              <a:t> – Administrator – The owner of the business who handles all the administration tasks of the delivery process</a:t>
-            </a:r>
-          </a:p>
-          <a:p>
-            <a:pPr marL="0" indent="0">
-              <a:spcBef>
-                <a:spcPts val="900"/>
-              </a:spcBef>
-              <a:buNone/>
-            </a:pPr>
-            <a:r>
-              <a:rPr lang="en-AU" sz="2000" u="sng" dirty="0"/>
-              <a:t>Role 3</a:t>
-            </a:r>
-            <a:r>
-              <a:rPr lang="en-AU" sz="2000" dirty="0"/>
-              <a:t> – Customer – The person who places orders, ensures packages are ready for pickup and selects destinations and delivery time</a:t>
-            </a:r>
-          </a:p>
-          <a:p>
-            <a:pPr marL="0" indent="0">
-              <a:spcBef>
-                <a:spcPts val="900"/>
-              </a:spcBef>
-              <a:buNone/>
-            </a:pPr>
-            <a:r>
-              <a:rPr lang="en-AU" sz="2000" dirty="0"/>
-              <a:t> </a:t>
-            </a:r>
-          </a:p>
-        </p:txBody>
-      </p:sp>
-      <p:sp>
-        <p:nvSpPr>
-          <p:cNvPr id="4" name="Rectangle 3"/>
-          <p:cNvSpPr/>
-          <p:nvPr/>
-        </p:nvSpPr>
-        <p:spPr>
-          <a:xfrm>
-            <a:off x="101505" y="109410"/>
-            <a:ext cx="9691171" cy="540000"/>
-          </a:xfrm>
-          <a:prstGeom prst="rect">
-            <a:avLst/>
-          </a:prstGeom>
-          <a:ln>
-            <a:solidFill>
-              <a:schemeClr val="accent1">
-                <a:lumMod val="50000"/>
-              </a:schemeClr>
-            </a:solidFill>
-          </a:ln>
-        </p:spPr>
-        <p:style>
-          <a:lnRef idx="2">
-            <a:schemeClr val="accent1">
-              <a:shade val="50000"/>
-            </a:schemeClr>
-          </a:lnRef>
-          <a:fillRef idx="1">
-            <a:schemeClr val="accent1"/>
-          </a:fillRef>
-          <a:effectRef idx="0">
-            <a:schemeClr val="accent1"/>
-          </a:effectRef>
-          <a:fontRef idx="minor">
-            <a:schemeClr val="lt1"/>
-          </a:fontRef>
-        </p:style>
-        <p:txBody>
-          <a:bodyPr rtlCol="0" anchor="ctr"/>
-          <a:lstStyle/>
-          <a:p>
-            <a:pPr algn="ctr"/>
-            <a:r>
-              <a:rPr lang="en-AU" sz="2800" dirty="0"/>
-              <a:t>System Roles</a:t>
+        <p:spPr/>
+        <p:txBody>
+          <a:bodyPr/>
+          <a:lstStyle/>
+          <a:p>
+            <a:r>
+              <a:rPr lang="en-AU" dirty="0" err="1" smtClean="0"/>
+              <a:t>MoSCoW</a:t>
+            </a:r>
+            <a:r>
+              <a:rPr lang="en-AU" dirty="0" smtClean="0"/>
+              <a:t> analysis</a:t>
+            </a:r>
+          </a:p>
+          <a:p>
+            <a:r>
+              <a:rPr lang="en-AU" dirty="0" smtClean="0"/>
+              <a:t>Prioritized</a:t>
+            </a:r>
+          </a:p>
+          <a:p>
+            <a:r>
+              <a:rPr lang="en-AU" dirty="0" smtClean="0"/>
+              <a:t>Story points</a:t>
+            </a:r>
+          </a:p>
+          <a:p>
+            <a:r>
+              <a:rPr lang="en-AU" dirty="0" smtClean="0"/>
+              <a:t>Given a title</a:t>
+            </a:r>
+          </a:p>
+          <a:p>
+            <a:r>
+              <a:rPr lang="en-AU" dirty="0" smtClean="0"/>
+              <a:t>Full acceptance criteria</a:t>
+            </a:r>
+          </a:p>
+          <a:p>
+            <a:r>
+              <a:rPr lang="en-AU" dirty="0" smtClean="0"/>
+              <a:t>Stories for sprint 1 broken into tasks</a:t>
             </a:r>
           </a:p>
         </p:txBody>
       </p:sp>
     </p:spTree>
+    <p:extLst>
+      <p:ext uri="{BB962C8B-B14F-4D97-AF65-F5344CB8AC3E}">
+        <p14:creationId xmlns:p14="http://schemas.microsoft.com/office/powerpoint/2010/main" val="667288911"/>
+      </p:ext>
+    </p:extLst>
   </p:cSld>
   <p:clrMapOvr>
     <a:masterClrMapping/>
@@ -3301,8 +3259,21 @@
                   <a:schemeClr val="tx1"/>
                 </a:solidFill>
               </a:rPr>
-              <a:t>Story 1-1</a:t>
-            </a:r>
+              <a:t>Story </a:t>
+            </a:r>
+            <a:r>
+              <a:rPr lang="en-AU" sz="2000" dirty="0" smtClean="0">
+                <a:solidFill>
+                  <a:schemeClr val="tx1"/>
+                </a:solidFill>
+              </a:rPr>
+              <a:t>C-2</a:t>
+            </a:r>
+            <a:endParaRPr lang="en-AU" sz="2000" dirty="0">
+              <a:solidFill>
+                <a:schemeClr val="tx1"/>
+              </a:solidFill>
+            </a:endParaRPr>
           </a:p>
         </p:txBody>
       </p:sp>
@@ -3350,9 +3321,10 @@
           <a:p>
             <a:pPr algn="ctr"/>
             <a:r>
-              <a:rPr lang="en-AU" sz="2800" dirty="0"/>
-              <a:t>Customer</a:t>
-            </a:r>
+              <a:rPr lang="en-AU" sz="2800" dirty="0" smtClean="0"/>
+              <a:t>How To Order</a:t>
+            </a:r>
+            <a:endParaRPr lang="en-AU" sz="2800" dirty="0"/>
           </a:p>
         </p:txBody>
       </p:sp>
@@ -3404,13 +3376,57 @@
           <a:bodyPr rtlCol="0" anchor="t" anchorCtr="0"/>
           <a:lstStyle/>
           <a:p>
+            <a:pPr lvl="0"/>
+            <a:r>
+              <a:rPr lang="en-US" dirty="0">
+                <a:solidFill>
+                  <a:schemeClr val="tx1"/>
+                </a:solidFill>
+              </a:rPr>
+              <a:t>•	</a:t>
+            </a:r>
             <a:r>
               <a:rPr lang="en-US" sz="2400" dirty="0">
                 <a:solidFill>
                   <a:schemeClr val="tx1"/>
                 </a:solidFill>
               </a:rPr>
-              <a:t>•	As a customer I want to be able to know the status of my order so I can track my package and plan the delivery time.</a:t>
+              <a:t>As a customer I want to know </a:t>
+            </a:r>
+            <a:r>
+              <a:rPr lang="en-US" sz="2400" dirty="0" smtClean="0">
+                <a:solidFill>
+                  <a:schemeClr val="tx1"/>
+                </a:solidFill>
+              </a:rPr>
+              <a:t>how </a:t>
+            </a:r>
+            <a:r>
+              <a:rPr lang="en-US" sz="2400" dirty="0">
+                <a:solidFill>
+                  <a:schemeClr val="tx1"/>
+                </a:solidFill>
+              </a:rPr>
+              <a:t>the business processes my </a:t>
+            </a:r>
+            <a:r>
+              <a:rPr lang="en-US" sz="2400" dirty="0" smtClean="0">
+                <a:solidFill>
+                  <a:schemeClr val="tx1"/>
+                </a:solidFill>
+              </a:rPr>
+              <a:t>order so that I can place an order and have it delivered before a specific time</a:t>
+            </a:r>
+          </a:p>
+          <a:p>
+            <a:pPr lvl="0"/>
+            <a:r>
+              <a:rPr lang="en-US" sz="2400" dirty="0" smtClean="0">
+                <a:solidFill>
+                  <a:schemeClr val="tx1"/>
+                </a:solidFill>
+              </a:rPr>
+              <a:t> </a:t>
             </a:r>
             <a:endParaRPr lang="en-AU" sz="2400" dirty="0">
               <a:solidFill>
@@ -3428,7 +3444,7 @@
         </p:nvSpPr>
         <p:spPr>
           <a:xfrm>
-            <a:off x="39153" y="3335530"/>
+            <a:off x="39153" y="3361656"/>
             <a:ext cx="9828000" cy="1620000"/>
           </a:xfrm>
           <a:prstGeom prst="rect">
@@ -3488,7 +3504,7 @@
                   <a:schemeClr val="tx1"/>
                 </a:solidFill>
               </a:rPr>
-              <a:t> There will be a tab for current orders for the client. That is not displayed if you are not logged in.</a:t>
+              <a:t> A tab will be added to the website which will be available to everyone, regardless of if they have an account or not. This tab will open a how to page, including contact details for further queries.</a:t>
             </a:r>
           </a:p>
         </p:txBody>
@@ -3542,13 +3558,18 @@
           <a:p>
             <a:pPr algn="ctr"/>
             <a:r>
-              <a:rPr lang="en-AU" sz="2000" dirty="0">
-                <a:solidFill>
-                  <a:schemeClr val="tx1"/>
-                </a:solidFill>
-              </a:rPr>
-              <a:t>Story Points</a:t>
-            </a:r>
+              <a:rPr lang="en-AU" sz="2000" dirty="0" smtClean="0">
+                <a:solidFill>
+                  <a:schemeClr val="tx1"/>
+                </a:solidFill>
+              </a:rPr>
+              <a:t>1</a:t>
+            </a:r>
+            <a:endParaRPr lang="en-AU" sz="2000" dirty="0">
+              <a:solidFill>
+                <a:schemeClr val="tx1"/>
+              </a:solidFill>
+            </a:endParaRPr>
           </a:p>
         </p:txBody>
       </p:sp>
@@ -3602,13 +3623,18 @@
           <a:p>
             <a:pPr algn="ctr"/>
             <a:r>
-              <a:rPr lang="en-AU" sz="2000" dirty="0">
-                <a:solidFill>
-                  <a:schemeClr val="tx1"/>
-                </a:solidFill>
-              </a:rPr>
-              <a:t>Priority</a:t>
-            </a:r>
+              <a:rPr lang="en-AU" sz="2000" dirty="0" smtClean="0">
+                <a:solidFill>
+                  <a:schemeClr val="tx1"/>
+                </a:solidFill>
+              </a:rPr>
+              <a:t>Could</a:t>
+            </a:r>
+            <a:endParaRPr lang="en-AU" sz="2000" dirty="0">
+              <a:solidFill>
+                <a:schemeClr val="tx1"/>
+              </a:solidFill>
+            </a:endParaRPr>
           </a:p>
         </p:txBody>
       </p:sp>
@@ -3672,34 +3698,12 @@
               <a:buChar char="•"/>
             </a:pPr>
             <a:r>
-              <a:rPr lang="en-AU" sz="2000" dirty="0">
-                <a:solidFill>
-                  <a:schemeClr val="tx1"/>
-                </a:solidFill>
-              </a:rPr>
-              <a:t> </a:t>
-            </a:r>
-            <a:r>
               <a:rPr lang="en-AU" sz="2000" dirty="0" smtClean="0">
                 <a:solidFill>
                   <a:schemeClr val="tx1"/>
                 </a:solidFill>
               </a:rPr>
-              <a:t>Status being; not yet picked up, at warehouse, left warehouse for delivery and successfully delivered. The associated timestamps should also be displayed for each step of the journey.</a:t>
-            </a:r>
-          </a:p>
-          <a:p>
-            <a:pPr marL="179388" indent="-179388">
-              <a:buFont typeface="Arial" pitchFamily="34" charset="0"/>
-              <a:buChar char="•"/>
-            </a:pPr>
-            <a:r>
-              <a:rPr lang="en-AU" sz="2000" dirty="0" smtClean="0">
-                <a:solidFill>
-                  <a:schemeClr val="tx1"/>
-                </a:solidFill>
-              </a:rPr>
-              <a:t>Desirable: Offer an estimated delivery time based off time the package left the warehouse and the destinations distance from the warehouse.</a:t>
+              <a:t>Ideally the website and process of placing a delivery order should be intuitive enough for a help page to redundant/not useful.</a:t>
             </a:r>
             <a:endParaRPr lang="en-AU" sz="2000" dirty="0">
               <a:solidFill>
@@ -3712,7 +3716,7 @@
     </p:spTree>
     <p:extLst>
       <p:ext uri="{BB962C8B-B14F-4D97-AF65-F5344CB8AC3E}">
-        <p14:creationId xmlns:p14="http://schemas.microsoft.com/office/powerpoint/2010/main" val="2067043870"/>
+        <p14:creationId xmlns:p14="http://schemas.microsoft.com/office/powerpoint/2010/main" val="3996652161"/>
       </p:ext>
     </p:extLst>
   </p:cSld>
@@ -3794,8 +3798,21 @@
                   <a:schemeClr val="tx1"/>
                 </a:solidFill>
               </a:rPr>
-              <a:t>Story 1-1</a:t>
-            </a:r>
+              <a:t>Story </a:t>
+            </a:r>
+            <a:r>
+              <a:rPr lang="en-AU" sz="2000" dirty="0" smtClean="0">
+                <a:solidFill>
+                  <a:schemeClr val="tx1"/>
+                </a:solidFill>
+              </a:rPr>
+              <a:t>C-3</a:t>
+            </a:r>
+            <a:endParaRPr lang="en-AU" sz="2000" dirty="0">
+              <a:solidFill>
+                <a:schemeClr val="tx1"/>
+              </a:solidFill>
+            </a:endParaRPr>
           </a:p>
         </p:txBody>
       </p:sp>
@@ -3843,9 +3860,10 @@
           <a:p>
             <a:pPr algn="ctr"/>
             <a:r>
-              <a:rPr lang="en-AU" sz="2800" dirty="0"/>
-              <a:t>Customer</a:t>
-            </a:r>
+              <a:rPr lang="en-AU" sz="2800" dirty="0" smtClean="0"/>
+              <a:t>Order Status</a:t>
+            </a:r>
+            <a:endParaRPr lang="en-AU" sz="2800" dirty="0"/>
           </a:p>
         </p:txBody>
       </p:sp>
@@ -3897,23 +3915,35 @@
           <a:bodyPr rtlCol="0" anchor="t" anchorCtr="0"/>
           <a:lstStyle/>
           <a:p>
-            <a:pPr lvl="0"/>
             <a:r>
               <a:rPr lang="en-US" sz="2400" dirty="0">
                 <a:solidFill>
                   <a:schemeClr val="tx1"/>
                 </a:solidFill>
               </a:rPr>
-              <a:t>• 	</a:t>
-            </a:r>
-            <a:r>
-              <a:rPr lang="en-AU" sz="2400" dirty="0">
-                <a:solidFill>
-                  <a:schemeClr val="tx1"/>
-                </a:solidFill>
-              </a:rPr>
-              <a:t>As a customer I want to be able to request a pick-up so I can plan a time when I am free in case I am not available at delivery.</a:t>
-            </a:r>
+              <a:t>•	As a customer I want to be able to know the status of my order so I can track my package and plan </a:t>
+            </a:r>
+            <a:r>
+              <a:rPr lang="en-US" sz="2400" dirty="0" smtClean="0">
+                <a:solidFill>
+                  <a:schemeClr val="tx1"/>
+                </a:solidFill>
+              </a:rPr>
+              <a:t>for the </a:t>
+            </a:r>
+            <a:r>
+              <a:rPr lang="en-US" sz="2400" dirty="0">
+                <a:solidFill>
+                  <a:schemeClr val="tx1"/>
+                </a:solidFill>
+              </a:rPr>
+              <a:t>delivery time.</a:t>
+            </a:r>
+            <a:endParaRPr lang="en-AU" sz="2400" dirty="0">
+              <a:solidFill>
+                <a:schemeClr val="tx1"/>
+              </a:solidFill>
+            </a:endParaRPr>
           </a:p>
         </p:txBody>
       </p:sp>
@@ -3985,7 +4015,7 @@
                   <a:schemeClr val="tx1"/>
                 </a:solidFill>
               </a:rPr>
-              <a:t> On the order form, there will be an option for pickup from the warehouse, which will cost less than a full courier service.</a:t>
+              <a:t> There will be a tab for current orders for the client. That is not displayed if you are not logged in.</a:t>
             </a:r>
           </a:p>
         </p:txBody>
@@ -4039,13 +4069,18 @@
           <a:p>
             <a:pPr algn="ctr"/>
             <a:r>
-              <a:rPr lang="en-AU" sz="2000" dirty="0">
-                <a:solidFill>
-                  <a:schemeClr val="tx1"/>
-                </a:solidFill>
-              </a:rPr>
-              <a:t>Story Points</a:t>
-            </a:r>
+              <a:rPr lang="en-AU" sz="2000" dirty="0" smtClean="0">
+                <a:solidFill>
+                  <a:schemeClr val="tx1"/>
+                </a:solidFill>
+              </a:rPr>
+              <a:t>2</a:t>
+            </a:r>
+            <a:endParaRPr lang="en-AU" sz="2000" dirty="0">
+              <a:solidFill>
+                <a:schemeClr val="tx1"/>
+              </a:solidFill>
+            </a:endParaRPr>
           </a:p>
         </p:txBody>
       </p:sp>
@@ -4099,13 +4134,18 @@
           <a:p>
             <a:pPr algn="ctr"/>
             <a:r>
-              <a:rPr lang="en-AU" sz="2000" dirty="0">
-                <a:solidFill>
-                  <a:schemeClr val="tx1"/>
-                </a:solidFill>
-              </a:rPr>
-              <a:t>Priority</a:t>
-            </a:r>
+              <a:rPr lang="en-AU" sz="2000" dirty="0" smtClean="0">
+                <a:solidFill>
+                  <a:schemeClr val="tx1"/>
+                </a:solidFill>
+              </a:rPr>
+              <a:t>Should</a:t>
+            </a:r>
+            <a:endParaRPr lang="en-AU" sz="2000" dirty="0">
+              <a:solidFill>
+                <a:schemeClr val="tx1"/>
+              </a:solidFill>
+            </a:endParaRPr>
           </a:p>
         </p:txBody>
       </p:sp>
@@ -4176,13 +4216,40 @@
               </a:rPr>
               <a:t> </a:t>
             </a:r>
+            <a:r>
+              <a:rPr lang="en-AU" sz="2000" dirty="0" smtClean="0">
+                <a:solidFill>
+                  <a:schemeClr val="tx1"/>
+                </a:solidFill>
+              </a:rPr>
+              <a:t>Status being; not yet picked up, at warehouse, left warehouse for delivery and successfully delivered. The associated timestamps should also be displayed for each step of the journey.</a:t>
+            </a:r>
+          </a:p>
+          <a:p>
+            <a:pPr marL="179388" indent="-179388">
+              <a:buFont typeface="Arial" pitchFamily="34" charset="0"/>
+              <a:buChar char="•"/>
+            </a:pPr>
+            <a:r>
+              <a:rPr lang="en-AU" sz="2000" dirty="0" smtClean="0">
+                <a:solidFill>
+                  <a:schemeClr val="tx1"/>
+                </a:solidFill>
+              </a:rPr>
+              <a:t>Desirable: Offer an estimated delivery time based off time the package left the warehouse and the destinations distance from the warehouse.</a:t>
+            </a:r>
+            <a:endParaRPr lang="en-AU" sz="2000" dirty="0">
+              <a:solidFill>
+                <a:schemeClr val="tx1"/>
+              </a:solidFill>
+            </a:endParaRPr>
           </a:p>
         </p:txBody>
       </p:sp>
     </p:spTree>
     <p:extLst>
       <p:ext uri="{BB962C8B-B14F-4D97-AF65-F5344CB8AC3E}">
-        <p14:creationId xmlns:p14="http://schemas.microsoft.com/office/powerpoint/2010/main" val="3145221378"/>
+        <p14:creationId xmlns:p14="http://schemas.microsoft.com/office/powerpoint/2010/main" val="2067043870"/>
       </p:ext>
     </p:extLst>
   </p:cSld>
@@ -4264,8 +4331,21 @@
                   <a:schemeClr val="tx1"/>
                 </a:solidFill>
               </a:rPr>
-              <a:t>Story 1-1</a:t>
-            </a:r>
+              <a:t>Story </a:t>
+            </a:r>
+            <a:r>
+              <a:rPr lang="en-AU" sz="2000" dirty="0" smtClean="0">
+                <a:solidFill>
+                  <a:schemeClr val="tx1"/>
+                </a:solidFill>
+              </a:rPr>
+              <a:t>C-4</a:t>
+            </a:r>
+            <a:endParaRPr lang="en-AU" sz="2000" dirty="0">
+              <a:solidFill>
+                <a:schemeClr val="tx1"/>
+              </a:solidFill>
+            </a:endParaRPr>
           </a:p>
         </p:txBody>
       </p:sp>
@@ -4313,9 +4393,10 @@
           <a:p>
             <a:pPr algn="ctr"/>
             <a:r>
-              <a:rPr lang="en-AU" sz="2800" dirty="0"/>
-              <a:t>Courier</a:t>
-            </a:r>
+              <a:rPr lang="en-AU" sz="2800" dirty="0" smtClean="0"/>
+              <a:t>Pick-Up Request</a:t>
+            </a:r>
+            <a:endParaRPr lang="en-AU" sz="2800" dirty="0"/>
           </a:p>
         </p:txBody>
       </p:sp>
@@ -4382,7 +4463,23 @@
                   <a:schemeClr val="tx1"/>
                 </a:solidFill>
               </a:rPr>
-              <a:t>As a courier, I want to be able to know which route to take for my deliveries so I can take the correct route and deliver to customers on time.</a:t>
+              <a:t>As a customer I want to be able to request a </a:t>
+            </a:r>
+            <a:r>
+              <a:rPr lang="en-AU" sz="2400" dirty="0" smtClean="0">
+                <a:solidFill>
+                  <a:schemeClr val="tx1"/>
+                </a:solidFill>
+              </a:rPr>
+              <a:t>pick-up in case I or the recipient is not available at </a:t>
+            </a:r>
+            <a:r>
+              <a:rPr lang="en-AU" sz="2400" dirty="0">
+                <a:solidFill>
+                  <a:schemeClr val="tx1"/>
+                </a:solidFill>
+              </a:rPr>
+              <a:t>delivery.</a:t>
             </a:r>
           </a:p>
         </p:txBody>
@@ -4455,7 +4552,7 @@
                   <a:schemeClr val="tx1"/>
                 </a:solidFill>
               </a:rPr>
-              <a:t> This is hard to enforce, so a GPS will be provided to every employee of the company. As part of the company policy.</a:t>
+              <a:t> On the order form, there will be an option for pickup from the warehouse, which will cost less than a full courier service.</a:t>
             </a:r>
           </a:p>
         </p:txBody>
@@ -4514,7 +4611,7 @@
                   <a:schemeClr val="tx1"/>
                 </a:solidFill>
               </a:rPr>
-              <a:t>Story Points</a:t>
+              <a:t>1</a:t>
             </a:r>
           </a:p>
         </p:txBody>
@@ -4569,13 +4666,18 @@
           <a:p>
             <a:pPr algn="ctr"/>
             <a:r>
-              <a:rPr lang="en-AU" sz="2000" dirty="0">
-                <a:solidFill>
-                  <a:schemeClr val="tx1"/>
-                </a:solidFill>
-              </a:rPr>
-              <a:t>Priority</a:t>
-            </a:r>
+              <a:rPr lang="en-AU" sz="2000" dirty="0" smtClean="0">
+                <a:solidFill>
+                  <a:schemeClr val="tx1"/>
+                </a:solidFill>
+              </a:rPr>
+              <a:t>Should</a:t>
+            </a:r>
+            <a:endParaRPr lang="en-AU" sz="2000" dirty="0">
+              <a:solidFill>
+                <a:schemeClr val="tx1"/>
+              </a:solidFill>
+            </a:endParaRPr>
           </a:p>
         </p:txBody>
       </p:sp>
@@ -4646,42 +4748,13 @@
               </a:rPr>
               <a:t> </a:t>
             </a:r>
-            <a:r>
-              <a:rPr lang="en-AU" sz="2000" dirty="0" smtClean="0">
-                <a:solidFill>
-                  <a:schemeClr val="tx1"/>
-                </a:solidFill>
-              </a:rPr>
-              <a:t>What kind of software exists for route planning (traveling salesman problem, input list of delivery destinations and the software will output a route along with the standard </a:t>
-            </a:r>
-            <a:r>
-              <a:rPr lang="en-AU" sz="2000" dirty="0" err="1" smtClean="0">
-                <a:solidFill>
-                  <a:schemeClr val="tx1"/>
-                </a:solidFill>
-              </a:rPr>
-              <a:t>gps</a:t>
-            </a:r>
-            <a:r>
-              <a:rPr lang="en-AU" sz="2000" dirty="0" smtClean="0">
-                <a:solidFill>
-                  <a:schemeClr val="tx1"/>
-                </a:solidFill>
-              </a:rPr>
-              <a:t> capabilities)</a:t>
-            </a:r>
-            <a:endParaRPr lang="en-AU" sz="2000" dirty="0">
-              <a:solidFill>
-                <a:schemeClr val="tx1"/>
-              </a:solidFill>
-            </a:endParaRPr>
           </a:p>
         </p:txBody>
       </p:sp>
     </p:spTree>
     <p:extLst>
       <p:ext uri="{BB962C8B-B14F-4D97-AF65-F5344CB8AC3E}">
-        <p14:creationId xmlns:p14="http://schemas.microsoft.com/office/powerpoint/2010/main" val="3947706465"/>
+        <p14:creationId xmlns:p14="http://schemas.microsoft.com/office/powerpoint/2010/main" val="3145221378"/>
       </p:ext>
     </p:extLst>
   </p:cSld>
@@ -4763,8 +4836,21 @@
                   <a:schemeClr val="tx1"/>
                 </a:solidFill>
               </a:rPr>
-              <a:t>Story 1-1</a:t>
-            </a:r>
+              <a:t>Story </a:t>
+            </a:r>
+            <a:r>
+              <a:rPr lang="en-AU" sz="2000" dirty="0" smtClean="0">
+                <a:solidFill>
+                  <a:schemeClr val="tx1"/>
+                </a:solidFill>
+              </a:rPr>
+              <a:t>C-5</a:t>
+            </a:r>
+            <a:endParaRPr lang="en-AU" sz="2000" dirty="0">
+              <a:solidFill>
+                <a:schemeClr val="tx1"/>
+              </a:solidFill>
+            </a:endParaRPr>
           </a:p>
         </p:txBody>
       </p:sp>
@@ -4812,9 +4898,10 @@
           <a:p>
             <a:pPr algn="ctr"/>
             <a:r>
-              <a:rPr lang="en-AU" sz="2800" dirty="0"/>
-              <a:t>Courier</a:t>
-            </a:r>
+              <a:rPr lang="en-AU" sz="2800" dirty="0" smtClean="0"/>
+              <a:t>Order Form</a:t>
+            </a:r>
+            <a:endParaRPr lang="en-AU" sz="2800" dirty="0"/>
           </a:p>
         </p:txBody>
       </p:sp>
@@ -4881,24 +4968,21 @@
                   <a:schemeClr val="tx1"/>
                 </a:solidFill>
               </a:rPr>
-              <a:t>As a courier, I want to be able know the type of package I am delivering (Weight, shape, </a:t>
-            </a:r>
-            <a:r>
-              <a:rPr lang="en-AU" sz="2400" dirty="0" err="1">
-                <a:solidFill>
-                  <a:schemeClr val="tx1"/>
-                </a:solidFill>
-              </a:rPr>
-              <a:t>etc</a:t>
-            </a:r>
-            <a:r>
-              <a:rPr lang="en-AU" sz="2400" dirty="0">
-                <a:solidFill>
-                  <a:schemeClr val="tx1"/>
-                </a:solidFill>
-              </a:rPr>
-              <a:t>) so I can plan how much content can be packed into the truck per delivery.</a:t>
-            </a:r>
+              <a:t>As a customer I want to be able to </a:t>
+            </a:r>
+            <a:r>
+              <a:rPr lang="en-AU" sz="2400" dirty="0" smtClean="0">
+                <a:solidFill>
+                  <a:schemeClr val="tx1"/>
+                </a:solidFill>
+              </a:rPr>
+              <a:t>place a delivery order online so that I can place an order for delivery or pick-up whenever I want to do so. </a:t>
+            </a:r>
+            <a:endParaRPr lang="en-AU" sz="2400" dirty="0">
+              <a:solidFill>
+                <a:schemeClr val="tx1"/>
+              </a:solidFill>
+            </a:endParaRPr>
           </a:p>
         </p:txBody>
       </p:sp>
@@ -4970,24 +5054,21 @@
                   <a:schemeClr val="tx1"/>
                 </a:solidFill>
               </a:rPr>
-              <a:t> This will merely be an addition to the order form. Under a section titled “Package details” the (Weight, shape, </a:t>
-            </a:r>
-            <a:r>
-              <a:rPr lang="en-AU" sz="2000" dirty="0" err="1">
-                <a:solidFill>
-                  <a:schemeClr val="tx1"/>
-                </a:solidFill>
-              </a:rPr>
-              <a:t>etc</a:t>
-            </a:r>
-            <a:r>
-              <a:rPr lang="en-AU" sz="2000" dirty="0">
-                <a:solidFill>
-                  <a:schemeClr val="tx1"/>
-                </a:solidFill>
-              </a:rPr>
-              <a:t>) will be included.</a:t>
-            </a:r>
+              <a:t> </a:t>
+            </a:r>
+            <a:r>
+              <a:rPr lang="en-AU" sz="2000" dirty="0" smtClean="0">
+                <a:solidFill>
+                  <a:schemeClr val="tx1"/>
+                </a:solidFill>
+              </a:rPr>
+              <a:t>Be able to place an order via order form on the website</a:t>
+            </a:r>
+            <a:endParaRPr lang="en-AU" sz="2000" dirty="0">
+              <a:solidFill>
+                <a:schemeClr val="tx1"/>
+              </a:solidFill>
+            </a:endParaRPr>
           </a:p>
         </p:txBody>
       </p:sp>
@@ -5040,13 +5121,18 @@
           <a:p>
             <a:pPr algn="ctr"/>
             <a:r>
-              <a:rPr lang="en-AU" sz="2000" dirty="0">
-                <a:solidFill>
-                  <a:schemeClr val="tx1"/>
-                </a:solidFill>
-              </a:rPr>
-              <a:t>Story Points</a:t>
-            </a:r>
+              <a:rPr lang="en-AU" sz="2000" dirty="0" smtClean="0">
+                <a:solidFill>
+                  <a:schemeClr val="tx1"/>
+                </a:solidFill>
+              </a:rPr>
+              <a:t>4</a:t>
+            </a:r>
+            <a:endParaRPr lang="en-AU" sz="2000" dirty="0">
+              <a:solidFill>
+                <a:schemeClr val="tx1"/>
+              </a:solidFill>
+            </a:endParaRPr>
           </a:p>
         </p:txBody>
       </p:sp>
@@ -5100,13 +5186,18 @@
           <a:p>
             <a:pPr algn="ctr"/>
             <a:r>
-              <a:rPr lang="en-AU" sz="2000" dirty="0">
-                <a:solidFill>
-                  <a:schemeClr val="tx1"/>
-                </a:solidFill>
-              </a:rPr>
-              <a:t>Priority</a:t>
-            </a:r>
+              <a:rPr lang="en-AU" sz="2000" dirty="0" smtClean="0">
+                <a:solidFill>
+                  <a:schemeClr val="tx1"/>
+                </a:solidFill>
+              </a:rPr>
+              <a:t>Must</a:t>
+            </a:r>
+            <a:endParaRPr lang="en-AU" sz="2000" dirty="0">
+              <a:solidFill>
+                <a:schemeClr val="tx1"/>
+              </a:solidFill>
+            </a:endParaRPr>
           </a:p>
         </p:txBody>
       </p:sp>
@@ -5177,40 +5268,13 @@
               </a:rPr>
               <a:t> </a:t>
             </a:r>
-            <a:r>
-              <a:rPr lang="en-AU" sz="1400" dirty="0" smtClean="0">
-                <a:solidFill>
-                  <a:schemeClr val="tx1"/>
-                </a:solidFill>
-              </a:rPr>
-              <a:t>Weight is obviously a necessity as the delivery cost is calculated from the weight though the size and shape may not be as useful as it will likely just be someone's job to try and fit as many packages as possible in the truck based off looks rather than reading the specified shape and size.</a:t>
-            </a:r>
-          </a:p>
-          <a:p>
-            <a:pPr marL="179388" indent="-179388">
-              <a:buFont typeface="Arial" pitchFamily="34" charset="0"/>
-              <a:buChar char="•"/>
-            </a:pPr>
-            <a:r>
-              <a:rPr lang="en-AU" sz="1400" dirty="0" smtClean="0">
-                <a:solidFill>
-                  <a:schemeClr val="tx1"/>
-                </a:solidFill>
-              </a:rPr>
-              <a:t>This could then be covered by an additional details section and/or an oversized tick-box for packages over a certain length in any dimension.</a:t>
-            </a:r>
-            <a:endParaRPr lang="en-AU" sz="1400" dirty="0">
-              <a:solidFill>
-                <a:schemeClr val="tx1"/>
-              </a:solidFill>
-            </a:endParaRPr>
           </a:p>
         </p:txBody>
       </p:sp>
     </p:spTree>
     <p:extLst>
       <p:ext uri="{BB962C8B-B14F-4D97-AF65-F5344CB8AC3E}">
-        <p14:creationId xmlns:p14="http://schemas.microsoft.com/office/powerpoint/2010/main" val="401748399"/>
+        <p14:creationId xmlns:p14="http://schemas.microsoft.com/office/powerpoint/2010/main" val="2305072328"/>
       </p:ext>
     </p:extLst>
   </p:cSld>
@@ -5292,8 +5356,21 @@
                   <a:schemeClr val="tx1"/>
                 </a:solidFill>
               </a:rPr>
-              <a:t>Story 1-1</a:t>
-            </a:r>
+              <a:t>Story </a:t>
+            </a:r>
+            <a:r>
+              <a:rPr lang="en-AU" sz="2000" dirty="0" smtClean="0">
+                <a:solidFill>
+                  <a:schemeClr val="tx1"/>
+                </a:solidFill>
+              </a:rPr>
+              <a:t>E-1</a:t>
+            </a:r>
+            <a:endParaRPr lang="en-AU" sz="2000" dirty="0">
+              <a:solidFill>
+                <a:schemeClr val="tx1"/>
+              </a:solidFill>
+            </a:endParaRPr>
           </a:p>
         </p:txBody>
       </p:sp>
@@ -5341,9 +5418,1086 @@
           <a:p>
             <a:pPr algn="ctr"/>
             <a:r>
-              <a:rPr lang="en-AU" sz="2800" dirty="0"/>
-              <a:t>Courier</a:t>
-            </a:r>
+              <a:rPr lang="en-AU" sz="2800" dirty="0" smtClean="0"/>
+              <a:t>Delivery Route</a:t>
+            </a:r>
+            <a:endParaRPr lang="en-AU" sz="2800" dirty="0"/>
+          </a:p>
+        </p:txBody>
+      </p:sp>
+      <p:sp>
+        <p:nvSpPr>
+          <p:cNvPr id="7" name="Rectangle 6"/>
+          <p:cNvSpPr/>
+          <p:nvPr/>
+        </p:nvSpPr>
+        <p:spPr>
+          <a:xfrm>
+            <a:off x="39153" y="822470"/>
+            <a:ext cx="9828000" cy="2340000"/>
+          </a:xfrm>
+          <a:prstGeom prst="rect">
+            <a:avLst/>
+          </a:prstGeom>
+          <a:solidFill>
+            <a:schemeClr val="tx2">
+              <a:lumMod val="20000"/>
+              <a:lumOff val="80000"/>
+            </a:schemeClr>
+          </a:solidFill>
+          <a:ln>
+            <a:solidFill>
+              <a:schemeClr val="accent1">
+                <a:lumMod val="50000"/>
+              </a:schemeClr>
+            </a:solidFill>
+          </a:ln>
+        </p:spPr>
+        <p:style>
+          <a:lnRef idx="2">
+            <a:schemeClr val="accent1">
+              <a:shade val="50000"/>
+            </a:schemeClr>
+          </a:lnRef>
+          <a:fillRef idx="1">
+            <a:schemeClr val="accent1"/>
+          </a:fillRef>
+          <a:effectRef idx="0">
+            <a:schemeClr val="accent1"/>
+          </a:effectRef>
+          <a:fontRef idx="minor">
+            <a:schemeClr val="lt1"/>
+          </a:fontRef>
+        </p:style>
+        <p:txBody>
+          <a:bodyPr rtlCol="0" anchor="t" anchorCtr="0"/>
+          <a:lstStyle/>
+          <a:p>
+            <a:pPr lvl="0"/>
+            <a:r>
+              <a:rPr lang="en-US" sz="2400" dirty="0">
+                <a:solidFill>
+                  <a:schemeClr val="tx1"/>
+                </a:solidFill>
+              </a:rPr>
+              <a:t>• 	</a:t>
+            </a:r>
+            <a:r>
+              <a:rPr lang="en-AU" sz="2400" dirty="0">
+                <a:solidFill>
+                  <a:schemeClr val="tx1"/>
+                </a:solidFill>
+              </a:rPr>
+              <a:t>As a courier, I want to be able to know which route to take for my deliveries so I can take the correct route and deliver to customers on time.</a:t>
+            </a:r>
+          </a:p>
+        </p:txBody>
+      </p:sp>
+      <p:sp>
+        <p:nvSpPr>
+          <p:cNvPr id="8" name="Rectangle 7"/>
+          <p:cNvSpPr/>
+          <p:nvPr/>
+        </p:nvSpPr>
+        <p:spPr>
+          <a:xfrm>
+            <a:off x="39153" y="3335530"/>
+            <a:ext cx="9828000" cy="1620000"/>
+          </a:xfrm>
+          <a:prstGeom prst="rect">
+            <a:avLst/>
+          </a:prstGeom>
+          <a:solidFill>
+            <a:schemeClr val="accent1">
+              <a:lumMod val="20000"/>
+              <a:lumOff val="80000"/>
+            </a:schemeClr>
+          </a:solidFill>
+          <a:ln>
+            <a:solidFill>
+              <a:schemeClr val="accent1">
+                <a:lumMod val="50000"/>
+              </a:schemeClr>
+            </a:solidFill>
+          </a:ln>
+        </p:spPr>
+        <p:style>
+          <a:lnRef idx="2">
+            <a:schemeClr val="accent1">
+              <a:shade val="50000"/>
+            </a:schemeClr>
+          </a:lnRef>
+          <a:fillRef idx="1">
+            <a:schemeClr val="accent1"/>
+          </a:fillRef>
+          <a:effectRef idx="0">
+            <a:schemeClr val="accent1"/>
+          </a:effectRef>
+          <a:fontRef idx="minor">
+            <a:schemeClr val="lt1"/>
+          </a:fontRef>
+        </p:style>
+        <p:txBody>
+          <a:bodyPr tIns="36000" rtlCol="0" anchor="t" anchorCtr="0"/>
+          <a:lstStyle/>
+          <a:p>
+            <a:r>
+              <a:rPr lang="en-AU" sz="2000" dirty="0">
+                <a:solidFill>
+                  <a:schemeClr val="tx1"/>
+                </a:solidFill>
+              </a:rPr>
+              <a:t>Acceptance Criteria</a:t>
+            </a:r>
+          </a:p>
+          <a:p>
+            <a:pPr marL="179388" indent="-179388">
+              <a:buFont typeface="Arial" pitchFamily="34" charset="0"/>
+              <a:buChar char="•"/>
+            </a:pPr>
+            <a:r>
+              <a:rPr lang="en-AU" sz="2000" dirty="0">
+                <a:solidFill>
+                  <a:schemeClr val="tx1"/>
+                </a:solidFill>
+              </a:rPr>
+              <a:t> This is hard to enforce, so a GPS will be provided to every employee of the company. As part of the company policy.</a:t>
+            </a:r>
+          </a:p>
+        </p:txBody>
+      </p:sp>
+      <p:sp>
+        <p:nvSpPr>
+          <p:cNvPr id="11" name="Rectangle 10"/>
+          <p:cNvSpPr/>
+          <p:nvPr/>
+        </p:nvSpPr>
+        <p:spPr>
+          <a:xfrm>
+            <a:off x="9147153" y="109410"/>
+            <a:ext cx="720000" cy="540000"/>
+          </a:xfrm>
+          <a:prstGeom prst="rect">
+            <a:avLst/>
+          </a:prstGeom>
+          <a:solidFill>
+            <a:srgbClr val="CCF0CD">
+              <a:alpha val="20000"/>
+            </a:srgbClr>
+          </a:solidFill>
+          <a:ln>
+            <a:solidFill>
+              <a:schemeClr val="accent1">
+                <a:lumMod val="50000"/>
+              </a:schemeClr>
+            </a:solidFill>
+          </a:ln>
+        </p:spPr>
+        <p:style>
+          <a:lnRef idx="2">
+            <a:schemeClr val="accent1">
+              <a:shade val="50000"/>
+            </a:schemeClr>
+          </a:lnRef>
+          <a:fillRef idx="1">
+            <a:schemeClr val="accent1"/>
+          </a:fillRef>
+          <a:effectRef idx="0">
+            <a:schemeClr val="accent1"/>
+          </a:effectRef>
+          <a:fontRef idx="minor">
+            <a:schemeClr val="lt1"/>
+          </a:fontRef>
+        </p:style>
+        <p:txBody>
+          <a:bodyPr wrap="square" lIns="0" rIns="0" rtlCol="0" anchor="ctr"/>
+          <a:lstStyle/>
+          <a:p>
+            <a:pPr algn="ctr"/>
+            <a:r>
+              <a:rPr lang="en-AU" sz="2000" smtClean="0">
+                <a:solidFill>
+                  <a:schemeClr val="tx1"/>
+                </a:solidFill>
+              </a:rPr>
+              <a:t>16</a:t>
+            </a:r>
+            <a:endParaRPr lang="en-AU" sz="2000" dirty="0">
+              <a:solidFill>
+                <a:schemeClr val="tx1"/>
+              </a:solidFill>
+            </a:endParaRPr>
+          </a:p>
+        </p:txBody>
+      </p:sp>
+      <p:sp>
+        <p:nvSpPr>
+          <p:cNvPr id="12" name="Rectangle 11"/>
+          <p:cNvSpPr/>
+          <p:nvPr/>
+        </p:nvSpPr>
+        <p:spPr>
+          <a:xfrm>
+            <a:off x="8283153" y="109410"/>
+            <a:ext cx="792000" cy="540000"/>
+          </a:xfrm>
+          <a:prstGeom prst="rect">
+            <a:avLst/>
+          </a:prstGeom>
+          <a:solidFill>
+            <a:schemeClr val="accent4">
+              <a:lumMod val="20000"/>
+              <a:lumOff val="80000"/>
+            </a:schemeClr>
+          </a:solidFill>
+          <a:ln>
+            <a:solidFill>
+              <a:schemeClr val="accent1">
+                <a:lumMod val="50000"/>
+              </a:schemeClr>
+            </a:solidFill>
+          </a:ln>
+        </p:spPr>
+        <p:style>
+          <a:lnRef idx="2">
+            <a:schemeClr val="accent1">
+              <a:shade val="50000"/>
+            </a:schemeClr>
+          </a:lnRef>
+          <a:fillRef idx="1">
+            <a:schemeClr val="accent1"/>
+          </a:fillRef>
+          <a:effectRef idx="0">
+            <a:schemeClr val="accent1"/>
+          </a:effectRef>
+          <a:fontRef idx="minor">
+            <a:schemeClr val="lt1"/>
+          </a:fontRef>
+        </p:style>
+        <p:txBody>
+          <a:bodyPr wrap="none" lIns="0" rIns="0" rtlCol="0" anchor="ctr"/>
+          <a:lstStyle/>
+          <a:p>
+            <a:pPr algn="ctr"/>
+            <a:r>
+              <a:rPr lang="en-AU" sz="2000" dirty="0" smtClean="0">
+                <a:solidFill>
+                  <a:schemeClr val="tx1"/>
+                </a:solidFill>
+              </a:rPr>
+              <a:t>Could</a:t>
+            </a:r>
+            <a:endParaRPr lang="en-AU" sz="2000" dirty="0">
+              <a:solidFill>
+                <a:schemeClr val="tx1"/>
+              </a:solidFill>
+            </a:endParaRPr>
+          </a:p>
+        </p:txBody>
+      </p:sp>
+      <p:sp>
+        <p:nvSpPr>
+          <p:cNvPr id="13" name="Rectangle 12"/>
+          <p:cNvSpPr/>
+          <p:nvPr/>
+        </p:nvSpPr>
+        <p:spPr>
+          <a:xfrm>
+            <a:off x="39153" y="5128590"/>
+            <a:ext cx="9828000" cy="1620000"/>
+          </a:xfrm>
+          <a:prstGeom prst="rect">
+            <a:avLst/>
+          </a:prstGeom>
+          <a:solidFill>
+            <a:schemeClr val="bg1"/>
+          </a:solidFill>
+          <a:ln>
+            <a:solidFill>
+              <a:schemeClr val="accent1">
+                <a:lumMod val="50000"/>
+              </a:schemeClr>
+            </a:solidFill>
+          </a:ln>
+        </p:spPr>
+        <p:style>
+          <a:lnRef idx="2">
+            <a:schemeClr val="accent1">
+              <a:shade val="50000"/>
+            </a:schemeClr>
+          </a:lnRef>
+          <a:fillRef idx="1">
+            <a:schemeClr val="accent1"/>
+          </a:fillRef>
+          <a:effectRef idx="0">
+            <a:schemeClr val="accent1"/>
+          </a:effectRef>
+          <a:fontRef idx="minor">
+            <a:schemeClr val="lt1"/>
+          </a:fontRef>
+        </p:style>
+        <p:txBody>
+          <a:bodyPr tIns="36000" rtlCol="0" anchor="t" anchorCtr="0"/>
+          <a:lstStyle/>
+          <a:p>
+            <a:r>
+              <a:rPr lang="en-AU" sz="2000" dirty="0">
+                <a:solidFill>
+                  <a:schemeClr val="tx1"/>
+                </a:solidFill>
+              </a:rPr>
+              <a:t>Notes</a:t>
+            </a:r>
+          </a:p>
+          <a:p>
+            <a:pPr marL="179388" indent="-179388">
+              <a:buFont typeface="Arial" pitchFamily="34" charset="0"/>
+              <a:buChar char="•"/>
+            </a:pPr>
+            <a:r>
+              <a:rPr lang="en-AU" sz="2000" dirty="0">
+                <a:solidFill>
+                  <a:schemeClr val="tx1"/>
+                </a:solidFill>
+              </a:rPr>
+              <a:t> </a:t>
+            </a:r>
+            <a:r>
+              <a:rPr lang="en-AU" sz="2000" dirty="0" smtClean="0">
+                <a:solidFill>
+                  <a:schemeClr val="tx1"/>
+                </a:solidFill>
+              </a:rPr>
+              <a:t>What kind of software exists for route planning (traveling salesman problem, input list of delivery destinations and the software will output a route along with the standard </a:t>
+            </a:r>
+            <a:r>
+              <a:rPr lang="en-AU" sz="2000" dirty="0" err="1" smtClean="0">
+                <a:solidFill>
+                  <a:schemeClr val="tx1"/>
+                </a:solidFill>
+              </a:rPr>
+              <a:t>gps</a:t>
+            </a:r>
+            <a:r>
+              <a:rPr lang="en-AU" sz="2000" dirty="0" smtClean="0">
+                <a:solidFill>
+                  <a:schemeClr val="tx1"/>
+                </a:solidFill>
+              </a:rPr>
+              <a:t> capabilities)</a:t>
+            </a:r>
+            <a:endParaRPr lang="en-AU" sz="2000" dirty="0">
+              <a:solidFill>
+                <a:schemeClr val="tx1"/>
+              </a:solidFill>
+            </a:endParaRPr>
+          </a:p>
+        </p:txBody>
+      </p:sp>
+    </p:spTree>
+    <p:extLst>
+      <p:ext uri="{BB962C8B-B14F-4D97-AF65-F5344CB8AC3E}">
+        <p14:creationId xmlns:p14="http://schemas.microsoft.com/office/powerpoint/2010/main" val="3947706465"/>
+      </p:ext>
+    </p:extLst>
+  </p:cSld>
+  <p:clrMapOvr>
+    <a:masterClrMapping/>
+  </p:clrMapOvr>
+</p:sld>
+</file>
+
+<file path=ppt/slides/slide15.xml><?xml version="1.0" encoding="utf-8"?>
+<p:sld xmlns:a="http://schemas.openxmlformats.org/drawingml/2006/main" xmlns:r="http://schemas.openxmlformats.org/officeDocument/2006/relationships" xmlns:p="http://schemas.openxmlformats.org/presentationml/2006/main">
+  <p:cSld>
+    <p:spTree>
+      <p:nvGrpSpPr>
+        <p:cNvPr id="1" name=""/>
+        <p:cNvGrpSpPr/>
+        <p:nvPr/>
+      </p:nvGrpSpPr>
+      <p:grpSpPr>
+        <a:xfrm>
+          <a:off x="0" y="0"/>
+          <a:ext cx="0" cy="0"/>
+          <a:chOff x="0" y="0"/>
+          <a:chExt cx="0" cy="0"/>
+        </a:xfrm>
+      </p:grpSpPr>
+      <p:sp>
+        <p:nvSpPr>
+          <p:cNvPr id="4" name="Rectangle 3"/>
+          <p:cNvSpPr/>
+          <p:nvPr/>
+        </p:nvSpPr>
+        <p:spPr>
+          <a:xfrm>
+            <a:off x="39153" y="109410"/>
+            <a:ext cx="720000" cy="540000"/>
+          </a:xfrm>
+          <a:prstGeom prst="rect">
+            <a:avLst/>
+          </a:prstGeom>
+          <a:solidFill>
+            <a:schemeClr val="accent1">
+              <a:lumMod val="40000"/>
+              <a:lumOff val="60000"/>
+            </a:schemeClr>
+          </a:solidFill>
+          <a:ln>
+            <a:solidFill>
+              <a:schemeClr val="accent1">
+                <a:lumMod val="50000"/>
+              </a:schemeClr>
+            </a:solidFill>
+          </a:ln>
+        </p:spPr>
+        <p:style>
+          <a:lnRef idx="2">
+            <a:schemeClr val="accent1">
+              <a:shade val="50000"/>
+            </a:schemeClr>
+          </a:lnRef>
+          <a:fillRef idx="1">
+            <a:schemeClr val="accent1"/>
+          </a:fillRef>
+          <a:effectRef idx="0">
+            <a:schemeClr val="accent1"/>
+          </a:effectRef>
+          <a:fontRef idx="minor">
+            <a:schemeClr val="lt1"/>
+          </a:fontRef>
+        </p:style>
+        <p:txBody>
+          <a:bodyPr wrap="square" lIns="0" rIns="0" rtlCol="0" anchor="ctr"/>
+          <a:lstStyle/>
+          <a:p>
+            <a:pPr algn="ctr"/>
+            <a:r>
+              <a:rPr lang="en-AU" sz="2000" dirty="0">
+                <a:solidFill>
+                  <a:schemeClr val="tx1"/>
+                </a:solidFill>
+              </a:rPr>
+              <a:t>Story </a:t>
+            </a:r>
+            <a:r>
+              <a:rPr lang="en-AU" sz="2000" dirty="0" smtClean="0">
+                <a:solidFill>
+                  <a:schemeClr val="tx1"/>
+                </a:solidFill>
+              </a:rPr>
+              <a:t>E-2</a:t>
+            </a:r>
+            <a:endParaRPr lang="en-AU" sz="2000" dirty="0">
+              <a:solidFill>
+                <a:schemeClr val="tx1"/>
+              </a:solidFill>
+            </a:endParaRPr>
+          </a:p>
+        </p:txBody>
+      </p:sp>
+      <p:sp>
+        <p:nvSpPr>
+          <p:cNvPr id="6" name="Rectangle 5"/>
+          <p:cNvSpPr/>
+          <p:nvPr/>
+        </p:nvSpPr>
+        <p:spPr>
+          <a:xfrm>
+            <a:off x="831153" y="109410"/>
+            <a:ext cx="7380000" cy="540000"/>
+          </a:xfrm>
+          <a:prstGeom prst="rect">
+            <a:avLst/>
+          </a:prstGeom>
+          <a:ln>
+            <a:solidFill>
+              <a:schemeClr val="accent1">
+                <a:lumMod val="50000"/>
+              </a:schemeClr>
+            </a:solidFill>
+          </a:ln>
+        </p:spPr>
+        <p:style>
+          <a:lnRef idx="2">
+            <a:schemeClr val="accent1">
+              <a:shade val="50000"/>
+            </a:schemeClr>
+          </a:lnRef>
+          <a:fillRef idx="1">
+            <a:schemeClr val="accent1"/>
+          </a:fillRef>
+          <a:effectRef idx="0">
+            <a:schemeClr val="accent1"/>
+          </a:effectRef>
+          <a:fontRef idx="minor">
+            <a:schemeClr val="lt1"/>
+          </a:fontRef>
+        </p:style>
+        <p:txBody>
+          <a:bodyPr rtlCol="0" anchor="ctr"/>
+          <a:lstStyle/>
+          <a:p>
+            <a:pPr algn="ctr"/>
+            <a:r>
+              <a:rPr lang="en-AU" sz="2800" dirty="0" smtClean="0"/>
+              <a:t>Package Type</a:t>
+            </a:r>
+            <a:endParaRPr lang="en-AU" sz="2800" dirty="0"/>
+          </a:p>
+        </p:txBody>
+      </p:sp>
+      <p:sp>
+        <p:nvSpPr>
+          <p:cNvPr id="7" name="Rectangle 6"/>
+          <p:cNvSpPr/>
+          <p:nvPr/>
+        </p:nvSpPr>
+        <p:spPr>
+          <a:xfrm>
+            <a:off x="39153" y="822470"/>
+            <a:ext cx="9828000" cy="2340000"/>
+          </a:xfrm>
+          <a:prstGeom prst="rect">
+            <a:avLst/>
+          </a:prstGeom>
+          <a:solidFill>
+            <a:schemeClr val="tx2">
+              <a:lumMod val="20000"/>
+              <a:lumOff val="80000"/>
+            </a:schemeClr>
+          </a:solidFill>
+          <a:ln>
+            <a:solidFill>
+              <a:schemeClr val="accent1">
+                <a:lumMod val="50000"/>
+              </a:schemeClr>
+            </a:solidFill>
+          </a:ln>
+        </p:spPr>
+        <p:style>
+          <a:lnRef idx="2">
+            <a:schemeClr val="accent1">
+              <a:shade val="50000"/>
+            </a:schemeClr>
+          </a:lnRef>
+          <a:fillRef idx="1">
+            <a:schemeClr val="accent1"/>
+          </a:fillRef>
+          <a:effectRef idx="0">
+            <a:schemeClr val="accent1"/>
+          </a:effectRef>
+          <a:fontRef idx="minor">
+            <a:schemeClr val="lt1"/>
+          </a:fontRef>
+        </p:style>
+        <p:txBody>
+          <a:bodyPr rtlCol="0" anchor="t" anchorCtr="0"/>
+          <a:lstStyle/>
+          <a:p>
+            <a:pPr lvl="0"/>
+            <a:r>
+              <a:rPr lang="en-US" sz="2400" dirty="0">
+                <a:solidFill>
+                  <a:schemeClr val="tx1"/>
+                </a:solidFill>
+              </a:rPr>
+              <a:t>• 	</a:t>
+            </a:r>
+            <a:r>
+              <a:rPr lang="en-AU" sz="2400" dirty="0">
+                <a:solidFill>
+                  <a:schemeClr val="tx1"/>
+                </a:solidFill>
+              </a:rPr>
+              <a:t>As a courier, I want to be able know the type of package I am delivering (Weight, shape, </a:t>
+            </a:r>
+            <a:r>
+              <a:rPr lang="en-AU" sz="2400" dirty="0" err="1">
+                <a:solidFill>
+                  <a:schemeClr val="tx1"/>
+                </a:solidFill>
+              </a:rPr>
+              <a:t>etc</a:t>
+            </a:r>
+            <a:r>
+              <a:rPr lang="en-AU" sz="2400" dirty="0">
+                <a:solidFill>
+                  <a:schemeClr val="tx1"/>
+                </a:solidFill>
+              </a:rPr>
+              <a:t>) so I can plan how much content can be packed into the truck per delivery.</a:t>
+            </a:r>
+          </a:p>
+        </p:txBody>
+      </p:sp>
+      <p:sp>
+        <p:nvSpPr>
+          <p:cNvPr id="8" name="Rectangle 7"/>
+          <p:cNvSpPr/>
+          <p:nvPr/>
+        </p:nvSpPr>
+        <p:spPr>
+          <a:xfrm>
+            <a:off x="39153" y="3335530"/>
+            <a:ext cx="9828000" cy="1620000"/>
+          </a:xfrm>
+          <a:prstGeom prst="rect">
+            <a:avLst/>
+          </a:prstGeom>
+          <a:solidFill>
+            <a:schemeClr val="accent1">
+              <a:lumMod val="20000"/>
+              <a:lumOff val="80000"/>
+            </a:schemeClr>
+          </a:solidFill>
+          <a:ln>
+            <a:solidFill>
+              <a:schemeClr val="accent1">
+                <a:lumMod val="50000"/>
+              </a:schemeClr>
+            </a:solidFill>
+          </a:ln>
+        </p:spPr>
+        <p:style>
+          <a:lnRef idx="2">
+            <a:schemeClr val="accent1">
+              <a:shade val="50000"/>
+            </a:schemeClr>
+          </a:lnRef>
+          <a:fillRef idx="1">
+            <a:schemeClr val="accent1"/>
+          </a:fillRef>
+          <a:effectRef idx="0">
+            <a:schemeClr val="accent1"/>
+          </a:effectRef>
+          <a:fontRef idx="minor">
+            <a:schemeClr val="lt1"/>
+          </a:fontRef>
+        </p:style>
+        <p:txBody>
+          <a:bodyPr tIns="36000" rtlCol="0" anchor="t" anchorCtr="0"/>
+          <a:lstStyle/>
+          <a:p>
+            <a:r>
+              <a:rPr lang="en-AU" sz="2000" dirty="0">
+                <a:solidFill>
+                  <a:schemeClr val="tx1"/>
+                </a:solidFill>
+              </a:rPr>
+              <a:t>Acceptance Criteria</a:t>
+            </a:r>
+          </a:p>
+          <a:p>
+            <a:pPr marL="179388" indent="-179388">
+              <a:buFont typeface="Arial" pitchFamily="34" charset="0"/>
+              <a:buChar char="•"/>
+            </a:pPr>
+            <a:r>
+              <a:rPr lang="en-AU" sz="2000" dirty="0">
+                <a:solidFill>
+                  <a:schemeClr val="tx1"/>
+                </a:solidFill>
+              </a:rPr>
+              <a:t> This will merely be an addition to the order form. Under a section titled “Package details” the (Weight, shape, </a:t>
+            </a:r>
+            <a:r>
+              <a:rPr lang="en-AU" sz="2000" dirty="0" err="1">
+                <a:solidFill>
+                  <a:schemeClr val="tx1"/>
+                </a:solidFill>
+              </a:rPr>
+              <a:t>etc</a:t>
+            </a:r>
+            <a:r>
+              <a:rPr lang="en-AU" sz="2000" dirty="0">
+                <a:solidFill>
+                  <a:schemeClr val="tx1"/>
+                </a:solidFill>
+              </a:rPr>
+              <a:t>) will be included.</a:t>
+            </a:r>
+          </a:p>
+        </p:txBody>
+      </p:sp>
+      <p:sp>
+        <p:nvSpPr>
+          <p:cNvPr id="11" name="Rectangle 10"/>
+          <p:cNvSpPr/>
+          <p:nvPr/>
+        </p:nvSpPr>
+        <p:spPr>
+          <a:xfrm>
+            <a:off x="9147153" y="109410"/>
+            <a:ext cx="720000" cy="540000"/>
+          </a:xfrm>
+          <a:prstGeom prst="rect">
+            <a:avLst/>
+          </a:prstGeom>
+          <a:solidFill>
+            <a:srgbClr val="CCF0CD">
+              <a:alpha val="20000"/>
+            </a:srgbClr>
+          </a:solidFill>
+          <a:ln>
+            <a:solidFill>
+              <a:schemeClr val="accent1">
+                <a:lumMod val="50000"/>
+              </a:schemeClr>
+            </a:solidFill>
+          </a:ln>
+        </p:spPr>
+        <p:style>
+          <a:lnRef idx="2">
+            <a:schemeClr val="accent1">
+              <a:shade val="50000"/>
+            </a:schemeClr>
+          </a:lnRef>
+          <a:fillRef idx="1">
+            <a:schemeClr val="accent1"/>
+          </a:fillRef>
+          <a:effectRef idx="0">
+            <a:schemeClr val="accent1"/>
+          </a:effectRef>
+          <a:fontRef idx="minor">
+            <a:schemeClr val="lt1"/>
+          </a:fontRef>
+        </p:style>
+        <p:txBody>
+          <a:bodyPr wrap="square" lIns="0" rIns="0" rtlCol="0" anchor="ctr"/>
+          <a:lstStyle/>
+          <a:p>
+            <a:pPr algn="ctr"/>
+            <a:r>
+              <a:rPr lang="en-AU" sz="2000" dirty="0" smtClean="0">
+                <a:solidFill>
+                  <a:schemeClr val="tx1"/>
+                </a:solidFill>
+              </a:rPr>
+              <a:t>1</a:t>
+            </a:r>
+            <a:endParaRPr lang="en-AU" sz="2000" dirty="0">
+              <a:solidFill>
+                <a:schemeClr val="tx1"/>
+              </a:solidFill>
+            </a:endParaRPr>
+          </a:p>
+        </p:txBody>
+      </p:sp>
+      <p:sp>
+        <p:nvSpPr>
+          <p:cNvPr id="12" name="Rectangle 11"/>
+          <p:cNvSpPr/>
+          <p:nvPr/>
+        </p:nvSpPr>
+        <p:spPr>
+          <a:xfrm>
+            <a:off x="8283153" y="109410"/>
+            <a:ext cx="792000" cy="540000"/>
+          </a:xfrm>
+          <a:prstGeom prst="rect">
+            <a:avLst/>
+          </a:prstGeom>
+          <a:solidFill>
+            <a:schemeClr val="accent4">
+              <a:lumMod val="20000"/>
+              <a:lumOff val="80000"/>
+            </a:schemeClr>
+          </a:solidFill>
+          <a:ln>
+            <a:solidFill>
+              <a:schemeClr val="accent1">
+                <a:lumMod val="50000"/>
+              </a:schemeClr>
+            </a:solidFill>
+          </a:ln>
+        </p:spPr>
+        <p:style>
+          <a:lnRef idx="2">
+            <a:schemeClr val="accent1">
+              <a:shade val="50000"/>
+            </a:schemeClr>
+          </a:lnRef>
+          <a:fillRef idx="1">
+            <a:schemeClr val="accent1"/>
+          </a:fillRef>
+          <a:effectRef idx="0">
+            <a:schemeClr val="accent1"/>
+          </a:effectRef>
+          <a:fontRef idx="minor">
+            <a:schemeClr val="lt1"/>
+          </a:fontRef>
+        </p:style>
+        <p:txBody>
+          <a:bodyPr wrap="none" lIns="0" rIns="0" rtlCol="0" anchor="ctr"/>
+          <a:lstStyle/>
+          <a:p>
+            <a:pPr algn="ctr"/>
+            <a:r>
+              <a:rPr lang="en-AU" sz="2000" dirty="0" smtClean="0">
+                <a:solidFill>
+                  <a:schemeClr val="tx1"/>
+                </a:solidFill>
+              </a:rPr>
+              <a:t>Should</a:t>
+            </a:r>
+            <a:endParaRPr lang="en-AU" sz="2000" dirty="0">
+              <a:solidFill>
+                <a:schemeClr val="tx1"/>
+              </a:solidFill>
+            </a:endParaRPr>
+          </a:p>
+        </p:txBody>
+      </p:sp>
+      <p:sp>
+        <p:nvSpPr>
+          <p:cNvPr id="13" name="Rectangle 12"/>
+          <p:cNvSpPr/>
+          <p:nvPr/>
+        </p:nvSpPr>
+        <p:spPr>
+          <a:xfrm>
+            <a:off x="39153" y="5128590"/>
+            <a:ext cx="9828000" cy="1620000"/>
+          </a:xfrm>
+          <a:prstGeom prst="rect">
+            <a:avLst/>
+          </a:prstGeom>
+          <a:solidFill>
+            <a:schemeClr val="bg1"/>
+          </a:solidFill>
+          <a:ln>
+            <a:solidFill>
+              <a:schemeClr val="accent1">
+                <a:lumMod val="50000"/>
+              </a:schemeClr>
+            </a:solidFill>
+          </a:ln>
+        </p:spPr>
+        <p:style>
+          <a:lnRef idx="2">
+            <a:schemeClr val="accent1">
+              <a:shade val="50000"/>
+            </a:schemeClr>
+          </a:lnRef>
+          <a:fillRef idx="1">
+            <a:schemeClr val="accent1"/>
+          </a:fillRef>
+          <a:effectRef idx="0">
+            <a:schemeClr val="accent1"/>
+          </a:effectRef>
+          <a:fontRef idx="minor">
+            <a:schemeClr val="lt1"/>
+          </a:fontRef>
+        </p:style>
+        <p:txBody>
+          <a:bodyPr tIns="36000" rtlCol="0" anchor="t" anchorCtr="0"/>
+          <a:lstStyle/>
+          <a:p>
+            <a:r>
+              <a:rPr lang="en-AU" sz="2000" dirty="0">
+                <a:solidFill>
+                  <a:schemeClr val="tx1"/>
+                </a:solidFill>
+              </a:rPr>
+              <a:t>Notes</a:t>
+            </a:r>
+          </a:p>
+          <a:p>
+            <a:pPr marL="179388" indent="-179388">
+              <a:buFont typeface="Arial" pitchFamily="34" charset="0"/>
+              <a:buChar char="•"/>
+            </a:pPr>
+            <a:r>
+              <a:rPr lang="en-AU" sz="2000" dirty="0">
+                <a:solidFill>
+                  <a:schemeClr val="tx1"/>
+                </a:solidFill>
+              </a:rPr>
+              <a:t> </a:t>
+            </a:r>
+            <a:r>
+              <a:rPr lang="en-AU" sz="1400" dirty="0" smtClean="0">
+                <a:solidFill>
+                  <a:schemeClr val="tx1"/>
+                </a:solidFill>
+              </a:rPr>
+              <a:t>Weight is obviously a necessity as the delivery cost is calculated from the weight though the size and shape may not be as useful as it will likely just be someone's job to try and fit as many packages as possible in the truck based off looks rather than reading the specified shape and size.</a:t>
+            </a:r>
+          </a:p>
+          <a:p>
+            <a:pPr marL="179388" indent="-179388">
+              <a:buFont typeface="Arial" pitchFamily="34" charset="0"/>
+              <a:buChar char="•"/>
+            </a:pPr>
+            <a:r>
+              <a:rPr lang="en-AU" sz="1400" dirty="0" smtClean="0">
+                <a:solidFill>
+                  <a:schemeClr val="tx1"/>
+                </a:solidFill>
+              </a:rPr>
+              <a:t>This could then be covered by an additional details section and/or an oversized tick-box for packages over a certain length in any dimension.</a:t>
+            </a:r>
+            <a:endParaRPr lang="en-AU" sz="1400" dirty="0">
+              <a:solidFill>
+                <a:schemeClr val="tx1"/>
+              </a:solidFill>
+            </a:endParaRPr>
+          </a:p>
+        </p:txBody>
+      </p:sp>
+    </p:spTree>
+    <p:extLst>
+      <p:ext uri="{BB962C8B-B14F-4D97-AF65-F5344CB8AC3E}">
+        <p14:creationId xmlns:p14="http://schemas.microsoft.com/office/powerpoint/2010/main" val="401748399"/>
+      </p:ext>
+    </p:extLst>
+  </p:cSld>
+  <p:clrMapOvr>
+    <a:masterClrMapping/>
+  </p:clrMapOvr>
+</p:sld>
+</file>
+
+<file path=ppt/slides/slide16.xml><?xml version="1.0" encoding="utf-8"?>
+<p:sld xmlns:a="http://schemas.openxmlformats.org/drawingml/2006/main" xmlns:r="http://schemas.openxmlformats.org/officeDocument/2006/relationships" xmlns:p="http://schemas.openxmlformats.org/presentationml/2006/main">
+  <p:cSld>
+    <p:spTree>
+      <p:nvGrpSpPr>
+        <p:cNvPr id="1" name=""/>
+        <p:cNvGrpSpPr/>
+        <p:nvPr/>
+      </p:nvGrpSpPr>
+      <p:grpSpPr>
+        <a:xfrm>
+          <a:off x="0" y="0"/>
+          <a:ext cx="0" cy="0"/>
+          <a:chOff x="0" y="0"/>
+          <a:chExt cx="0" cy="0"/>
+        </a:xfrm>
+      </p:grpSpPr>
+      <p:sp>
+        <p:nvSpPr>
+          <p:cNvPr id="4" name="Rectangle 3"/>
+          <p:cNvSpPr/>
+          <p:nvPr/>
+        </p:nvSpPr>
+        <p:spPr>
+          <a:xfrm>
+            <a:off x="39153" y="109410"/>
+            <a:ext cx="720000" cy="540000"/>
+          </a:xfrm>
+          <a:prstGeom prst="rect">
+            <a:avLst/>
+          </a:prstGeom>
+          <a:solidFill>
+            <a:schemeClr val="accent1">
+              <a:lumMod val="40000"/>
+              <a:lumOff val="60000"/>
+            </a:schemeClr>
+          </a:solidFill>
+          <a:ln>
+            <a:solidFill>
+              <a:schemeClr val="accent1">
+                <a:lumMod val="50000"/>
+              </a:schemeClr>
+            </a:solidFill>
+          </a:ln>
+        </p:spPr>
+        <p:style>
+          <a:lnRef idx="2">
+            <a:schemeClr val="accent1">
+              <a:shade val="50000"/>
+            </a:schemeClr>
+          </a:lnRef>
+          <a:fillRef idx="1">
+            <a:schemeClr val="accent1"/>
+          </a:fillRef>
+          <a:effectRef idx="0">
+            <a:schemeClr val="accent1"/>
+          </a:effectRef>
+          <a:fontRef idx="minor">
+            <a:schemeClr val="lt1"/>
+          </a:fontRef>
+        </p:style>
+        <p:txBody>
+          <a:bodyPr wrap="square" lIns="0" rIns="0" rtlCol="0" anchor="ctr"/>
+          <a:lstStyle/>
+          <a:p>
+            <a:pPr algn="ctr"/>
+            <a:r>
+              <a:rPr lang="en-AU" sz="2000" dirty="0">
+                <a:solidFill>
+                  <a:schemeClr val="tx1"/>
+                </a:solidFill>
+              </a:rPr>
+              <a:t>Story </a:t>
+            </a:r>
+            <a:r>
+              <a:rPr lang="en-AU" sz="2000" dirty="0" smtClean="0">
+                <a:solidFill>
+                  <a:schemeClr val="tx1"/>
+                </a:solidFill>
+              </a:rPr>
+              <a:t>E-3</a:t>
+            </a:r>
+            <a:endParaRPr lang="en-AU" sz="2000" dirty="0">
+              <a:solidFill>
+                <a:schemeClr val="tx1"/>
+              </a:solidFill>
+            </a:endParaRPr>
+          </a:p>
+        </p:txBody>
+      </p:sp>
+      <p:sp>
+        <p:nvSpPr>
+          <p:cNvPr id="6" name="Rectangle 5"/>
+          <p:cNvSpPr/>
+          <p:nvPr/>
+        </p:nvSpPr>
+        <p:spPr>
+          <a:xfrm>
+            <a:off x="831153" y="109410"/>
+            <a:ext cx="7380000" cy="540000"/>
+          </a:xfrm>
+          <a:prstGeom prst="rect">
+            <a:avLst/>
+          </a:prstGeom>
+          <a:ln>
+            <a:solidFill>
+              <a:schemeClr val="accent1">
+                <a:lumMod val="50000"/>
+              </a:schemeClr>
+            </a:solidFill>
+          </a:ln>
+        </p:spPr>
+        <p:style>
+          <a:lnRef idx="2">
+            <a:schemeClr val="accent1">
+              <a:shade val="50000"/>
+            </a:schemeClr>
+          </a:lnRef>
+          <a:fillRef idx="1">
+            <a:schemeClr val="accent1"/>
+          </a:fillRef>
+          <a:effectRef idx="0">
+            <a:schemeClr val="accent1"/>
+          </a:effectRef>
+          <a:fontRef idx="minor">
+            <a:schemeClr val="lt1"/>
+          </a:fontRef>
+        </p:style>
+        <p:txBody>
+          <a:bodyPr rtlCol="0" anchor="ctr"/>
+          <a:lstStyle/>
+          <a:p>
+            <a:pPr algn="ctr"/>
+            <a:r>
+              <a:rPr lang="en-AU" sz="2800" dirty="0" smtClean="0"/>
+              <a:t>Package Priority</a:t>
+            </a:r>
+            <a:endParaRPr lang="en-AU" sz="2800" dirty="0"/>
           </a:p>
         </p:txBody>
       </p:sp>
@@ -5548,13 +6702,18 @@
           <a:p>
             <a:pPr algn="ctr"/>
             <a:r>
-              <a:rPr lang="en-AU" sz="2000" dirty="0">
-                <a:solidFill>
-                  <a:schemeClr val="tx1"/>
-                </a:solidFill>
-              </a:rPr>
-              <a:t>Story Points</a:t>
-            </a:r>
+              <a:rPr lang="en-AU" sz="2000" dirty="0" smtClean="0">
+                <a:solidFill>
+                  <a:schemeClr val="tx1"/>
+                </a:solidFill>
+              </a:rPr>
+              <a:t>1</a:t>
+            </a:r>
+            <a:endParaRPr lang="en-AU" sz="2000" dirty="0">
+              <a:solidFill>
+                <a:schemeClr val="tx1"/>
+              </a:solidFill>
+            </a:endParaRPr>
           </a:p>
         </p:txBody>
       </p:sp>
@@ -5608,13 +6767,18 @@
           <a:p>
             <a:pPr algn="ctr"/>
             <a:r>
-              <a:rPr lang="en-AU" sz="2000" dirty="0">
-                <a:solidFill>
-                  <a:schemeClr val="tx1"/>
-                </a:solidFill>
-              </a:rPr>
-              <a:t>Priority</a:t>
-            </a:r>
+              <a:rPr lang="en-AU" sz="2000" dirty="0" smtClean="0">
+                <a:solidFill>
+                  <a:schemeClr val="tx1"/>
+                </a:solidFill>
+              </a:rPr>
+              <a:t>Must</a:t>
+            </a:r>
+            <a:endParaRPr lang="en-AU" sz="2000" dirty="0">
+              <a:solidFill>
+                <a:schemeClr val="tx1"/>
+              </a:solidFill>
+            </a:endParaRPr>
           </a:p>
         </p:txBody>
       </p:sp>
@@ -5713,6 +6877,1617 @@
     <p:extLst>
       <p:ext uri="{BB962C8B-B14F-4D97-AF65-F5344CB8AC3E}">
         <p14:creationId xmlns:p14="http://schemas.microsoft.com/office/powerpoint/2010/main" val="3314584861"/>
+      </p:ext>
+    </p:extLst>
+  </p:cSld>
+  <p:clrMapOvr>
+    <a:masterClrMapping/>
+  </p:clrMapOvr>
+</p:sld>
+</file>
+
+<file path=ppt/slides/slide17.xml><?xml version="1.0" encoding="utf-8"?>
+<p:sld xmlns:a="http://schemas.openxmlformats.org/drawingml/2006/main" xmlns:r="http://schemas.openxmlformats.org/officeDocument/2006/relationships" xmlns:p="http://schemas.openxmlformats.org/presentationml/2006/main">
+  <p:cSld>
+    <p:spTree>
+      <p:nvGrpSpPr>
+        <p:cNvPr id="1" name=""/>
+        <p:cNvGrpSpPr/>
+        <p:nvPr/>
+      </p:nvGrpSpPr>
+      <p:grpSpPr>
+        <a:xfrm>
+          <a:off x="0" y="0"/>
+          <a:ext cx="0" cy="0"/>
+          <a:chOff x="0" y="0"/>
+          <a:chExt cx="0" cy="0"/>
+        </a:xfrm>
+      </p:grpSpPr>
+      <p:sp>
+        <p:nvSpPr>
+          <p:cNvPr id="4" name="Rectangle 3"/>
+          <p:cNvSpPr/>
+          <p:nvPr/>
+        </p:nvSpPr>
+        <p:spPr>
+          <a:xfrm>
+            <a:off x="39153" y="109410"/>
+            <a:ext cx="720000" cy="540000"/>
+          </a:xfrm>
+          <a:prstGeom prst="rect">
+            <a:avLst/>
+          </a:prstGeom>
+          <a:solidFill>
+            <a:schemeClr val="accent1">
+              <a:lumMod val="40000"/>
+              <a:lumOff val="60000"/>
+            </a:schemeClr>
+          </a:solidFill>
+          <a:ln>
+            <a:solidFill>
+              <a:schemeClr val="accent1">
+                <a:lumMod val="50000"/>
+              </a:schemeClr>
+            </a:solidFill>
+          </a:ln>
+        </p:spPr>
+        <p:style>
+          <a:lnRef idx="2">
+            <a:schemeClr val="accent1">
+              <a:shade val="50000"/>
+            </a:schemeClr>
+          </a:lnRef>
+          <a:fillRef idx="1">
+            <a:schemeClr val="accent1"/>
+          </a:fillRef>
+          <a:effectRef idx="0">
+            <a:schemeClr val="accent1"/>
+          </a:effectRef>
+          <a:fontRef idx="minor">
+            <a:schemeClr val="lt1"/>
+          </a:fontRef>
+        </p:style>
+        <p:txBody>
+          <a:bodyPr wrap="square" lIns="0" rIns="0" rtlCol="0" anchor="ctr"/>
+          <a:lstStyle/>
+          <a:p>
+            <a:pPr algn="ctr"/>
+            <a:r>
+              <a:rPr lang="en-AU" sz="2000" dirty="0">
+                <a:solidFill>
+                  <a:schemeClr val="tx1"/>
+                </a:solidFill>
+              </a:rPr>
+              <a:t>Story </a:t>
+            </a:r>
+            <a:r>
+              <a:rPr lang="en-AU" sz="2000" dirty="0" smtClean="0">
+                <a:solidFill>
+                  <a:schemeClr val="tx1"/>
+                </a:solidFill>
+              </a:rPr>
+              <a:t>E-4</a:t>
+            </a:r>
+            <a:endParaRPr lang="en-AU" sz="2000" dirty="0">
+              <a:solidFill>
+                <a:schemeClr val="tx1"/>
+              </a:solidFill>
+            </a:endParaRPr>
+          </a:p>
+        </p:txBody>
+      </p:sp>
+      <p:sp>
+        <p:nvSpPr>
+          <p:cNvPr id="6" name="Rectangle 5"/>
+          <p:cNvSpPr/>
+          <p:nvPr/>
+        </p:nvSpPr>
+        <p:spPr>
+          <a:xfrm>
+            <a:off x="831153" y="109410"/>
+            <a:ext cx="7380000" cy="540000"/>
+          </a:xfrm>
+          <a:prstGeom prst="rect">
+            <a:avLst/>
+          </a:prstGeom>
+          <a:ln>
+            <a:solidFill>
+              <a:schemeClr val="accent1">
+                <a:lumMod val="50000"/>
+              </a:schemeClr>
+            </a:solidFill>
+          </a:ln>
+        </p:spPr>
+        <p:style>
+          <a:lnRef idx="2">
+            <a:schemeClr val="accent1">
+              <a:shade val="50000"/>
+            </a:schemeClr>
+          </a:lnRef>
+          <a:fillRef idx="1">
+            <a:schemeClr val="accent1"/>
+          </a:fillRef>
+          <a:effectRef idx="0">
+            <a:schemeClr val="accent1"/>
+          </a:effectRef>
+          <a:fontRef idx="minor">
+            <a:schemeClr val="lt1"/>
+          </a:fontRef>
+        </p:style>
+        <p:txBody>
+          <a:bodyPr rtlCol="0" anchor="ctr"/>
+          <a:lstStyle/>
+          <a:p>
+            <a:pPr algn="ctr"/>
+            <a:r>
+              <a:rPr lang="en-AU" sz="2800" dirty="0" smtClean="0"/>
+              <a:t>Delivery Schedule</a:t>
+            </a:r>
+            <a:endParaRPr lang="en-AU" sz="2800" dirty="0"/>
+          </a:p>
+        </p:txBody>
+      </p:sp>
+      <p:sp>
+        <p:nvSpPr>
+          <p:cNvPr id="7" name="Rectangle 6"/>
+          <p:cNvSpPr/>
+          <p:nvPr/>
+        </p:nvSpPr>
+        <p:spPr>
+          <a:xfrm>
+            <a:off x="39153" y="822470"/>
+            <a:ext cx="9828000" cy="2340000"/>
+          </a:xfrm>
+          <a:prstGeom prst="rect">
+            <a:avLst/>
+          </a:prstGeom>
+          <a:solidFill>
+            <a:schemeClr val="tx2">
+              <a:lumMod val="20000"/>
+              <a:lumOff val="80000"/>
+            </a:schemeClr>
+          </a:solidFill>
+          <a:ln>
+            <a:solidFill>
+              <a:schemeClr val="accent1">
+                <a:lumMod val="50000"/>
+              </a:schemeClr>
+            </a:solidFill>
+          </a:ln>
+        </p:spPr>
+        <p:style>
+          <a:lnRef idx="2">
+            <a:schemeClr val="accent1">
+              <a:shade val="50000"/>
+            </a:schemeClr>
+          </a:lnRef>
+          <a:fillRef idx="1">
+            <a:schemeClr val="accent1"/>
+          </a:fillRef>
+          <a:effectRef idx="0">
+            <a:schemeClr val="accent1"/>
+          </a:effectRef>
+          <a:fontRef idx="minor">
+            <a:schemeClr val="lt1"/>
+          </a:fontRef>
+        </p:style>
+        <p:txBody>
+          <a:bodyPr rtlCol="0" anchor="t" anchorCtr="0"/>
+          <a:lstStyle/>
+          <a:p>
+            <a:pPr lvl="0"/>
+            <a:r>
+              <a:rPr lang="en-US" sz="2400" dirty="0">
+                <a:solidFill>
+                  <a:schemeClr val="tx1"/>
+                </a:solidFill>
+              </a:rPr>
+              <a:t>• 	</a:t>
+            </a:r>
+            <a:r>
+              <a:rPr lang="en-AU" sz="2400" dirty="0">
+                <a:solidFill>
+                  <a:schemeClr val="tx1"/>
+                </a:solidFill>
+              </a:rPr>
+              <a:t>As a courier, I want to </a:t>
+            </a:r>
+            <a:r>
+              <a:rPr lang="en-AU" sz="2400" dirty="0" smtClean="0">
+                <a:solidFill>
+                  <a:schemeClr val="tx1"/>
+                </a:solidFill>
+              </a:rPr>
+              <a:t>be to know which deliveries are assigned to me so that I can plan my delivery runs accordingly</a:t>
+            </a:r>
+            <a:endParaRPr lang="en-AU" sz="2400" dirty="0">
+              <a:solidFill>
+                <a:schemeClr val="tx1"/>
+              </a:solidFill>
+            </a:endParaRPr>
+          </a:p>
+        </p:txBody>
+      </p:sp>
+      <p:sp>
+        <p:nvSpPr>
+          <p:cNvPr id="8" name="Rectangle 7"/>
+          <p:cNvSpPr/>
+          <p:nvPr/>
+        </p:nvSpPr>
+        <p:spPr>
+          <a:xfrm>
+            <a:off x="39153" y="3335530"/>
+            <a:ext cx="9828000" cy="1620000"/>
+          </a:xfrm>
+          <a:prstGeom prst="rect">
+            <a:avLst/>
+          </a:prstGeom>
+          <a:solidFill>
+            <a:schemeClr val="accent1">
+              <a:lumMod val="20000"/>
+              <a:lumOff val="80000"/>
+            </a:schemeClr>
+          </a:solidFill>
+          <a:ln>
+            <a:solidFill>
+              <a:schemeClr val="accent1">
+                <a:lumMod val="50000"/>
+              </a:schemeClr>
+            </a:solidFill>
+          </a:ln>
+        </p:spPr>
+        <p:style>
+          <a:lnRef idx="2">
+            <a:schemeClr val="accent1">
+              <a:shade val="50000"/>
+            </a:schemeClr>
+          </a:lnRef>
+          <a:fillRef idx="1">
+            <a:schemeClr val="accent1"/>
+          </a:fillRef>
+          <a:effectRef idx="0">
+            <a:schemeClr val="accent1"/>
+          </a:effectRef>
+          <a:fontRef idx="minor">
+            <a:schemeClr val="lt1"/>
+          </a:fontRef>
+        </p:style>
+        <p:txBody>
+          <a:bodyPr tIns="36000" rtlCol="0" anchor="t" anchorCtr="0"/>
+          <a:lstStyle/>
+          <a:p>
+            <a:r>
+              <a:rPr lang="en-AU" sz="2000" dirty="0">
+                <a:solidFill>
+                  <a:schemeClr val="tx1"/>
+                </a:solidFill>
+              </a:rPr>
+              <a:t>Acceptance Criteria</a:t>
+            </a:r>
+          </a:p>
+          <a:p>
+            <a:pPr marL="179388" indent="-179388">
+              <a:buFont typeface="Arial" pitchFamily="34" charset="0"/>
+              <a:buChar char="•"/>
+            </a:pPr>
+            <a:r>
+              <a:rPr lang="en-AU" sz="2000" dirty="0" smtClean="0">
+                <a:solidFill>
+                  <a:schemeClr val="tx1"/>
+                </a:solidFill>
+              </a:rPr>
+              <a:t>page displaying all deliveries assigned to logged in courier</a:t>
+            </a:r>
+            <a:endParaRPr lang="en-AU" sz="2000" dirty="0">
+              <a:solidFill>
+                <a:schemeClr val="tx1"/>
+              </a:solidFill>
+            </a:endParaRPr>
+          </a:p>
+          <a:p>
+            <a:pPr marL="179388" indent="-179388">
+              <a:buFont typeface="Arial" pitchFamily="34" charset="0"/>
+              <a:buChar char="•"/>
+            </a:pPr>
+            <a:endParaRPr lang="en-AU" sz="2000" dirty="0">
+              <a:solidFill>
+                <a:schemeClr val="tx1"/>
+              </a:solidFill>
+            </a:endParaRPr>
+          </a:p>
+        </p:txBody>
+      </p:sp>
+      <p:sp>
+        <p:nvSpPr>
+          <p:cNvPr id="11" name="Rectangle 10"/>
+          <p:cNvSpPr/>
+          <p:nvPr/>
+        </p:nvSpPr>
+        <p:spPr>
+          <a:xfrm>
+            <a:off x="9147153" y="109410"/>
+            <a:ext cx="720000" cy="540000"/>
+          </a:xfrm>
+          <a:prstGeom prst="rect">
+            <a:avLst/>
+          </a:prstGeom>
+          <a:solidFill>
+            <a:srgbClr val="CCF0CD">
+              <a:alpha val="20000"/>
+            </a:srgbClr>
+          </a:solidFill>
+          <a:ln>
+            <a:solidFill>
+              <a:schemeClr val="accent1">
+                <a:lumMod val="50000"/>
+              </a:schemeClr>
+            </a:solidFill>
+          </a:ln>
+        </p:spPr>
+        <p:style>
+          <a:lnRef idx="2">
+            <a:schemeClr val="accent1">
+              <a:shade val="50000"/>
+            </a:schemeClr>
+          </a:lnRef>
+          <a:fillRef idx="1">
+            <a:schemeClr val="accent1"/>
+          </a:fillRef>
+          <a:effectRef idx="0">
+            <a:schemeClr val="accent1"/>
+          </a:effectRef>
+          <a:fontRef idx="minor">
+            <a:schemeClr val="lt1"/>
+          </a:fontRef>
+        </p:style>
+        <p:txBody>
+          <a:bodyPr wrap="square" lIns="0" rIns="0" rtlCol="0" anchor="ctr"/>
+          <a:lstStyle/>
+          <a:p>
+            <a:pPr algn="ctr"/>
+            <a:r>
+              <a:rPr lang="en-AU" sz="2000" dirty="0">
+                <a:solidFill>
+                  <a:schemeClr val="tx1"/>
+                </a:solidFill>
+              </a:rPr>
+              <a:t>4</a:t>
+            </a:r>
+          </a:p>
+        </p:txBody>
+      </p:sp>
+      <p:sp>
+        <p:nvSpPr>
+          <p:cNvPr id="12" name="Rectangle 11"/>
+          <p:cNvSpPr/>
+          <p:nvPr/>
+        </p:nvSpPr>
+        <p:spPr>
+          <a:xfrm>
+            <a:off x="8283153" y="109410"/>
+            <a:ext cx="792000" cy="540000"/>
+          </a:xfrm>
+          <a:prstGeom prst="rect">
+            <a:avLst/>
+          </a:prstGeom>
+          <a:solidFill>
+            <a:schemeClr val="accent4">
+              <a:lumMod val="20000"/>
+              <a:lumOff val="80000"/>
+            </a:schemeClr>
+          </a:solidFill>
+          <a:ln>
+            <a:solidFill>
+              <a:schemeClr val="accent1">
+                <a:lumMod val="50000"/>
+              </a:schemeClr>
+            </a:solidFill>
+          </a:ln>
+        </p:spPr>
+        <p:style>
+          <a:lnRef idx="2">
+            <a:schemeClr val="accent1">
+              <a:shade val="50000"/>
+            </a:schemeClr>
+          </a:lnRef>
+          <a:fillRef idx="1">
+            <a:schemeClr val="accent1"/>
+          </a:fillRef>
+          <a:effectRef idx="0">
+            <a:schemeClr val="accent1"/>
+          </a:effectRef>
+          <a:fontRef idx="minor">
+            <a:schemeClr val="lt1"/>
+          </a:fontRef>
+        </p:style>
+        <p:txBody>
+          <a:bodyPr wrap="none" lIns="0" rIns="0" rtlCol="0" anchor="ctr"/>
+          <a:lstStyle/>
+          <a:p>
+            <a:pPr algn="ctr"/>
+            <a:r>
+              <a:rPr lang="en-AU" sz="2000" dirty="0" smtClean="0">
+                <a:solidFill>
+                  <a:schemeClr val="tx1"/>
+                </a:solidFill>
+              </a:rPr>
+              <a:t>Should</a:t>
+            </a:r>
+            <a:endParaRPr lang="en-AU" sz="2000" dirty="0">
+              <a:solidFill>
+                <a:schemeClr val="tx1"/>
+              </a:solidFill>
+            </a:endParaRPr>
+          </a:p>
+        </p:txBody>
+      </p:sp>
+      <p:sp>
+        <p:nvSpPr>
+          <p:cNvPr id="13" name="Rectangle 12"/>
+          <p:cNvSpPr/>
+          <p:nvPr/>
+        </p:nvSpPr>
+        <p:spPr>
+          <a:xfrm>
+            <a:off x="39153" y="5128590"/>
+            <a:ext cx="9828000" cy="1620000"/>
+          </a:xfrm>
+          <a:prstGeom prst="rect">
+            <a:avLst/>
+          </a:prstGeom>
+          <a:solidFill>
+            <a:schemeClr val="bg1"/>
+          </a:solidFill>
+          <a:ln>
+            <a:solidFill>
+              <a:schemeClr val="accent1">
+                <a:lumMod val="50000"/>
+              </a:schemeClr>
+            </a:solidFill>
+          </a:ln>
+        </p:spPr>
+        <p:style>
+          <a:lnRef idx="2">
+            <a:schemeClr val="accent1">
+              <a:shade val="50000"/>
+            </a:schemeClr>
+          </a:lnRef>
+          <a:fillRef idx="1">
+            <a:schemeClr val="accent1"/>
+          </a:fillRef>
+          <a:effectRef idx="0">
+            <a:schemeClr val="accent1"/>
+          </a:effectRef>
+          <a:fontRef idx="minor">
+            <a:schemeClr val="lt1"/>
+          </a:fontRef>
+        </p:style>
+        <p:txBody>
+          <a:bodyPr tIns="36000" rtlCol="0" anchor="t" anchorCtr="0"/>
+          <a:lstStyle/>
+          <a:p>
+            <a:r>
+              <a:rPr lang="en-AU" sz="2000" dirty="0">
+                <a:solidFill>
+                  <a:schemeClr val="tx1"/>
+                </a:solidFill>
+              </a:rPr>
+              <a:t>Notes</a:t>
+            </a:r>
+          </a:p>
+          <a:p>
+            <a:pPr marL="179388" indent="-179388">
+              <a:buFont typeface="Arial" pitchFamily="34" charset="0"/>
+              <a:buChar char="•"/>
+            </a:pPr>
+            <a:r>
+              <a:rPr lang="en-AU" sz="2000" dirty="0">
+                <a:solidFill>
+                  <a:schemeClr val="tx1"/>
+                </a:solidFill>
+              </a:rPr>
+              <a:t> </a:t>
+            </a:r>
+          </a:p>
+        </p:txBody>
+      </p:sp>
+    </p:spTree>
+    <p:extLst>
+      <p:ext uri="{BB962C8B-B14F-4D97-AF65-F5344CB8AC3E}">
+        <p14:creationId xmlns:p14="http://schemas.microsoft.com/office/powerpoint/2010/main" val="959268743"/>
+      </p:ext>
+    </p:extLst>
+  </p:cSld>
+  <p:clrMapOvr>
+    <a:masterClrMapping/>
+  </p:clrMapOvr>
+</p:sld>
+</file>
+
+<file path=ppt/slides/slide18.xml><?xml version="1.0" encoding="utf-8"?>
+<p:sld xmlns:a="http://schemas.openxmlformats.org/drawingml/2006/main" xmlns:r="http://schemas.openxmlformats.org/officeDocument/2006/relationships" xmlns:p="http://schemas.openxmlformats.org/presentationml/2006/main">
+  <p:cSld>
+    <p:spTree>
+      <p:nvGrpSpPr>
+        <p:cNvPr id="1" name=""/>
+        <p:cNvGrpSpPr/>
+        <p:nvPr/>
+      </p:nvGrpSpPr>
+      <p:grpSpPr>
+        <a:xfrm>
+          <a:off x="0" y="0"/>
+          <a:ext cx="0" cy="0"/>
+          <a:chOff x="0" y="0"/>
+          <a:chExt cx="0" cy="0"/>
+        </a:xfrm>
+      </p:grpSpPr>
+      <p:sp>
+        <p:nvSpPr>
+          <p:cNvPr id="4" name="Rectangle 3"/>
+          <p:cNvSpPr/>
+          <p:nvPr/>
+        </p:nvSpPr>
+        <p:spPr>
+          <a:xfrm>
+            <a:off x="39153" y="109410"/>
+            <a:ext cx="720000" cy="540000"/>
+          </a:xfrm>
+          <a:prstGeom prst="rect">
+            <a:avLst/>
+          </a:prstGeom>
+          <a:solidFill>
+            <a:schemeClr val="accent1">
+              <a:lumMod val="40000"/>
+              <a:lumOff val="60000"/>
+            </a:schemeClr>
+          </a:solidFill>
+          <a:ln>
+            <a:solidFill>
+              <a:schemeClr val="accent1">
+                <a:lumMod val="50000"/>
+              </a:schemeClr>
+            </a:solidFill>
+          </a:ln>
+        </p:spPr>
+        <p:style>
+          <a:lnRef idx="2">
+            <a:schemeClr val="accent1">
+              <a:shade val="50000"/>
+            </a:schemeClr>
+          </a:lnRef>
+          <a:fillRef idx="1">
+            <a:schemeClr val="accent1"/>
+          </a:fillRef>
+          <a:effectRef idx="0">
+            <a:schemeClr val="accent1"/>
+          </a:effectRef>
+          <a:fontRef idx="minor">
+            <a:schemeClr val="lt1"/>
+          </a:fontRef>
+        </p:style>
+        <p:txBody>
+          <a:bodyPr wrap="square" lIns="0" rIns="0" rtlCol="0" anchor="ctr"/>
+          <a:lstStyle/>
+          <a:p>
+            <a:pPr algn="ctr"/>
+            <a:r>
+              <a:rPr lang="en-AU" sz="2000" dirty="0">
+                <a:solidFill>
+                  <a:schemeClr val="tx1"/>
+                </a:solidFill>
+              </a:rPr>
+              <a:t>Story </a:t>
+            </a:r>
+            <a:r>
+              <a:rPr lang="en-AU" sz="2000" dirty="0" smtClean="0">
+                <a:solidFill>
+                  <a:schemeClr val="tx1"/>
+                </a:solidFill>
+              </a:rPr>
+              <a:t>E-5</a:t>
+            </a:r>
+            <a:endParaRPr lang="en-AU" sz="2000" dirty="0">
+              <a:solidFill>
+                <a:schemeClr val="tx1"/>
+              </a:solidFill>
+            </a:endParaRPr>
+          </a:p>
+        </p:txBody>
+      </p:sp>
+      <p:sp>
+        <p:nvSpPr>
+          <p:cNvPr id="6" name="Rectangle 5"/>
+          <p:cNvSpPr/>
+          <p:nvPr/>
+        </p:nvSpPr>
+        <p:spPr>
+          <a:xfrm>
+            <a:off x="831153" y="109410"/>
+            <a:ext cx="7380000" cy="540000"/>
+          </a:xfrm>
+          <a:prstGeom prst="rect">
+            <a:avLst/>
+          </a:prstGeom>
+          <a:ln>
+            <a:solidFill>
+              <a:schemeClr val="accent1">
+                <a:lumMod val="50000"/>
+              </a:schemeClr>
+            </a:solidFill>
+          </a:ln>
+        </p:spPr>
+        <p:style>
+          <a:lnRef idx="2">
+            <a:schemeClr val="accent1">
+              <a:shade val="50000"/>
+            </a:schemeClr>
+          </a:lnRef>
+          <a:fillRef idx="1">
+            <a:schemeClr val="accent1"/>
+          </a:fillRef>
+          <a:effectRef idx="0">
+            <a:schemeClr val="accent1"/>
+          </a:effectRef>
+          <a:fontRef idx="minor">
+            <a:schemeClr val="lt1"/>
+          </a:fontRef>
+        </p:style>
+        <p:txBody>
+          <a:bodyPr rtlCol="0" anchor="ctr"/>
+          <a:lstStyle/>
+          <a:p>
+            <a:pPr algn="ctr"/>
+            <a:r>
+              <a:rPr lang="en-AU" sz="2800" dirty="0" smtClean="0"/>
+              <a:t>Change Status</a:t>
+            </a:r>
+            <a:endParaRPr lang="en-AU" sz="2800" dirty="0"/>
+          </a:p>
+        </p:txBody>
+      </p:sp>
+      <p:sp>
+        <p:nvSpPr>
+          <p:cNvPr id="7" name="Rectangle 6"/>
+          <p:cNvSpPr/>
+          <p:nvPr/>
+        </p:nvSpPr>
+        <p:spPr>
+          <a:xfrm>
+            <a:off x="39153" y="822470"/>
+            <a:ext cx="9828000" cy="2340000"/>
+          </a:xfrm>
+          <a:prstGeom prst="rect">
+            <a:avLst/>
+          </a:prstGeom>
+          <a:solidFill>
+            <a:schemeClr val="tx2">
+              <a:lumMod val="20000"/>
+              <a:lumOff val="80000"/>
+            </a:schemeClr>
+          </a:solidFill>
+          <a:ln>
+            <a:solidFill>
+              <a:schemeClr val="accent1">
+                <a:lumMod val="50000"/>
+              </a:schemeClr>
+            </a:solidFill>
+          </a:ln>
+        </p:spPr>
+        <p:style>
+          <a:lnRef idx="2">
+            <a:schemeClr val="accent1">
+              <a:shade val="50000"/>
+            </a:schemeClr>
+          </a:lnRef>
+          <a:fillRef idx="1">
+            <a:schemeClr val="accent1"/>
+          </a:fillRef>
+          <a:effectRef idx="0">
+            <a:schemeClr val="accent1"/>
+          </a:effectRef>
+          <a:fontRef idx="minor">
+            <a:schemeClr val="lt1"/>
+          </a:fontRef>
+        </p:style>
+        <p:txBody>
+          <a:bodyPr rtlCol="0" anchor="t" anchorCtr="0"/>
+          <a:lstStyle/>
+          <a:p>
+            <a:pPr lvl="0"/>
+            <a:r>
+              <a:rPr lang="en-US" sz="2400" dirty="0">
+                <a:solidFill>
+                  <a:schemeClr val="tx1"/>
+                </a:solidFill>
+              </a:rPr>
+              <a:t>• 	</a:t>
+            </a:r>
+            <a:r>
+              <a:rPr lang="en-AU" sz="2400" dirty="0">
+                <a:solidFill>
+                  <a:schemeClr val="tx1"/>
+                </a:solidFill>
+              </a:rPr>
+              <a:t>As a courier, I want to </a:t>
+            </a:r>
+            <a:r>
+              <a:rPr lang="en-AU" sz="2400" dirty="0" smtClean="0">
+                <a:solidFill>
+                  <a:schemeClr val="tx1"/>
+                </a:solidFill>
+              </a:rPr>
+              <a:t>be to be able to easily change the status of a package so that I can make my deliveries more efficiently</a:t>
+            </a:r>
+            <a:endParaRPr lang="en-AU" sz="2400" dirty="0">
+              <a:solidFill>
+                <a:schemeClr val="tx1"/>
+              </a:solidFill>
+            </a:endParaRPr>
+          </a:p>
+        </p:txBody>
+      </p:sp>
+      <p:sp>
+        <p:nvSpPr>
+          <p:cNvPr id="8" name="Rectangle 7"/>
+          <p:cNvSpPr/>
+          <p:nvPr/>
+        </p:nvSpPr>
+        <p:spPr>
+          <a:xfrm>
+            <a:off x="39153" y="3335530"/>
+            <a:ext cx="9828000" cy="1620000"/>
+          </a:xfrm>
+          <a:prstGeom prst="rect">
+            <a:avLst/>
+          </a:prstGeom>
+          <a:solidFill>
+            <a:schemeClr val="accent1">
+              <a:lumMod val="20000"/>
+              <a:lumOff val="80000"/>
+            </a:schemeClr>
+          </a:solidFill>
+          <a:ln>
+            <a:solidFill>
+              <a:schemeClr val="accent1">
+                <a:lumMod val="50000"/>
+              </a:schemeClr>
+            </a:solidFill>
+          </a:ln>
+        </p:spPr>
+        <p:style>
+          <a:lnRef idx="2">
+            <a:schemeClr val="accent1">
+              <a:shade val="50000"/>
+            </a:schemeClr>
+          </a:lnRef>
+          <a:fillRef idx="1">
+            <a:schemeClr val="accent1"/>
+          </a:fillRef>
+          <a:effectRef idx="0">
+            <a:schemeClr val="accent1"/>
+          </a:effectRef>
+          <a:fontRef idx="minor">
+            <a:schemeClr val="lt1"/>
+          </a:fontRef>
+        </p:style>
+        <p:txBody>
+          <a:bodyPr tIns="36000" rtlCol="0" anchor="t" anchorCtr="0"/>
+          <a:lstStyle/>
+          <a:p>
+            <a:r>
+              <a:rPr lang="en-AU" sz="2000" dirty="0">
+                <a:solidFill>
+                  <a:schemeClr val="tx1"/>
+                </a:solidFill>
+              </a:rPr>
+              <a:t>Acceptance Criteria</a:t>
+            </a:r>
+          </a:p>
+          <a:p>
+            <a:pPr marL="179388" indent="-179388">
+              <a:buFont typeface="Arial" pitchFamily="34" charset="0"/>
+              <a:buChar char="•"/>
+            </a:pPr>
+            <a:r>
+              <a:rPr lang="en-AU" sz="2000" dirty="0" smtClean="0">
+                <a:solidFill>
+                  <a:schemeClr val="tx1"/>
+                </a:solidFill>
+              </a:rPr>
+              <a:t>Form in ‘packages’ tab which allows courier to change package status</a:t>
+            </a:r>
+          </a:p>
+          <a:p>
+            <a:pPr marL="179388" indent="-179388">
+              <a:buFont typeface="Arial" pitchFamily="34" charset="0"/>
+              <a:buChar char="•"/>
+            </a:pPr>
+            <a:r>
+              <a:rPr lang="en-AU" sz="2000" dirty="0" smtClean="0">
+                <a:solidFill>
+                  <a:schemeClr val="tx1"/>
+                </a:solidFill>
+              </a:rPr>
+              <a:t>Time should be logged automatically</a:t>
+            </a:r>
+            <a:endParaRPr lang="en-AU" sz="2000" dirty="0">
+              <a:solidFill>
+                <a:schemeClr val="tx1"/>
+              </a:solidFill>
+            </a:endParaRPr>
+          </a:p>
+          <a:p>
+            <a:pPr marL="179388" indent="-179388">
+              <a:buFont typeface="Arial" pitchFamily="34" charset="0"/>
+              <a:buChar char="•"/>
+            </a:pPr>
+            <a:endParaRPr lang="en-AU" sz="2000" dirty="0">
+              <a:solidFill>
+                <a:schemeClr val="tx1"/>
+              </a:solidFill>
+            </a:endParaRPr>
+          </a:p>
+        </p:txBody>
+      </p:sp>
+      <p:sp>
+        <p:nvSpPr>
+          <p:cNvPr id="11" name="Rectangle 10"/>
+          <p:cNvSpPr/>
+          <p:nvPr/>
+        </p:nvSpPr>
+        <p:spPr>
+          <a:xfrm>
+            <a:off x="9147153" y="109410"/>
+            <a:ext cx="720000" cy="540000"/>
+          </a:xfrm>
+          <a:prstGeom prst="rect">
+            <a:avLst/>
+          </a:prstGeom>
+          <a:solidFill>
+            <a:srgbClr val="CCF0CD">
+              <a:alpha val="20000"/>
+            </a:srgbClr>
+          </a:solidFill>
+          <a:ln>
+            <a:solidFill>
+              <a:schemeClr val="accent1">
+                <a:lumMod val="50000"/>
+              </a:schemeClr>
+            </a:solidFill>
+          </a:ln>
+        </p:spPr>
+        <p:style>
+          <a:lnRef idx="2">
+            <a:schemeClr val="accent1">
+              <a:shade val="50000"/>
+            </a:schemeClr>
+          </a:lnRef>
+          <a:fillRef idx="1">
+            <a:schemeClr val="accent1"/>
+          </a:fillRef>
+          <a:effectRef idx="0">
+            <a:schemeClr val="accent1"/>
+          </a:effectRef>
+          <a:fontRef idx="minor">
+            <a:schemeClr val="lt1"/>
+          </a:fontRef>
+        </p:style>
+        <p:txBody>
+          <a:bodyPr wrap="square" lIns="0" rIns="0" rtlCol="0" anchor="ctr"/>
+          <a:lstStyle/>
+          <a:p>
+            <a:pPr algn="ctr"/>
+            <a:r>
+              <a:rPr lang="en-AU" sz="2000" dirty="0" smtClean="0">
+                <a:solidFill>
+                  <a:schemeClr val="tx1"/>
+                </a:solidFill>
+              </a:rPr>
+              <a:t>8</a:t>
+            </a:r>
+            <a:endParaRPr lang="en-AU" sz="2000" dirty="0">
+              <a:solidFill>
+                <a:schemeClr val="tx1"/>
+              </a:solidFill>
+            </a:endParaRPr>
+          </a:p>
+        </p:txBody>
+      </p:sp>
+      <p:sp>
+        <p:nvSpPr>
+          <p:cNvPr id="12" name="Rectangle 11"/>
+          <p:cNvSpPr/>
+          <p:nvPr/>
+        </p:nvSpPr>
+        <p:spPr>
+          <a:xfrm>
+            <a:off x="8283153" y="109410"/>
+            <a:ext cx="792000" cy="540000"/>
+          </a:xfrm>
+          <a:prstGeom prst="rect">
+            <a:avLst/>
+          </a:prstGeom>
+          <a:solidFill>
+            <a:schemeClr val="accent4">
+              <a:lumMod val="20000"/>
+              <a:lumOff val="80000"/>
+            </a:schemeClr>
+          </a:solidFill>
+          <a:ln>
+            <a:solidFill>
+              <a:schemeClr val="accent1">
+                <a:lumMod val="50000"/>
+              </a:schemeClr>
+            </a:solidFill>
+          </a:ln>
+        </p:spPr>
+        <p:style>
+          <a:lnRef idx="2">
+            <a:schemeClr val="accent1">
+              <a:shade val="50000"/>
+            </a:schemeClr>
+          </a:lnRef>
+          <a:fillRef idx="1">
+            <a:schemeClr val="accent1"/>
+          </a:fillRef>
+          <a:effectRef idx="0">
+            <a:schemeClr val="accent1"/>
+          </a:effectRef>
+          <a:fontRef idx="minor">
+            <a:schemeClr val="lt1"/>
+          </a:fontRef>
+        </p:style>
+        <p:txBody>
+          <a:bodyPr wrap="none" lIns="0" rIns="0" rtlCol="0" anchor="ctr"/>
+          <a:lstStyle/>
+          <a:p>
+            <a:pPr algn="ctr"/>
+            <a:r>
+              <a:rPr lang="en-AU" sz="2000" dirty="0" smtClean="0">
+                <a:solidFill>
+                  <a:schemeClr val="tx1"/>
+                </a:solidFill>
+              </a:rPr>
+              <a:t>Must</a:t>
+            </a:r>
+            <a:endParaRPr lang="en-AU" sz="2000" dirty="0">
+              <a:solidFill>
+                <a:schemeClr val="tx1"/>
+              </a:solidFill>
+            </a:endParaRPr>
+          </a:p>
+        </p:txBody>
+      </p:sp>
+      <p:sp>
+        <p:nvSpPr>
+          <p:cNvPr id="13" name="Rectangle 12"/>
+          <p:cNvSpPr/>
+          <p:nvPr/>
+        </p:nvSpPr>
+        <p:spPr>
+          <a:xfrm>
+            <a:off x="39153" y="5128590"/>
+            <a:ext cx="9828000" cy="1620000"/>
+          </a:xfrm>
+          <a:prstGeom prst="rect">
+            <a:avLst/>
+          </a:prstGeom>
+          <a:solidFill>
+            <a:schemeClr val="bg1"/>
+          </a:solidFill>
+          <a:ln>
+            <a:solidFill>
+              <a:schemeClr val="accent1">
+                <a:lumMod val="50000"/>
+              </a:schemeClr>
+            </a:solidFill>
+          </a:ln>
+        </p:spPr>
+        <p:style>
+          <a:lnRef idx="2">
+            <a:schemeClr val="accent1">
+              <a:shade val="50000"/>
+            </a:schemeClr>
+          </a:lnRef>
+          <a:fillRef idx="1">
+            <a:schemeClr val="accent1"/>
+          </a:fillRef>
+          <a:effectRef idx="0">
+            <a:schemeClr val="accent1"/>
+          </a:effectRef>
+          <a:fontRef idx="minor">
+            <a:schemeClr val="lt1"/>
+          </a:fontRef>
+        </p:style>
+        <p:txBody>
+          <a:bodyPr tIns="36000" rtlCol="0" anchor="t" anchorCtr="0"/>
+          <a:lstStyle/>
+          <a:p>
+            <a:r>
+              <a:rPr lang="en-AU" sz="2000" dirty="0">
+                <a:solidFill>
+                  <a:schemeClr val="tx1"/>
+                </a:solidFill>
+              </a:rPr>
+              <a:t>Notes</a:t>
+            </a:r>
+          </a:p>
+          <a:p>
+            <a:pPr marL="179388" indent="-179388">
+              <a:buFont typeface="Arial" pitchFamily="34" charset="0"/>
+              <a:buChar char="•"/>
+            </a:pPr>
+            <a:r>
+              <a:rPr lang="en-AU" sz="2000" dirty="0">
+                <a:solidFill>
+                  <a:schemeClr val="tx1"/>
+                </a:solidFill>
+              </a:rPr>
+              <a:t> </a:t>
+            </a:r>
+          </a:p>
+        </p:txBody>
+      </p:sp>
+    </p:spTree>
+    <p:extLst>
+      <p:ext uri="{BB962C8B-B14F-4D97-AF65-F5344CB8AC3E}">
+        <p14:creationId xmlns:p14="http://schemas.microsoft.com/office/powerpoint/2010/main" val="2521972768"/>
+      </p:ext>
+    </p:extLst>
+  </p:cSld>
+  <p:clrMapOvr>
+    <a:masterClrMapping/>
+  </p:clrMapOvr>
+</p:sld>
+</file>
+
+<file path=ppt/slides/slide19.xml><?xml version="1.0" encoding="utf-8"?>
+<p:sld xmlns:a="http://schemas.openxmlformats.org/drawingml/2006/main" xmlns:r="http://schemas.openxmlformats.org/officeDocument/2006/relationships" xmlns:p="http://schemas.openxmlformats.org/presentationml/2006/main">
+  <p:cSld>
+    <p:spTree>
+      <p:nvGrpSpPr>
+        <p:cNvPr id="1" name=""/>
+        <p:cNvGrpSpPr/>
+        <p:nvPr/>
+      </p:nvGrpSpPr>
+      <p:grpSpPr>
+        <a:xfrm>
+          <a:off x="0" y="0"/>
+          <a:ext cx="0" cy="0"/>
+          <a:chOff x="0" y="0"/>
+          <a:chExt cx="0" cy="0"/>
+        </a:xfrm>
+      </p:grpSpPr>
+      <p:sp>
+        <p:nvSpPr>
+          <p:cNvPr id="4" name="Rectangle 3"/>
+          <p:cNvSpPr/>
+          <p:nvPr/>
+        </p:nvSpPr>
+        <p:spPr>
+          <a:xfrm>
+            <a:off x="39153" y="109410"/>
+            <a:ext cx="720000" cy="540000"/>
+          </a:xfrm>
+          <a:prstGeom prst="rect">
+            <a:avLst/>
+          </a:prstGeom>
+          <a:solidFill>
+            <a:schemeClr val="accent1">
+              <a:lumMod val="40000"/>
+              <a:lumOff val="60000"/>
+            </a:schemeClr>
+          </a:solidFill>
+          <a:ln>
+            <a:solidFill>
+              <a:schemeClr val="accent1">
+                <a:lumMod val="50000"/>
+              </a:schemeClr>
+            </a:solidFill>
+          </a:ln>
+        </p:spPr>
+        <p:style>
+          <a:lnRef idx="2">
+            <a:schemeClr val="accent1">
+              <a:shade val="50000"/>
+            </a:schemeClr>
+          </a:lnRef>
+          <a:fillRef idx="1">
+            <a:schemeClr val="accent1"/>
+          </a:fillRef>
+          <a:effectRef idx="0">
+            <a:schemeClr val="accent1"/>
+          </a:effectRef>
+          <a:fontRef idx="minor">
+            <a:schemeClr val="lt1"/>
+          </a:fontRef>
+        </p:style>
+        <p:txBody>
+          <a:bodyPr wrap="square" lIns="0" rIns="0" rtlCol="0" anchor="ctr"/>
+          <a:lstStyle/>
+          <a:p>
+            <a:pPr algn="ctr"/>
+            <a:r>
+              <a:rPr lang="en-AU" sz="2000" dirty="0">
+                <a:solidFill>
+                  <a:schemeClr val="tx1"/>
+                </a:solidFill>
+              </a:rPr>
+              <a:t>Story </a:t>
+            </a:r>
+            <a:r>
+              <a:rPr lang="en-AU" sz="2000" dirty="0" smtClean="0">
+                <a:solidFill>
+                  <a:schemeClr val="tx1"/>
+                </a:solidFill>
+              </a:rPr>
+              <a:t>E-6</a:t>
+            </a:r>
+            <a:endParaRPr lang="en-AU" sz="2000" dirty="0">
+              <a:solidFill>
+                <a:schemeClr val="tx1"/>
+              </a:solidFill>
+            </a:endParaRPr>
+          </a:p>
+        </p:txBody>
+      </p:sp>
+      <p:sp>
+        <p:nvSpPr>
+          <p:cNvPr id="6" name="Rectangle 5"/>
+          <p:cNvSpPr/>
+          <p:nvPr/>
+        </p:nvSpPr>
+        <p:spPr>
+          <a:xfrm>
+            <a:off x="831153" y="109410"/>
+            <a:ext cx="7380000" cy="540000"/>
+          </a:xfrm>
+          <a:prstGeom prst="rect">
+            <a:avLst/>
+          </a:prstGeom>
+          <a:ln>
+            <a:solidFill>
+              <a:schemeClr val="accent1">
+                <a:lumMod val="50000"/>
+              </a:schemeClr>
+            </a:solidFill>
+          </a:ln>
+        </p:spPr>
+        <p:style>
+          <a:lnRef idx="2">
+            <a:schemeClr val="accent1">
+              <a:shade val="50000"/>
+            </a:schemeClr>
+          </a:lnRef>
+          <a:fillRef idx="1">
+            <a:schemeClr val="accent1"/>
+          </a:fillRef>
+          <a:effectRef idx="0">
+            <a:schemeClr val="accent1"/>
+          </a:effectRef>
+          <a:fontRef idx="minor">
+            <a:schemeClr val="lt1"/>
+          </a:fontRef>
+        </p:style>
+        <p:txBody>
+          <a:bodyPr rtlCol="0" anchor="ctr"/>
+          <a:lstStyle/>
+          <a:p>
+            <a:pPr algn="ctr"/>
+            <a:r>
+              <a:rPr lang="en-AU" sz="2800" dirty="0" smtClean="0"/>
+              <a:t>Available Vehicles</a:t>
+            </a:r>
+            <a:endParaRPr lang="en-AU" sz="2800" dirty="0"/>
+          </a:p>
+        </p:txBody>
+      </p:sp>
+      <p:sp>
+        <p:nvSpPr>
+          <p:cNvPr id="7" name="Rectangle 6"/>
+          <p:cNvSpPr/>
+          <p:nvPr/>
+        </p:nvSpPr>
+        <p:spPr>
+          <a:xfrm>
+            <a:off x="39153" y="822470"/>
+            <a:ext cx="9828000" cy="2340000"/>
+          </a:xfrm>
+          <a:prstGeom prst="rect">
+            <a:avLst/>
+          </a:prstGeom>
+          <a:solidFill>
+            <a:schemeClr val="tx2">
+              <a:lumMod val="20000"/>
+              <a:lumOff val="80000"/>
+            </a:schemeClr>
+          </a:solidFill>
+          <a:ln>
+            <a:solidFill>
+              <a:schemeClr val="accent1">
+                <a:lumMod val="50000"/>
+              </a:schemeClr>
+            </a:solidFill>
+          </a:ln>
+        </p:spPr>
+        <p:style>
+          <a:lnRef idx="2">
+            <a:schemeClr val="accent1">
+              <a:shade val="50000"/>
+            </a:schemeClr>
+          </a:lnRef>
+          <a:fillRef idx="1">
+            <a:schemeClr val="accent1"/>
+          </a:fillRef>
+          <a:effectRef idx="0">
+            <a:schemeClr val="accent1"/>
+          </a:effectRef>
+          <a:fontRef idx="minor">
+            <a:schemeClr val="lt1"/>
+          </a:fontRef>
+        </p:style>
+        <p:txBody>
+          <a:bodyPr rtlCol="0" anchor="t" anchorCtr="0"/>
+          <a:lstStyle/>
+          <a:p>
+            <a:pPr lvl="0"/>
+            <a:r>
+              <a:rPr lang="en-US" sz="2400" dirty="0">
+                <a:solidFill>
+                  <a:schemeClr val="tx1"/>
+                </a:solidFill>
+              </a:rPr>
+              <a:t>• 	</a:t>
+            </a:r>
+            <a:r>
+              <a:rPr lang="en-AU" sz="2400" dirty="0">
+                <a:solidFill>
+                  <a:schemeClr val="tx1"/>
+                </a:solidFill>
+              </a:rPr>
+              <a:t>As a courier, I </a:t>
+            </a:r>
+            <a:r>
+              <a:rPr lang="en-AU" sz="2400" dirty="0" smtClean="0">
+                <a:solidFill>
+                  <a:schemeClr val="tx1"/>
+                </a:solidFill>
+              </a:rPr>
+              <a:t>want to know which vehicles are available for my use so that I can deliver packages more efficiently (i.e. use a truck to deliver multiple </a:t>
+            </a:r>
+            <a:r>
+              <a:rPr lang="en-AU" sz="2400" dirty="0">
+                <a:solidFill>
+                  <a:schemeClr val="tx1"/>
+                </a:solidFill>
+              </a:rPr>
+              <a:t>to the same </a:t>
+            </a:r>
+            <a:r>
+              <a:rPr lang="en-AU" sz="2400" dirty="0" smtClean="0">
+                <a:solidFill>
+                  <a:schemeClr val="tx1"/>
+                </a:solidFill>
+              </a:rPr>
+              <a:t>location, large packages)</a:t>
+            </a:r>
+            <a:endParaRPr lang="en-AU" sz="2400" dirty="0">
+              <a:solidFill>
+                <a:schemeClr val="tx1"/>
+              </a:solidFill>
+            </a:endParaRPr>
+          </a:p>
+        </p:txBody>
+      </p:sp>
+      <p:sp>
+        <p:nvSpPr>
+          <p:cNvPr id="8" name="Rectangle 7"/>
+          <p:cNvSpPr/>
+          <p:nvPr/>
+        </p:nvSpPr>
+        <p:spPr>
+          <a:xfrm>
+            <a:off x="39153" y="3335530"/>
+            <a:ext cx="9828000" cy="1620000"/>
+          </a:xfrm>
+          <a:prstGeom prst="rect">
+            <a:avLst/>
+          </a:prstGeom>
+          <a:solidFill>
+            <a:schemeClr val="accent1">
+              <a:lumMod val="20000"/>
+              <a:lumOff val="80000"/>
+            </a:schemeClr>
+          </a:solidFill>
+          <a:ln>
+            <a:solidFill>
+              <a:schemeClr val="accent1">
+                <a:lumMod val="50000"/>
+              </a:schemeClr>
+            </a:solidFill>
+          </a:ln>
+        </p:spPr>
+        <p:style>
+          <a:lnRef idx="2">
+            <a:schemeClr val="accent1">
+              <a:shade val="50000"/>
+            </a:schemeClr>
+          </a:lnRef>
+          <a:fillRef idx="1">
+            <a:schemeClr val="accent1"/>
+          </a:fillRef>
+          <a:effectRef idx="0">
+            <a:schemeClr val="accent1"/>
+          </a:effectRef>
+          <a:fontRef idx="minor">
+            <a:schemeClr val="lt1"/>
+          </a:fontRef>
+        </p:style>
+        <p:txBody>
+          <a:bodyPr tIns="36000" rtlCol="0" anchor="t" anchorCtr="0"/>
+          <a:lstStyle/>
+          <a:p>
+            <a:r>
+              <a:rPr lang="en-AU" sz="2000" dirty="0">
+                <a:solidFill>
+                  <a:schemeClr val="tx1"/>
+                </a:solidFill>
+              </a:rPr>
+              <a:t>Acceptance Criteria</a:t>
+            </a:r>
+          </a:p>
+          <a:p>
+            <a:pPr marL="179388" indent="-179388">
+              <a:buFont typeface="Arial" pitchFamily="34" charset="0"/>
+              <a:buChar char="•"/>
+            </a:pPr>
+            <a:r>
+              <a:rPr lang="en-AU" sz="2000" dirty="0">
+                <a:solidFill>
+                  <a:schemeClr val="tx1"/>
+                </a:solidFill>
+              </a:rPr>
+              <a:t> </a:t>
+            </a:r>
+            <a:r>
+              <a:rPr lang="en-AU" sz="2000" dirty="0" smtClean="0">
+                <a:solidFill>
+                  <a:schemeClr val="tx1"/>
+                </a:solidFill>
+              </a:rPr>
+              <a:t>Able to see a page displaying personal vehicle of courier and all company vehicles </a:t>
+            </a:r>
+          </a:p>
+          <a:p>
+            <a:pPr marL="179388" indent="-179388">
+              <a:buFont typeface="Arial" pitchFamily="34" charset="0"/>
+              <a:buChar char="•"/>
+            </a:pPr>
+            <a:r>
+              <a:rPr lang="en-AU" sz="2000" dirty="0" smtClean="0">
+                <a:solidFill>
+                  <a:schemeClr val="tx1"/>
+                </a:solidFill>
+              </a:rPr>
+              <a:t>Able to book a vehicle and see whether a specific vehicle is unavailable</a:t>
+            </a:r>
+            <a:endParaRPr lang="en-AU" sz="2000" dirty="0">
+              <a:solidFill>
+                <a:schemeClr val="tx1"/>
+              </a:solidFill>
+            </a:endParaRPr>
+          </a:p>
+          <a:p>
+            <a:pPr marL="179388" indent="-179388">
+              <a:buFont typeface="Arial" pitchFamily="34" charset="0"/>
+              <a:buChar char="•"/>
+            </a:pPr>
+            <a:endParaRPr lang="en-AU" sz="2000" dirty="0">
+              <a:solidFill>
+                <a:schemeClr val="tx1"/>
+              </a:solidFill>
+            </a:endParaRPr>
+          </a:p>
+        </p:txBody>
+      </p:sp>
+      <p:sp>
+        <p:nvSpPr>
+          <p:cNvPr id="11" name="Rectangle 10"/>
+          <p:cNvSpPr/>
+          <p:nvPr/>
+        </p:nvSpPr>
+        <p:spPr>
+          <a:xfrm>
+            <a:off x="9147153" y="109410"/>
+            <a:ext cx="720000" cy="540000"/>
+          </a:xfrm>
+          <a:prstGeom prst="rect">
+            <a:avLst/>
+          </a:prstGeom>
+          <a:solidFill>
+            <a:srgbClr val="CCF0CD">
+              <a:alpha val="20000"/>
+            </a:srgbClr>
+          </a:solidFill>
+          <a:ln>
+            <a:solidFill>
+              <a:schemeClr val="accent1">
+                <a:lumMod val="50000"/>
+              </a:schemeClr>
+            </a:solidFill>
+          </a:ln>
+        </p:spPr>
+        <p:style>
+          <a:lnRef idx="2">
+            <a:schemeClr val="accent1">
+              <a:shade val="50000"/>
+            </a:schemeClr>
+          </a:lnRef>
+          <a:fillRef idx="1">
+            <a:schemeClr val="accent1"/>
+          </a:fillRef>
+          <a:effectRef idx="0">
+            <a:schemeClr val="accent1"/>
+          </a:effectRef>
+          <a:fontRef idx="minor">
+            <a:schemeClr val="lt1"/>
+          </a:fontRef>
+        </p:style>
+        <p:txBody>
+          <a:bodyPr wrap="square" lIns="0" rIns="0" rtlCol="0" anchor="ctr"/>
+          <a:lstStyle/>
+          <a:p>
+            <a:pPr algn="ctr"/>
+            <a:r>
+              <a:rPr lang="en-AU" sz="2000" dirty="0">
+                <a:solidFill>
+                  <a:schemeClr val="tx1"/>
+                </a:solidFill>
+              </a:rPr>
+              <a:t>8</a:t>
+            </a:r>
+          </a:p>
+        </p:txBody>
+      </p:sp>
+      <p:sp>
+        <p:nvSpPr>
+          <p:cNvPr id="12" name="Rectangle 11"/>
+          <p:cNvSpPr/>
+          <p:nvPr/>
+        </p:nvSpPr>
+        <p:spPr>
+          <a:xfrm>
+            <a:off x="8283153" y="109410"/>
+            <a:ext cx="792000" cy="540000"/>
+          </a:xfrm>
+          <a:prstGeom prst="rect">
+            <a:avLst/>
+          </a:prstGeom>
+          <a:solidFill>
+            <a:schemeClr val="accent4">
+              <a:lumMod val="20000"/>
+              <a:lumOff val="80000"/>
+            </a:schemeClr>
+          </a:solidFill>
+          <a:ln>
+            <a:solidFill>
+              <a:schemeClr val="accent1">
+                <a:lumMod val="50000"/>
+              </a:schemeClr>
+            </a:solidFill>
+          </a:ln>
+        </p:spPr>
+        <p:style>
+          <a:lnRef idx="2">
+            <a:schemeClr val="accent1">
+              <a:shade val="50000"/>
+            </a:schemeClr>
+          </a:lnRef>
+          <a:fillRef idx="1">
+            <a:schemeClr val="accent1"/>
+          </a:fillRef>
+          <a:effectRef idx="0">
+            <a:schemeClr val="accent1"/>
+          </a:effectRef>
+          <a:fontRef idx="minor">
+            <a:schemeClr val="lt1"/>
+          </a:fontRef>
+        </p:style>
+        <p:txBody>
+          <a:bodyPr wrap="none" lIns="0" rIns="0" rtlCol="0" anchor="ctr"/>
+          <a:lstStyle/>
+          <a:p>
+            <a:pPr algn="ctr"/>
+            <a:r>
+              <a:rPr lang="en-AU" sz="2000" dirty="0" smtClean="0">
+                <a:solidFill>
+                  <a:schemeClr val="tx1"/>
+                </a:solidFill>
+              </a:rPr>
+              <a:t>Could</a:t>
+            </a:r>
+            <a:endParaRPr lang="en-AU" sz="2000" dirty="0">
+              <a:solidFill>
+                <a:schemeClr val="tx1"/>
+              </a:solidFill>
+            </a:endParaRPr>
+          </a:p>
+        </p:txBody>
+      </p:sp>
+      <p:sp>
+        <p:nvSpPr>
+          <p:cNvPr id="13" name="Rectangle 12"/>
+          <p:cNvSpPr/>
+          <p:nvPr/>
+        </p:nvSpPr>
+        <p:spPr>
+          <a:xfrm>
+            <a:off x="39153" y="5128590"/>
+            <a:ext cx="9828000" cy="1620000"/>
+          </a:xfrm>
+          <a:prstGeom prst="rect">
+            <a:avLst/>
+          </a:prstGeom>
+          <a:solidFill>
+            <a:schemeClr val="bg1"/>
+          </a:solidFill>
+          <a:ln>
+            <a:solidFill>
+              <a:schemeClr val="accent1">
+                <a:lumMod val="50000"/>
+              </a:schemeClr>
+            </a:solidFill>
+          </a:ln>
+        </p:spPr>
+        <p:style>
+          <a:lnRef idx="2">
+            <a:schemeClr val="accent1">
+              <a:shade val="50000"/>
+            </a:schemeClr>
+          </a:lnRef>
+          <a:fillRef idx="1">
+            <a:schemeClr val="accent1"/>
+          </a:fillRef>
+          <a:effectRef idx="0">
+            <a:schemeClr val="accent1"/>
+          </a:effectRef>
+          <a:fontRef idx="minor">
+            <a:schemeClr val="lt1"/>
+          </a:fontRef>
+        </p:style>
+        <p:txBody>
+          <a:bodyPr tIns="36000" rtlCol="0" anchor="t" anchorCtr="0"/>
+          <a:lstStyle/>
+          <a:p>
+            <a:r>
+              <a:rPr lang="en-AU" sz="2000" dirty="0">
+                <a:solidFill>
+                  <a:schemeClr val="tx1"/>
+                </a:solidFill>
+              </a:rPr>
+              <a:t>Notes</a:t>
+            </a:r>
+          </a:p>
+          <a:p>
+            <a:pPr marL="179388" indent="-179388">
+              <a:buFont typeface="Arial" pitchFamily="34" charset="0"/>
+              <a:buChar char="•"/>
+            </a:pPr>
+            <a:r>
+              <a:rPr lang="en-AU" sz="2000" dirty="0">
+                <a:solidFill>
+                  <a:schemeClr val="tx1"/>
+                </a:solidFill>
+              </a:rPr>
+              <a:t> </a:t>
+            </a:r>
+          </a:p>
+        </p:txBody>
+      </p:sp>
+    </p:spTree>
+    <p:extLst>
+      <p:ext uri="{BB962C8B-B14F-4D97-AF65-F5344CB8AC3E}">
+        <p14:creationId xmlns:p14="http://schemas.microsoft.com/office/powerpoint/2010/main" val="1180563949"/>
       </p:ext>
     </p:extLst>
   </p:cSld>
@@ -5741,6 +8516,169 @@
       </p:grpSpPr>
       <p:sp>
         <p:nvSpPr>
+          <p:cNvPr id="3" name="Content Placeholder 2"/>
+          <p:cNvSpPr>
+            <a:spLocks noGrp="1"/>
+          </p:cNvSpPr>
+          <p:nvPr>
+            <p:ph idx="1"/>
+          </p:nvPr>
+        </p:nvSpPr>
+        <p:spPr>
+          <a:xfrm>
+            <a:off x="160215" y="867509"/>
+            <a:ext cx="9585570" cy="5258656"/>
+          </a:xfrm>
+        </p:spPr>
+        <p:txBody>
+          <a:bodyPr>
+            <a:normAutofit/>
+          </a:bodyPr>
+          <a:lstStyle/>
+          <a:p>
+            <a:pPr marL="0" indent="0">
+              <a:spcBef>
+                <a:spcPts val="900"/>
+              </a:spcBef>
+              <a:buNone/>
+            </a:pPr>
+            <a:r>
+              <a:rPr lang="en-AU" sz="2000" u="sng" dirty="0"/>
+              <a:t>Role 1</a:t>
+            </a:r>
+            <a:r>
+              <a:rPr lang="en-AU" sz="2000" dirty="0"/>
+              <a:t> – Courier – The person who picks up packages, delivers them to the warehouse and distributes them from the warehouse to their designated locations.</a:t>
+            </a:r>
+          </a:p>
+          <a:p>
+            <a:pPr marL="0" indent="0">
+              <a:spcBef>
+                <a:spcPts val="900"/>
+              </a:spcBef>
+              <a:buNone/>
+            </a:pPr>
+            <a:r>
+              <a:rPr lang="en-AU" sz="2000" u="sng" dirty="0"/>
+              <a:t>Role 2</a:t>
+            </a:r>
+            <a:r>
+              <a:rPr lang="en-AU" sz="2000" dirty="0"/>
+              <a:t> – Administrator – The owner of the business who handles all the administration tasks of the delivery process</a:t>
+            </a:r>
+          </a:p>
+          <a:p>
+            <a:pPr marL="0" indent="0">
+              <a:spcBef>
+                <a:spcPts val="900"/>
+              </a:spcBef>
+              <a:buNone/>
+            </a:pPr>
+            <a:r>
+              <a:rPr lang="en-AU" sz="2000" u="sng" dirty="0"/>
+              <a:t>Role 3</a:t>
+            </a:r>
+            <a:r>
+              <a:rPr lang="en-AU" sz="2000" dirty="0"/>
+              <a:t> – Customer – The person who places orders, ensures packages are ready for pickup and selects destinations and delivery </a:t>
+            </a:r>
+            <a:r>
+              <a:rPr lang="en-AU" sz="2000" dirty="0" smtClean="0"/>
+              <a:t>time</a:t>
+            </a:r>
+          </a:p>
+          <a:p>
+            <a:pPr marL="0" indent="0">
+              <a:spcBef>
+                <a:spcPts val="900"/>
+              </a:spcBef>
+              <a:buNone/>
+            </a:pPr>
+            <a:r>
+              <a:rPr lang="en-AU" sz="2000" dirty="0" smtClean="0"/>
+              <a:t> </a:t>
+            </a:r>
+            <a:endParaRPr lang="en-AU" sz="2000" dirty="0"/>
+          </a:p>
+        </p:txBody>
+      </p:sp>
+      <p:sp>
+        <p:nvSpPr>
+          <p:cNvPr id="4" name="Rectangle 3"/>
+          <p:cNvSpPr/>
+          <p:nvPr/>
+        </p:nvSpPr>
+        <p:spPr>
+          <a:xfrm>
+            <a:off x="101505" y="109410"/>
+            <a:ext cx="9691171" cy="540000"/>
+          </a:xfrm>
+          <a:prstGeom prst="rect">
+            <a:avLst/>
+          </a:prstGeom>
+          <a:ln>
+            <a:solidFill>
+              <a:schemeClr val="accent1">
+                <a:lumMod val="50000"/>
+              </a:schemeClr>
+            </a:solidFill>
+          </a:ln>
+        </p:spPr>
+        <p:style>
+          <a:lnRef idx="2">
+            <a:schemeClr val="accent1">
+              <a:shade val="50000"/>
+            </a:schemeClr>
+          </a:lnRef>
+          <a:fillRef idx="1">
+            <a:schemeClr val="accent1"/>
+          </a:fillRef>
+          <a:effectRef idx="0">
+            <a:schemeClr val="accent1"/>
+          </a:effectRef>
+          <a:fontRef idx="minor">
+            <a:schemeClr val="lt1"/>
+          </a:fontRef>
+        </p:style>
+        <p:txBody>
+          <a:bodyPr rtlCol="0" anchor="ctr"/>
+          <a:lstStyle/>
+          <a:p>
+            <a:pPr algn="ctr"/>
+            <a:r>
+              <a:rPr lang="en-AU" sz="2800" dirty="0"/>
+              <a:t>System Roles</a:t>
+            </a:r>
+          </a:p>
+        </p:txBody>
+      </p:sp>
+    </p:spTree>
+  </p:cSld>
+  <p:clrMapOvr>
+    <a:masterClrMapping/>
+  </p:clrMapOvr>
+</p:sld>
+</file>
+
+<file path=ppt/slides/slide20.xml><?xml version="1.0" encoding="utf-8"?>
+<p:sld xmlns:a="http://schemas.openxmlformats.org/drawingml/2006/main" xmlns:r="http://schemas.openxmlformats.org/officeDocument/2006/relationships" xmlns:p="http://schemas.openxmlformats.org/presentationml/2006/main">
+  <p:cSld>
+    <p:spTree>
+      <p:nvGrpSpPr>
+        <p:cNvPr id="1" name=""/>
+        <p:cNvGrpSpPr/>
+        <p:nvPr/>
+      </p:nvGrpSpPr>
+      <p:grpSpPr>
+        <a:xfrm>
+          <a:off x="0" y="0"/>
+          <a:ext cx="0" cy="0"/>
+          <a:chOff x="0" y="0"/>
+          <a:chExt cx="0" cy="0"/>
+        </a:xfrm>
+      </p:grpSpPr>
+      <p:sp>
+        <p:nvSpPr>
           <p:cNvPr id="4" name="Rectangle 3"/>
           <p:cNvSpPr/>
           <p:nvPr/>
@@ -5794,8 +8732,21 @@
                   <a:schemeClr val="tx1"/>
                 </a:solidFill>
               </a:rPr>
-              <a:t>Story 1-1</a:t>
-            </a:r>
+              <a:t>Story </a:t>
+            </a:r>
+            <a:r>
+              <a:rPr lang="en-AU" sz="2000" dirty="0" smtClean="0">
+                <a:solidFill>
+                  <a:schemeClr val="tx1"/>
+                </a:solidFill>
+              </a:rPr>
+              <a:t>A-7</a:t>
+            </a:r>
+            <a:endParaRPr lang="en-AU" sz="2000" dirty="0">
+              <a:solidFill>
+                <a:schemeClr val="tx1"/>
+              </a:solidFill>
+            </a:endParaRPr>
           </a:p>
         </p:txBody>
       </p:sp>
@@ -5843,9 +8794,10 @@
           <a:p>
             <a:pPr algn="ctr"/>
             <a:r>
-              <a:rPr lang="en-AU" sz="2800" dirty="0"/>
-              <a:t>Administrator</a:t>
-            </a:r>
+              <a:rPr lang="en-AU" sz="2800" dirty="0" smtClean="0"/>
+              <a:t>Assign Couriers</a:t>
+            </a:r>
+            <a:endParaRPr lang="en-AU" sz="2800" dirty="0"/>
           </a:p>
         </p:txBody>
       </p:sp>
@@ -5897,13 +8849,30 @@
           <a:bodyPr rtlCol="0" anchor="t" anchorCtr="0"/>
           <a:lstStyle/>
           <a:p>
+            <a:pPr lvl="0"/>
             <a:r>
               <a:rPr lang="en-US" sz="2400" dirty="0">
                 <a:solidFill>
                   <a:schemeClr val="tx1"/>
                 </a:solidFill>
               </a:rPr>
-              <a:t>•	As the administrator (Bill), I want to be able to see any outstanding and current orders so I can ensure the flow of the business remains and customers are satisfied. </a:t>
+              <a:t>• 	</a:t>
+            </a:r>
+            <a:r>
+              <a:rPr lang="en-AU" sz="2400" dirty="0">
+                <a:solidFill>
+                  <a:schemeClr val="tx1"/>
+                </a:solidFill>
+              </a:rPr>
+              <a:t>As </a:t>
+            </a:r>
+            <a:r>
+              <a:rPr lang="en-AU" sz="2400" dirty="0" smtClean="0">
+                <a:solidFill>
+                  <a:schemeClr val="tx1"/>
+                </a:solidFill>
+              </a:rPr>
+              <a:t>an Administrator I want to be able to assign a delivery order to a specific courier so that I can optimize order completion and use of company resources (i.e. petrol)</a:t>
             </a:r>
             <a:endParaRPr lang="en-AU" sz="2400" dirty="0">
               <a:solidFill>
@@ -5976,12 +8945,12 @@
               <a:buChar char="•"/>
             </a:pPr>
             <a:r>
-              <a:rPr lang="en-AU" sz="2000" dirty="0">
-                <a:solidFill>
-                  <a:schemeClr val="tx1"/>
-                </a:solidFill>
-              </a:rPr>
-              <a:t> Be able to view on the website the current and outstanding orders.</a:t>
+              <a:rPr lang="en-AU" sz="2000" dirty="0" smtClean="0">
+                <a:solidFill>
+                  <a:schemeClr val="tx1"/>
+                </a:solidFill>
+              </a:rPr>
+              <a:t>Admin is able to assign a specific employee to a specific order</a:t>
             </a:r>
           </a:p>
           <a:p>
@@ -5990,13 +8959,29 @@
               <a:buChar char="•"/>
             </a:pPr>
             <a:r>
-              <a:rPr lang="en-AU" sz="2000" dirty="0">
-                <a:solidFill>
-                  <a:schemeClr val="tx1"/>
-                </a:solidFill>
-              </a:rPr>
-              <a:t>After login, there should be an orders tab which highlights current orders and shows upcoming orders (outstanding orders).</a:t>
-            </a:r>
+              <a:rPr lang="en-AU" sz="2000" dirty="0" smtClean="0">
+                <a:solidFill>
+                  <a:schemeClr val="tx1"/>
+                </a:solidFill>
+              </a:rPr>
+              <a:t> Once assigned, delivery should appear on courier’s list of deliveries</a:t>
+            </a:r>
+            <a:endParaRPr lang="en-AU" sz="2000" dirty="0">
+              <a:solidFill>
+                <a:schemeClr val="tx1"/>
+              </a:solidFill>
+            </a:endParaRPr>
+          </a:p>
+          <a:p>
+            <a:pPr marL="179388" indent="-179388">
+              <a:buFont typeface="Arial" pitchFamily="34" charset="0"/>
+              <a:buChar char="•"/>
+            </a:pPr>
+            <a:endParaRPr lang="en-AU" sz="2000" dirty="0">
+              <a:solidFill>
+                <a:schemeClr val="tx1"/>
+              </a:solidFill>
+            </a:endParaRPr>
           </a:p>
         </p:txBody>
       </p:sp>
@@ -6049,13 +9034,18 @@
           <a:p>
             <a:pPr algn="ctr"/>
             <a:r>
-              <a:rPr lang="en-AU" sz="2000" dirty="0">
-                <a:solidFill>
-                  <a:schemeClr val="tx1"/>
-                </a:solidFill>
-              </a:rPr>
-              <a:t>Story Points</a:t>
-            </a:r>
+              <a:rPr lang="en-AU" sz="2000" dirty="0" smtClean="0">
+                <a:solidFill>
+                  <a:schemeClr val="tx1"/>
+                </a:solidFill>
+              </a:rPr>
+              <a:t>4</a:t>
+            </a:r>
+            <a:endParaRPr lang="en-AU" sz="2000" dirty="0">
+              <a:solidFill>
+                <a:schemeClr val="tx1"/>
+              </a:solidFill>
+            </a:endParaRPr>
           </a:p>
         </p:txBody>
       </p:sp>
@@ -6109,13 +9099,18 @@
           <a:p>
             <a:pPr algn="ctr"/>
             <a:r>
-              <a:rPr lang="en-AU" sz="2000" dirty="0">
-                <a:solidFill>
-                  <a:schemeClr val="tx1"/>
-                </a:solidFill>
-              </a:rPr>
-              <a:t>Priority</a:t>
-            </a:r>
+              <a:rPr lang="en-AU" sz="2000" dirty="0" smtClean="0">
+                <a:solidFill>
+                  <a:schemeClr val="tx1"/>
+                </a:solidFill>
+              </a:rPr>
+              <a:t>Must</a:t>
+            </a:r>
+            <a:endParaRPr lang="en-AU" sz="2000" dirty="0">
+              <a:solidFill>
+                <a:schemeClr val="tx1"/>
+              </a:solidFill>
+            </a:endParaRPr>
           </a:p>
         </p:txBody>
       </p:sp>
@@ -6186,10 +9181,574 @@
               </a:rPr>
               <a:t> </a:t>
             </a:r>
+            <a:r>
+              <a:rPr lang="en-AU" sz="2000" dirty="0" smtClean="0">
+                <a:solidFill>
+                  <a:schemeClr val="tx1"/>
+                </a:solidFill>
+              </a:rPr>
+              <a:t>admin can assign deliveries in same general area to the same courier</a:t>
+            </a:r>
+          </a:p>
+          <a:p>
+            <a:pPr marL="179388" indent="-179388">
+              <a:buFont typeface="Arial" pitchFamily="34" charset="0"/>
+              <a:buChar char="•"/>
+            </a:pPr>
+            <a:r>
+              <a:rPr lang="en-AU" sz="2000" dirty="0" smtClean="0">
+                <a:solidFill>
+                  <a:schemeClr val="tx1"/>
+                </a:solidFill>
+              </a:rPr>
+              <a:t>Overlap/similar to story 1-2, overlap with story 1-3</a:t>
+            </a:r>
           </a:p>
         </p:txBody>
       </p:sp>
     </p:spTree>
+    <p:extLst>
+      <p:ext uri="{BB962C8B-B14F-4D97-AF65-F5344CB8AC3E}">
+        <p14:creationId xmlns:p14="http://schemas.microsoft.com/office/powerpoint/2010/main" val="1531856835"/>
+      </p:ext>
+    </p:extLst>
+  </p:cSld>
+  <p:clrMapOvr>
+    <a:masterClrMapping/>
+  </p:clrMapOvr>
+</p:sld>
+</file>
+
+<file path=ppt/slides/slide21.xml><?xml version="1.0" encoding="utf-8"?>
+<p:sld xmlns:a="http://schemas.openxmlformats.org/drawingml/2006/main" xmlns:r="http://schemas.openxmlformats.org/officeDocument/2006/relationships" xmlns:p="http://schemas.openxmlformats.org/presentationml/2006/main">
+  <p:cSld>
+    <p:spTree>
+      <p:nvGrpSpPr>
+        <p:cNvPr id="1" name=""/>
+        <p:cNvGrpSpPr/>
+        <p:nvPr/>
+      </p:nvGrpSpPr>
+      <p:grpSpPr>
+        <a:xfrm>
+          <a:off x="0" y="0"/>
+          <a:ext cx="0" cy="0"/>
+          <a:chOff x="0" y="0"/>
+          <a:chExt cx="0" cy="0"/>
+        </a:xfrm>
+      </p:grpSpPr>
+      <p:sp>
+        <p:nvSpPr>
+          <p:cNvPr id="4" name="Rectangle 3"/>
+          <p:cNvSpPr/>
+          <p:nvPr/>
+        </p:nvSpPr>
+        <p:spPr>
+          <a:xfrm>
+            <a:off x="39153" y="109410"/>
+            <a:ext cx="720000" cy="540000"/>
+          </a:xfrm>
+          <a:prstGeom prst="rect">
+            <a:avLst/>
+          </a:prstGeom>
+          <a:solidFill>
+            <a:schemeClr val="accent1">
+              <a:lumMod val="40000"/>
+              <a:lumOff val="60000"/>
+            </a:schemeClr>
+          </a:solidFill>
+          <a:ln>
+            <a:solidFill>
+              <a:schemeClr val="accent1">
+                <a:lumMod val="50000"/>
+              </a:schemeClr>
+            </a:solidFill>
+          </a:ln>
+        </p:spPr>
+        <p:style>
+          <a:lnRef idx="2">
+            <a:schemeClr val="accent1">
+              <a:shade val="50000"/>
+            </a:schemeClr>
+          </a:lnRef>
+          <a:fillRef idx="1">
+            <a:schemeClr val="accent1"/>
+          </a:fillRef>
+          <a:effectRef idx="0">
+            <a:schemeClr val="accent1"/>
+          </a:effectRef>
+          <a:fontRef idx="minor">
+            <a:schemeClr val="lt1"/>
+          </a:fontRef>
+        </p:style>
+        <p:txBody>
+          <a:bodyPr wrap="square" lIns="0" rIns="0" rtlCol="0" anchor="ctr"/>
+          <a:lstStyle/>
+          <a:p>
+            <a:pPr algn="ctr"/>
+            <a:r>
+              <a:rPr lang="en-AU" sz="2000" dirty="0">
+                <a:solidFill>
+                  <a:schemeClr val="tx1"/>
+                </a:solidFill>
+              </a:rPr>
+              <a:t>Story </a:t>
+            </a:r>
+            <a:r>
+              <a:rPr lang="en-AU" sz="2000" dirty="0" smtClean="0">
+                <a:solidFill>
+                  <a:schemeClr val="tx1"/>
+                </a:solidFill>
+              </a:rPr>
+              <a:t>A-8</a:t>
+            </a:r>
+            <a:endParaRPr lang="en-AU" sz="2000" dirty="0">
+              <a:solidFill>
+                <a:schemeClr val="tx1"/>
+              </a:solidFill>
+            </a:endParaRPr>
+          </a:p>
+        </p:txBody>
+      </p:sp>
+      <p:sp>
+        <p:nvSpPr>
+          <p:cNvPr id="6" name="Rectangle 5"/>
+          <p:cNvSpPr/>
+          <p:nvPr/>
+        </p:nvSpPr>
+        <p:spPr>
+          <a:xfrm>
+            <a:off x="831153" y="109410"/>
+            <a:ext cx="7380000" cy="540000"/>
+          </a:xfrm>
+          <a:prstGeom prst="rect">
+            <a:avLst/>
+          </a:prstGeom>
+          <a:ln>
+            <a:solidFill>
+              <a:schemeClr val="accent1">
+                <a:lumMod val="50000"/>
+              </a:schemeClr>
+            </a:solidFill>
+          </a:ln>
+        </p:spPr>
+        <p:style>
+          <a:lnRef idx="2">
+            <a:schemeClr val="accent1">
+              <a:shade val="50000"/>
+            </a:schemeClr>
+          </a:lnRef>
+          <a:fillRef idx="1">
+            <a:schemeClr val="accent1"/>
+          </a:fillRef>
+          <a:effectRef idx="0">
+            <a:schemeClr val="accent1"/>
+          </a:effectRef>
+          <a:fontRef idx="minor">
+            <a:schemeClr val="lt1"/>
+          </a:fontRef>
+        </p:style>
+        <p:txBody>
+          <a:bodyPr rtlCol="0" anchor="ctr"/>
+          <a:lstStyle/>
+          <a:p>
+            <a:pPr algn="ctr"/>
+            <a:r>
+              <a:rPr lang="en-AU" sz="2800" dirty="0" smtClean="0"/>
+              <a:t>Staff Account</a:t>
+            </a:r>
+            <a:endParaRPr lang="en-AU" sz="2800" dirty="0"/>
+          </a:p>
+        </p:txBody>
+      </p:sp>
+      <p:sp>
+        <p:nvSpPr>
+          <p:cNvPr id="7" name="Rectangle 6"/>
+          <p:cNvSpPr/>
+          <p:nvPr/>
+        </p:nvSpPr>
+        <p:spPr>
+          <a:xfrm>
+            <a:off x="39153" y="822470"/>
+            <a:ext cx="9828000" cy="2340000"/>
+          </a:xfrm>
+          <a:prstGeom prst="rect">
+            <a:avLst/>
+          </a:prstGeom>
+          <a:solidFill>
+            <a:schemeClr val="tx2">
+              <a:lumMod val="20000"/>
+              <a:lumOff val="80000"/>
+            </a:schemeClr>
+          </a:solidFill>
+          <a:ln>
+            <a:solidFill>
+              <a:schemeClr val="accent1">
+                <a:lumMod val="50000"/>
+              </a:schemeClr>
+            </a:solidFill>
+          </a:ln>
+        </p:spPr>
+        <p:style>
+          <a:lnRef idx="2">
+            <a:schemeClr val="accent1">
+              <a:shade val="50000"/>
+            </a:schemeClr>
+          </a:lnRef>
+          <a:fillRef idx="1">
+            <a:schemeClr val="accent1"/>
+          </a:fillRef>
+          <a:effectRef idx="0">
+            <a:schemeClr val="accent1"/>
+          </a:effectRef>
+          <a:fontRef idx="minor">
+            <a:schemeClr val="lt1"/>
+          </a:fontRef>
+        </p:style>
+        <p:txBody>
+          <a:bodyPr rtlCol="0" anchor="t" anchorCtr="0"/>
+          <a:lstStyle/>
+          <a:p>
+            <a:pPr lvl="0"/>
+            <a:r>
+              <a:rPr lang="en-US" sz="2400" dirty="0">
+                <a:solidFill>
+                  <a:schemeClr val="tx1"/>
+                </a:solidFill>
+              </a:rPr>
+              <a:t>• 	</a:t>
+            </a:r>
+            <a:r>
+              <a:rPr lang="en-AU" sz="2400" dirty="0">
+                <a:solidFill>
+                  <a:schemeClr val="tx1"/>
+                </a:solidFill>
+              </a:rPr>
+              <a:t>As </a:t>
+            </a:r>
+            <a:r>
+              <a:rPr lang="en-AU" sz="2400" dirty="0" smtClean="0">
+                <a:solidFill>
+                  <a:schemeClr val="tx1"/>
+                </a:solidFill>
+              </a:rPr>
+              <a:t>an Administrator I want to be able to easily change a normal account to an employee or admin one so that I am able to hire more people as the company expands</a:t>
+            </a:r>
+            <a:endParaRPr lang="en-AU" sz="2400" dirty="0">
+              <a:solidFill>
+                <a:schemeClr val="tx1"/>
+              </a:solidFill>
+            </a:endParaRPr>
+          </a:p>
+        </p:txBody>
+      </p:sp>
+      <p:sp>
+        <p:nvSpPr>
+          <p:cNvPr id="8" name="Rectangle 7"/>
+          <p:cNvSpPr/>
+          <p:nvPr/>
+        </p:nvSpPr>
+        <p:spPr>
+          <a:xfrm>
+            <a:off x="39153" y="3335530"/>
+            <a:ext cx="9828000" cy="1620000"/>
+          </a:xfrm>
+          <a:prstGeom prst="rect">
+            <a:avLst/>
+          </a:prstGeom>
+          <a:solidFill>
+            <a:schemeClr val="accent1">
+              <a:lumMod val="20000"/>
+              <a:lumOff val="80000"/>
+            </a:schemeClr>
+          </a:solidFill>
+          <a:ln>
+            <a:solidFill>
+              <a:schemeClr val="accent1">
+                <a:lumMod val="50000"/>
+              </a:schemeClr>
+            </a:solidFill>
+          </a:ln>
+        </p:spPr>
+        <p:style>
+          <a:lnRef idx="2">
+            <a:schemeClr val="accent1">
+              <a:shade val="50000"/>
+            </a:schemeClr>
+          </a:lnRef>
+          <a:fillRef idx="1">
+            <a:schemeClr val="accent1"/>
+          </a:fillRef>
+          <a:effectRef idx="0">
+            <a:schemeClr val="accent1"/>
+          </a:effectRef>
+          <a:fontRef idx="minor">
+            <a:schemeClr val="lt1"/>
+          </a:fontRef>
+        </p:style>
+        <p:txBody>
+          <a:bodyPr tIns="36000" rtlCol="0" anchor="t" anchorCtr="0"/>
+          <a:lstStyle/>
+          <a:p>
+            <a:r>
+              <a:rPr lang="en-AU" sz="2000" dirty="0">
+                <a:solidFill>
+                  <a:schemeClr val="tx1"/>
+                </a:solidFill>
+              </a:rPr>
+              <a:t>Acceptance Criteria</a:t>
+            </a:r>
+          </a:p>
+          <a:p>
+            <a:pPr marL="179388" indent="-179388">
+              <a:buFont typeface="Arial" pitchFamily="34" charset="0"/>
+              <a:buChar char="•"/>
+            </a:pPr>
+            <a:r>
+              <a:rPr lang="en-AU" sz="2000" dirty="0" smtClean="0">
+                <a:solidFill>
+                  <a:schemeClr val="tx1"/>
+                </a:solidFill>
+              </a:rPr>
+              <a:t>Able to indicate whether a given account belongs to another administrator or employee</a:t>
+            </a:r>
+          </a:p>
+          <a:p>
+            <a:pPr marL="179388" indent="-179388">
+              <a:buFont typeface="Arial" pitchFamily="34" charset="0"/>
+              <a:buChar char="•"/>
+            </a:pPr>
+            <a:r>
+              <a:rPr lang="en-AU" sz="2000" dirty="0" smtClean="0">
+                <a:solidFill>
+                  <a:schemeClr val="tx1"/>
+                </a:solidFill>
+              </a:rPr>
+              <a:t>View of account is different once changed</a:t>
+            </a:r>
+            <a:endParaRPr lang="en-AU" sz="2000" dirty="0">
+              <a:solidFill>
+                <a:schemeClr val="tx1"/>
+              </a:solidFill>
+            </a:endParaRPr>
+          </a:p>
+          <a:p>
+            <a:pPr marL="179388" indent="-179388">
+              <a:buFont typeface="Arial" pitchFamily="34" charset="0"/>
+              <a:buChar char="•"/>
+            </a:pPr>
+            <a:endParaRPr lang="en-AU" sz="2000" dirty="0">
+              <a:solidFill>
+                <a:schemeClr val="tx1"/>
+              </a:solidFill>
+            </a:endParaRPr>
+          </a:p>
+        </p:txBody>
+      </p:sp>
+      <p:sp>
+        <p:nvSpPr>
+          <p:cNvPr id="11" name="Rectangle 10"/>
+          <p:cNvSpPr/>
+          <p:nvPr/>
+        </p:nvSpPr>
+        <p:spPr>
+          <a:xfrm>
+            <a:off x="9147153" y="109410"/>
+            <a:ext cx="720000" cy="540000"/>
+          </a:xfrm>
+          <a:prstGeom prst="rect">
+            <a:avLst/>
+          </a:prstGeom>
+          <a:solidFill>
+            <a:srgbClr val="CCF0CD">
+              <a:alpha val="20000"/>
+            </a:srgbClr>
+          </a:solidFill>
+          <a:ln>
+            <a:solidFill>
+              <a:schemeClr val="accent1">
+                <a:lumMod val="50000"/>
+              </a:schemeClr>
+            </a:solidFill>
+          </a:ln>
+        </p:spPr>
+        <p:style>
+          <a:lnRef idx="2">
+            <a:schemeClr val="accent1">
+              <a:shade val="50000"/>
+            </a:schemeClr>
+          </a:lnRef>
+          <a:fillRef idx="1">
+            <a:schemeClr val="accent1"/>
+          </a:fillRef>
+          <a:effectRef idx="0">
+            <a:schemeClr val="accent1"/>
+          </a:effectRef>
+          <a:fontRef idx="minor">
+            <a:schemeClr val="lt1"/>
+          </a:fontRef>
+        </p:style>
+        <p:txBody>
+          <a:bodyPr wrap="square" lIns="0" rIns="0" rtlCol="0" anchor="ctr"/>
+          <a:lstStyle/>
+          <a:p>
+            <a:pPr algn="ctr"/>
+            <a:r>
+              <a:rPr lang="en-AU" sz="2000" dirty="0">
+                <a:solidFill>
+                  <a:schemeClr val="tx1"/>
+                </a:solidFill>
+              </a:rPr>
+              <a:t>4</a:t>
+            </a:r>
+          </a:p>
+        </p:txBody>
+      </p:sp>
+      <p:sp>
+        <p:nvSpPr>
+          <p:cNvPr id="12" name="Rectangle 11"/>
+          <p:cNvSpPr/>
+          <p:nvPr/>
+        </p:nvSpPr>
+        <p:spPr>
+          <a:xfrm>
+            <a:off x="8283153" y="109410"/>
+            <a:ext cx="792000" cy="540000"/>
+          </a:xfrm>
+          <a:prstGeom prst="rect">
+            <a:avLst/>
+          </a:prstGeom>
+          <a:solidFill>
+            <a:schemeClr val="accent4">
+              <a:lumMod val="20000"/>
+              <a:lumOff val="80000"/>
+            </a:schemeClr>
+          </a:solidFill>
+          <a:ln>
+            <a:solidFill>
+              <a:schemeClr val="accent1">
+                <a:lumMod val="50000"/>
+              </a:schemeClr>
+            </a:solidFill>
+          </a:ln>
+        </p:spPr>
+        <p:style>
+          <a:lnRef idx="2">
+            <a:schemeClr val="accent1">
+              <a:shade val="50000"/>
+            </a:schemeClr>
+          </a:lnRef>
+          <a:fillRef idx="1">
+            <a:schemeClr val="accent1"/>
+          </a:fillRef>
+          <a:effectRef idx="0">
+            <a:schemeClr val="accent1"/>
+          </a:effectRef>
+          <a:fontRef idx="minor">
+            <a:schemeClr val="lt1"/>
+          </a:fontRef>
+        </p:style>
+        <p:txBody>
+          <a:bodyPr wrap="none" lIns="0" rIns="0" rtlCol="0" anchor="ctr"/>
+          <a:lstStyle/>
+          <a:p>
+            <a:pPr algn="ctr"/>
+            <a:r>
+              <a:rPr lang="en-AU" sz="2000" dirty="0" smtClean="0">
+                <a:solidFill>
+                  <a:schemeClr val="tx1"/>
+                </a:solidFill>
+              </a:rPr>
+              <a:t>Must</a:t>
+            </a:r>
+            <a:endParaRPr lang="en-AU" sz="2000" dirty="0">
+              <a:solidFill>
+                <a:schemeClr val="tx1"/>
+              </a:solidFill>
+            </a:endParaRPr>
+          </a:p>
+        </p:txBody>
+      </p:sp>
+      <p:sp>
+        <p:nvSpPr>
+          <p:cNvPr id="13" name="Rectangle 12"/>
+          <p:cNvSpPr/>
+          <p:nvPr/>
+        </p:nvSpPr>
+        <p:spPr>
+          <a:xfrm>
+            <a:off x="39153" y="5128590"/>
+            <a:ext cx="9828000" cy="1620000"/>
+          </a:xfrm>
+          <a:prstGeom prst="rect">
+            <a:avLst/>
+          </a:prstGeom>
+          <a:solidFill>
+            <a:schemeClr val="bg1"/>
+          </a:solidFill>
+          <a:ln>
+            <a:solidFill>
+              <a:schemeClr val="accent1">
+                <a:lumMod val="50000"/>
+              </a:schemeClr>
+            </a:solidFill>
+          </a:ln>
+        </p:spPr>
+        <p:style>
+          <a:lnRef idx="2">
+            <a:schemeClr val="accent1">
+              <a:shade val="50000"/>
+            </a:schemeClr>
+          </a:lnRef>
+          <a:fillRef idx="1">
+            <a:schemeClr val="accent1"/>
+          </a:fillRef>
+          <a:effectRef idx="0">
+            <a:schemeClr val="accent1"/>
+          </a:effectRef>
+          <a:fontRef idx="minor">
+            <a:schemeClr val="lt1"/>
+          </a:fontRef>
+        </p:style>
+        <p:txBody>
+          <a:bodyPr tIns="36000" rtlCol="0" anchor="t" anchorCtr="0"/>
+          <a:lstStyle/>
+          <a:p>
+            <a:r>
+              <a:rPr lang="en-AU" sz="2000" dirty="0">
+                <a:solidFill>
+                  <a:schemeClr val="tx1"/>
+                </a:solidFill>
+              </a:rPr>
+              <a:t>Notes</a:t>
+            </a:r>
+          </a:p>
+          <a:p>
+            <a:pPr marL="179388" indent="-179388">
+              <a:buFont typeface="Arial" pitchFamily="34" charset="0"/>
+              <a:buChar char="•"/>
+            </a:pPr>
+            <a:r>
+              <a:rPr lang="en-AU" sz="2000" dirty="0" smtClean="0">
+                <a:solidFill>
+                  <a:schemeClr val="tx1"/>
+                </a:solidFill>
+              </a:rPr>
+              <a:t>Maybe change so that admin can create employee or admin account and details are simply emailed to employee </a:t>
+            </a:r>
+            <a:endParaRPr lang="en-AU" sz="2000" dirty="0">
+              <a:solidFill>
+                <a:schemeClr val="tx1"/>
+              </a:solidFill>
+            </a:endParaRPr>
+          </a:p>
+        </p:txBody>
+      </p:sp>
+    </p:spTree>
+    <p:extLst>
+      <p:ext uri="{BB962C8B-B14F-4D97-AF65-F5344CB8AC3E}">
+        <p14:creationId xmlns:p14="http://schemas.microsoft.com/office/powerpoint/2010/main" val="717182705"/>
+      </p:ext>
+    </p:extLst>
   </p:cSld>
   <p:clrMapOvr>
     <a:masterClrMapping/>
@@ -6269,8 +9828,21 @@
                   <a:schemeClr val="tx1"/>
                 </a:solidFill>
               </a:rPr>
-              <a:t>Story 1-2</a:t>
-            </a:r>
+              <a:t>Story </a:t>
+            </a:r>
+            <a:r>
+              <a:rPr lang="en-AU" sz="2000" dirty="0" smtClean="0">
+                <a:solidFill>
+                  <a:schemeClr val="tx1"/>
+                </a:solidFill>
+              </a:rPr>
+              <a:t>A-1</a:t>
+            </a:r>
+            <a:endParaRPr lang="en-AU" sz="2000" dirty="0">
+              <a:solidFill>
+                <a:schemeClr val="tx1"/>
+              </a:solidFill>
+            </a:endParaRPr>
           </a:p>
         </p:txBody>
       </p:sp>
@@ -6318,9 +9890,10 @@
           <a:p>
             <a:pPr algn="ctr"/>
             <a:r>
-              <a:rPr lang="en-AU" sz="2800" dirty="0"/>
-              <a:t>Administrator</a:t>
-            </a:r>
+              <a:rPr lang="en-AU" sz="2800" dirty="0" smtClean="0"/>
+              <a:t>All Orders</a:t>
+            </a:r>
+            <a:endParaRPr lang="en-AU" sz="2800" dirty="0"/>
           </a:p>
         </p:txBody>
       </p:sp>
@@ -6378,7 +9951,7 @@
                   <a:schemeClr val="tx1"/>
                 </a:solidFill>
               </a:rPr>
-              <a:t>•	As the administrator (Bill), I want to able to see which delivery driver is making which delivery so I can ensure there are no delivery conflicts.</a:t>
+              <a:t>•	As the administrator (Bill), I want to be able to see any outstanding and current orders so I can ensure the flow of the business remains and customers are satisfied. </a:t>
             </a:r>
             <a:endParaRPr lang="en-AU" sz="2400" dirty="0">
               <a:solidFill>
@@ -6456,7 +10029,21 @@
                   <a:schemeClr val="tx1"/>
                 </a:solidFill>
               </a:rPr>
-              <a:t> In the Orders tab, there should be a table that lists the order number, delivery driver (courier) and the destination address. </a:t>
+              <a:t> Be able to view on the website the current and outstanding orders.</a:t>
+            </a:r>
+          </a:p>
+          <a:p>
+            <a:pPr marL="179388" indent="-179388">
+              <a:buFont typeface="Arial" pitchFamily="34" charset="0"/>
+              <a:buChar char="•"/>
+            </a:pPr>
+            <a:r>
+              <a:rPr lang="en-AU" sz="2000" dirty="0">
+                <a:solidFill>
+                  <a:schemeClr val="tx1"/>
+                </a:solidFill>
+              </a:rPr>
+              <a:t>After login, there should be an orders tab which highlights current orders and shows upcoming orders (outstanding orders).</a:t>
             </a:r>
           </a:p>
         </p:txBody>
@@ -6510,13 +10097,18 @@
           <a:p>
             <a:pPr algn="ctr"/>
             <a:r>
-              <a:rPr lang="en-AU" sz="2000" dirty="0">
-                <a:solidFill>
-                  <a:schemeClr val="tx1"/>
-                </a:solidFill>
-              </a:rPr>
-              <a:t>Story Points</a:t>
-            </a:r>
+              <a:rPr lang="en-AU" sz="2000" dirty="0" smtClean="0">
+                <a:solidFill>
+                  <a:schemeClr val="tx1"/>
+                </a:solidFill>
+              </a:rPr>
+              <a:t>4</a:t>
+            </a:r>
+            <a:endParaRPr lang="en-AU" sz="2000" dirty="0">
+              <a:solidFill>
+                <a:schemeClr val="tx1"/>
+              </a:solidFill>
+            </a:endParaRPr>
           </a:p>
         </p:txBody>
       </p:sp>
@@ -6570,13 +10162,18 @@
           <a:p>
             <a:pPr algn="ctr"/>
             <a:r>
-              <a:rPr lang="en-AU" sz="2000" dirty="0">
-                <a:solidFill>
-                  <a:schemeClr val="tx1"/>
-                </a:solidFill>
-              </a:rPr>
-              <a:t>Priority</a:t>
-            </a:r>
+              <a:rPr lang="en-AU" sz="2000" dirty="0" smtClean="0">
+                <a:solidFill>
+                  <a:schemeClr val="tx1"/>
+                </a:solidFill>
+              </a:rPr>
+              <a:t>Must</a:t>
+            </a:r>
+            <a:endParaRPr lang="en-AU" sz="2000" dirty="0">
+              <a:solidFill>
+                <a:schemeClr val="tx1"/>
+              </a:solidFill>
+            </a:endParaRPr>
           </a:p>
         </p:txBody>
       </p:sp>
@@ -6651,11 +10248,6 @@
         </p:txBody>
       </p:sp>
     </p:spTree>
-    <p:extLst>
-      <p:ext uri="{BB962C8B-B14F-4D97-AF65-F5344CB8AC3E}">
-        <p14:creationId xmlns:p14="http://schemas.microsoft.com/office/powerpoint/2010/main" val="2432618867"/>
-      </p:ext>
-    </p:extLst>
   </p:cSld>
   <p:clrMapOvr>
     <a:masterClrMapping/>
@@ -6735,8 +10327,21 @@
                   <a:schemeClr val="tx1"/>
                 </a:solidFill>
               </a:rPr>
-              <a:t>Story 1-3</a:t>
-            </a:r>
+              <a:t>Story </a:t>
+            </a:r>
+            <a:r>
+              <a:rPr lang="en-AU" sz="2000" dirty="0" smtClean="0">
+                <a:solidFill>
+                  <a:schemeClr val="tx1"/>
+                </a:solidFill>
+              </a:rPr>
+              <a:t>A-2</a:t>
+            </a:r>
+            <a:endParaRPr lang="en-AU" sz="2000" dirty="0">
+              <a:solidFill>
+                <a:schemeClr val="tx1"/>
+              </a:solidFill>
+            </a:endParaRPr>
           </a:p>
         </p:txBody>
       </p:sp>
@@ -6784,9 +10389,10 @@
           <a:p>
             <a:pPr algn="ctr"/>
             <a:r>
-              <a:rPr lang="en-AU" sz="2800" dirty="0"/>
-              <a:t>Administrator</a:t>
-            </a:r>
+              <a:rPr lang="en-AU" sz="2800" dirty="0" smtClean="0"/>
+              <a:t>Assigned Courier</a:t>
+            </a:r>
+            <a:endParaRPr lang="en-AU" sz="2800" dirty="0"/>
           </a:p>
         </p:txBody>
       </p:sp>
@@ -6844,7 +10450,7 @@
                   <a:schemeClr val="tx1"/>
                 </a:solidFill>
               </a:rPr>
-              <a:t>•	As the administrator (Bill), I want to know where to send packages – Pickup location, date and time for pick up, date and time for delivery, delivery status so I can ensure the business process is completed with customer satisfaction.</a:t>
+              <a:t>•	As the administrator (Bill), I want to able to see which delivery driver is making which delivery so I can ensure there are no delivery conflicts.</a:t>
             </a:r>
             <a:endParaRPr lang="en-AU" sz="2400" dirty="0">
               <a:solidFill>
@@ -6863,7 +10469,7 @@
         <p:spPr>
           <a:xfrm>
             <a:off x="39153" y="3335530"/>
-            <a:ext cx="9828000" cy="3522470"/>
+            <a:ext cx="9828000" cy="1620000"/>
           </a:xfrm>
           <a:prstGeom prst="rect">
             <a:avLst/>
@@ -6922,35 +10528,7 @@
                   <a:schemeClr val="tx1"/>
                 </a:solidFill>
               </a:rPr>
-              <a:t> On the website application, there should be a button that that leads to a page called “Outstanding Orders”</a:t>
-            </a:r>
-          </a:p>
-          <a:p>
-            <a:pPr marL="179388" indent="-179388">
-              <a:buFont typeface="Arial" pitchFamily="34" charset="0"/>
-              <a:buChar char="•"/>
-            </a:pPr>
-            <a:r>
-              <a:rPr lang="en-AU" sz="2000" dirty="0">
-                <a:solidFill>
-                  <a:schemeClr val="tx1"/>
-                </a:solidFill>
-              </a:rPr>
-              <a:t>The outstanding orders page houses a table that lists pickup location, date and time for pickup, and date and time for delivery</a:t>
-            </a:r>
-          </a:p>
-          <a:p>
-            <a:pPr marL="179388" indent="-179388">
-              <a:buFont typeface="Arial" pitchFamily="34" charset="0"/>
-              <a:buChar char="•"/>
-            </a:pPr>
-            <a:r>
-              <a:rPr lang="en-AU" sz="2000" dirty="0">
-                <a:solidFill>
-                  <a:schemeClr val="tx1"/>
-                </a:solidFill>
-              </a:rPr>
-              <a:t>The relevant parts of the table has to be able to be relayed to the courier doing those specific deliveries</a:t>
+              <a:t> In the Orders tab, there should be a table that lists the order number, delivery driver (courier) and the destination address. </a:t>
             </a:r>
           </a:p>
         </p:txBody>
@@ -7004,13 +10582,18 @@
           <a:p>
             <a:pPr algn="ctr"/>
             <a:r>
-              <a:rPr lang="en-AU" sz="2000" dirty="0">
-                <a:solidFill>
-                  <a:schemeClr val="tx1"/>
-                </a:solidFill>
-              </a:rPr>
-              <a:t>Story Points</a:t>
-            </a:r>
+              <a:rPr lang="en-AU" sz="2000" dirty="0" smtClean="0">
+                <a:solidFill>
+                  <a:schemeClr val="tx1"/>
+                </a:solidFill>
+              </a:rPr>
+              <a:t>4</a:t>
+            </a:r>
+            <a:endParaRPr lang="en-AU" sz="2000" dirty="0">
+              <a:solidFill>
+                <a:schemeClr val="tx1"/>
+              </a:solidFill>
+            </a:endParaRPr>
           </a:p>
         </p:txBody>
       </p:sp>
@@ -7064,12 +10647,87 @@
           <a:p>
             <a:pPr algn="ctr"/>
             <a:r>
+              <a:rPr lang="en-AU" sz="2000" dirty="0" smtClean="0">
+                <a:solidFill>
+                  <a:schemeClr val="tx1"/>
+                </a:solidFill>
+              </a:rPr>
+              <a:t>Must</a:t>
+            </a:r>
+            <a:endParaRPr lang="en-AU" sz="2000" dirty="0">
+              <a:solidFill>
+                <a:schemeClr val="tx1"/>
+              </a:solidFill>
+            </a:endParaRPr>
+          </a:p>
+        </p:txBody>
+      </p:sp>
+      <p:sp>
+        <p:nvSpPr>
+          <p:cNvPr id="13" name="Rectangle 12"/>
+          <p:cNvSpPr/>
+          <p:nvPr/>
+        </p:nvSpPr>
+        <p:spPr>
+          <a:xfrm>
+            <a:off x="39153" y="5128590"/>
+            <a:ext cx="9828000" cy="1620000"/>
+          </a:xfrm>
+          <a:prstGeom prst="rect">
+            <a:avLst/>
+          </a:prstGeom>
+          <a:solidFill>
+            <a:schemeClr val="bg1"/>
+          </a:solidFill>
+          <a:ln>
+            <a:solidFill>
+              <a:schemeClr val="accent1">
+                <a:lumMod val="50000"/>
+              </a:schemeClr>
+            </a:solidFill>
+          </a:ln>
+        </p:spPr>
+        <p:style>
+          <a:lnRef idx="2">
+            <a:schemeClr val="accent1">
+              <a:shade val="50000"/>
+            </a:schemeClr>
+          </a:lnRef>
+          <a:fillRef idx="1">
+            <a:schemeClr val="accent1"/>
+          </a:fillRef>
+          <a:effectRef idx="0">
+            <a:schemeClr val="accent1"/>
+          </a:effectRef>
+          <a:fontRef idx="minor">
+            <a:schemeClr val="lt1"/>
+          </a:fontRef>
+        </p:style>
+        <p:txBody>
+          <a:bodyPr tIns="36000" rtlCol="0" anchor="t" anchorCtr="0"/>
+          <a:lstStyle/>
+          <a:p>
+            <a:r>
               <a:rPr lang="en-AU" sz="2000" dirty="0">
                 <a:solidFill>
                   <a:schemeClr val="tx1"/>
                 </a:solidFill>
               </a:rPr>
-              <a:t>Priority</a:t>
+              <a:t>Notes</a:t>
+            </a:r>
+          </a:p>
+          <a:p>
+            <a:pPr marL="179388" indent="-179388">
+              <a:buFont typeface="Arial" pitchFamily="34" charset="0"/>
+              <a:buChar char="•"/>
+            </a:pPr>
+            <a:r>
+              <a:rPr lang="en-AU" sz="2000" dirty="0">
+                <a:solidFill>
+                  <a:schemeClr val="tx1"/>
+                </a:solidFill>
+              </a:rPr>
+              <a:t> </a:t>
             </a:r>
           </a:p>
         </p:txBody>
@@ -7077,7 +10735,7 @@
     </p:spTree>
     <p:extLst>
       <p:ext uri="{BB962C8B-B14F-4D97-AF65-F5344CB8AC3E}">
-        <p14:creationId xmlns:p14="http://schemas.microsoft.com/office/powerpoint/2010/main" val="2481396354"/>
+        <p14:creationId xmlns:p14="http://schemas.microsoft.com/office/powerpoint/2010/main" val="2432618867"/>
       </p:ext>
     </p:extLst>
   </p:cSld>
@@ -7159,8 +10817,21 @@
                   <a:schemeClr val="tx1"/>
                 </a:solidFill>
               </a:rPr>
-              <a:t>Story 1-4</a:t>
-            </a:r>
+              <a:t>Story </a:t>
+            </a:r>
+            <a:r>
+              <a:rPr lang="en-AU" sz="2000" dirty="0" smtClean="0">
+                <a:solidFill>
+                  <a:schemeClr val="tx1"/>
+                </a:solidFill>
+              </a:rPr>
+              <a:t>A-3</a:t>
+            </a:r>
+            <a:endParaRPr lang="en-AU" sz="2000" dirty="0">
+              <a:solidFill>
+                <a:schemeClr val="tx1"/>
+              </a:solidFill>
+            </a:endParaRPr>
           </a:p>
         </p:txBody>
       </p:sp>
@@ -7208,9 +10879,10 @@
           <a:p>
             <a:pPr algn="ctr"/>
             <a:r>
-              <a:rPr lang="en-AU" sz="2800" dirty="0"/>
-              <a:t>Administrator</a:t>
-            </a:r>
+              <a:rPr lang="en-AU" sz="2800" dirty="0" smtClean="0"/>
+              <a:t>Delivery Flow</a:t>
+            </a:r>
+            <a:endParaRPr lang="en-AU" sz="2800" dirty="0"/>
           </a:p>
         </p:txBody>
       </p:sp>
@@ -7268,7 +10940,7 @@
                   <a:schemeClr val="tx1"/>
                 </a:solidFill>
               </a:rPr>
-              <a:t>•	As the Administrator, I want to be able to know the location of my couriers so that I can ensure they are taking the correct route for the delivery. </a:t>
+              <a:t>•	As the administrator (Bill), I want to know where to send packages – Pickup location, date and time for pick up, date and time for delivery, delivery status so I can ensure the business process is completed with customer satisfaction.</a:t>
             </a:r>
             <a:endParaRPr lang="en-AU" sz="2400" dirty="0">
               <a:solidFill>
@@ -7287,7 +10959,7 @@
         <p:spPr>
           <a:xfrm>
             <a:off x="39153" y="3335530"/>
-            <a:ext cx="9828000" cy="1620000"/>
+            <a:ext cx="9828000" cy="3522470"/>
           </a:xfrm>
           <a:prstGeom prst="rect">
             <a:avLst/>
@@ -7346,7 +11018,35 @@
                   <a:schemeClr val="tx1"/>
                 </a:solidFill>
               </a:rPr>
-              <a:t> GPS tracking could be utilized, not entirely possible to implement without a GPS installed in a vehicle. However a map could be incorporated into the site that could be used.</a:t>
+              <a:t> On the website application, there should be a button that that leads to a page called “Outstanding Orders”</a:t>
+            </a:r>
+          </a:p>
+          <a:p>
+            <a:pPr marL="179388" indent="-179388">
+              <a:buFont typeface="Arial" pitchFamily="34" charset="0"/>
+              <a:buChar char="•"/>
+            </a:pPr>
+            <a:r>
+              <a:rPr lang="en-AU" sz="2000" dirty="0">
+                <a:solidFill>
+                  <a:schemeClr val="tx1"/>
+                </a:solidFill>
+              </a:rPr>
+              <a:t>The outstanding orders page houses a table that lists pickup location, date and time for pickup, and date and time for delivery</a:t>
+            </a:r>
+          </a:p>
+          <a:p>
+            <a:pPr marL="179388" indent="-179388">
+              <a:buFont typeface="Arial" pitchFamily="34" charset="0"/>
+              <a:buChar char="•"/>
+            </a:pPr>
+            <a:r>
+              <a:rPr lang="en-AU" sz="2000" dirty="0">
+                <a:solidFill>
+                  <a:schemeClr val="tx1"/>
+                </a:solidFill>
+              </a:rPr>
+              <a:t>The relevant parts of the table has to be able to be relayed to the courier doing those specific deliveries</a:t>
             </a:r>
           </a:p>
         </p:txBody>
@@ -7400,13 +11100,18 @@
           <a:p>
             <a:pPr algn="ctr"/>
             <a:r>
-              <a:rPr lang="en-AU" sz="2000" dirty="0">
-                <a:solidFill>
-                  <a:schemeClr val="tx1"/>
-                </a:solidFill>
-              </a:rPr>
-              <a:t>Story Points</a:t>
-            </a:r>
+              <a:rPr lang="en-AU" sz="2000" dirty="0" smtClean="0">
+                <a:solidFill>
+                  <a:schemeClr val="tx1"/>
+                </a:solidFill>
+              </a:rPr>
+              <a:t>4</a:t>
+            </a:r>
+            <a:endParaRPr lang="en-AU" sz="2000" dirty="0">
+              <a:solidFill>
+                <a:schemeClr val="tx1"/>
+              </a:solidFill>
+            </a:endParaRPr>
           </a:p>
         </p:txBody>
       </p:sp>
@@ -7460,112 +11165,25 @@
           <a:p>
             <a:pPr algn="ctr"/>
             <a:r>
-              <a:rPr lang="en-AU" sz="2000" dirty="0">
-                <a:solidFill>
-                  <a:schemeClr val="tx1"/>
-                </a:solidFill>
-              </a:rPr>
-              <a:t>Priority</a:t>
-            </a:r>
-          </a:p>
-        </p:txBody>
-      </p:sp>
-      <p:sp>
-        <p:nvSpPr>
-          <p:cNvPr id="13" name="Rectangle 12"/>
-          <p:cNvSpPr/>
-          <p:nvPr/>
-        </p:nvSpPr>
-        <p:spPr>
-          <a:xfrm>
-            <a:off x="39153" y="5128590"/>
-            <a:ext cx="9828000" cy="1620000"/>
-          </a:xfrm>
-          <a:prstGeom prst="rect">
-            <a:avLst/>
-          </a:prstGeom>
-          <a:solidFill>
-            <a:schemeClr val="bg1"/>
-          </a:solidFill>
-          <a:ln>
-            <a:solidFill>
-              <a:schemeClr val="accent1">
-                <a:lumMod val="50000"/>
-              </a:schemeClr>
-            </a:solidFill>
-          </a:ln>
-        </p:spPr>
-        <p:style>
-          <a:lnRef idx="2">
-            <a:schemeClr val="accent1">
-              <a:shade val="50000"/>
-            </a:schemeClr>
-          </a:lnRef>
-          <a:fillRef idx="1">
-            <a:schemeClr val="accent1"/>
-          </a:fillRef>
-          <a:effectRef idx="0">
-            <a:schemeClr val="accent1"/>
-          </a:effectRef>
-          <a:fontRef idx="minor">
-            <a:schemeClr val="lt1"/>
-          </a:fontRef>
-        </p:style>
-        <p:txBody>
-          <a:bodyPr tIns="36000" rtlCol="0" anchor="t" anchorCtr="0"/>
-          <a:lstStyle/>
-          <a:p>
-            <a:r>
-              <a:rPr lang="en-AU" sz="2000" dirty="0">
-                <a:solidFill>
-                  <a:schemeClr val="tx1"/>
-                </a:solidFill>
-              </a:rPr>
-              <a:t>Notes</a:t>
-            </a:r>
-          </a:p>
-          <a:p>
-            <a:pPr marL="179388" indent="-179388">
-              <a:buFont typeface="Arial" pitchFamily="34" charset="0"/>
-              <a:buChar char="•"/>
-            </a:pPr>
-            <a:r>
-              <a:rPr lang="en-AU" sz="1400" dirty="0">
-                <a:solidFill>
-                  <a:schemeClr val="tx1"/>
-                </a:solidFill>
-              </a:rPr>
-              <a:t> </a:t>
-            </a:r>
-            <a:r>
-              <a:rPr lang="en-AU" sz="1400" dirty="0" smtClean="0">
-                <a:solidFill>
-                  <a:schemeClr val="tx1"/>
-                </a:solidFill>
-              </a:rPr>
-              <a:t>Real time monitoring may not be that useful as the admin is unlikely to be actively watching where the drivers are driving. The ability to view the routes the driver took (from warehouse to collection/drop off) however could be quite useful to ensure drivers aren’t making too many detours.</a:t>
-            </a:r>
-          </a:p>
-          <a:p>
-            <a:pPr marL="179388" indent="-179388">
-              <a:buFont typeface="Arial" pitchFamily="34" charset="0"/>
-              <a:buChar char="•"/>
-            </a:pPr>
-            <a:r>
-              <a:rPr lang="en-AU" sz="1400" dirty="0" smtClean="0">
-                <a:solidFill>
-                  <a:schemeClr val="tx1"/>
-                </a:solidFill>
-              </a:rPr>
-              <a:t>That being noted, the only necessary requirement is to ensure that timestamps are being recorded at the time of collection as well as when the package arrives at the warehouse, when the driver leaves the warehouse with the package and when the delivery has been completed.</a:t>
-            </a:r>
+              <a:rPr lang="en-AU" sz="2000" dirty="0" smtClean="0">
+                <a:solidFill>
+                  <a:schemeClr val="tx1"/>
+                </a:solidFill>
+              </a:rPr>
+              <a:t>Must</a:t>
+            </a:r>
+            <a:endParaRPr lang="en-AU" sz="2000" dirty="0">
+              <a:solidFill>
+                <a:schemeClr val="tx1"/>
+              </a:solidFill>
+            </a:endParaRPr>
           </a:p>
         </p:txBody>
       </p:sp>
     </p:spTree>
     <p:extLst>
       <p:ext uri="{BB962C8B-B14F-4D97-AF65-F5344CB8AC3E}">
-        <p14:creationId xmlns:p14="http://schemas.microsoft.com/office/powerpoint/2010/main" val="1146663992"/>
+        <p14:creationId xmlns:p14="http://schemas.microsoft.com/office/powerpoint/2010/main" val="2481396354"/>
       </p:ext>
     </p:extLst>
   </p:cSld>
@@ -7647,8 +11265,21 @@
                   <a:schemeClr val="tx1"/>
                 </a:solidFill>
               </a:rPr>
-              <a:t>Story 1-5</a:t>
-            </a:r>
+              <a:t>Story </a:t>
+            </a:r>
+            <a:r>
+              <a:rPr lang="en-AU" sz="2000" dirty="0" smtClean="0">
+                <a:solidFill>
+                  <a:schemeClr val="tx1"/>
+                </a:solidFill>
+              </a:rPr>
+              <a:t>A-4</a:t>
+            </a:r>
+            <a:endParaRPr lang="en-AU" sz="2000" dirty="0">
+              <a:solidFill>
+                <a:schemeClr val="tx1"/>
+              </a:solidFill>
+            </a:endParaRPr>
           </a:p>
         </p:txBody>
       </p:sp>
@@ -7696,9 +11327,10 @@
           <a:p>
             <a:pPr algn="ctr"/>
             <a:r>
-              <a:rPr lang="en-AU" sz="2800" dirty="0"/>
-              <a:t>Administrator</a:t>
-            </a:r>
+              <a:rPr lang="en-AU" sz="2800" dirty="0" smtClean="0"/>
+              <a:t>Courier Location</a:t>
+            </a:r>
+            <a:endParaRPr lang="en-AU" sz="2800" dirty="0"/>
           </a:p>
         </p:txBody>
       </p:sp>
@@ -7756,23 +11388,7 @@
                   <a:schemeClr val="tx1"/>
                 </a:solidFill>
               </a:rPr>
-              <a:t>•	As an administrator I want to be able to know the type of delivery (</a:t>
-            </a:r>
-            <a:r>
-              <a:rPr lang="en-US" sz="2400" dirty="0" err="1">
-                <a:solidFill>
-                  <a:schemeClr val="tx1"/>
-                </a:solidFill>
-              </a:rPr>
-              <a:t>ie</a:t>
-            </a:r>
-            <a:r>
-              <a:rPr lang="en-US" sz="2400" dirty="0">
-                <a:solidFill>
-                  <a:schemeClr val="tx1"/>
-                </a:solidFill>
-              </a:rPr>
-              <a:t> priority, weight) so I can know what deliverers need to be priorotised and how much content can be delivered in one trip.</a:t>
+              <a:t>•	As the Administrator, I want to be able to know the location of my couriers so that I can ensure they are taking the correct route for the delivery. </a:t>
             </a:r>
             <a:endParaRPr lang="en-AU" sz="2400" dirty="0">
               <a:solidFill>
@@ -7850,23 +11466,7 @@
                   <a:schemeClr val="tx1"/>
                 </a:solidFill>
               </a:rPr>
-              <a:t> In the orders tab there should be a series of fields used to explain the type of delivery (IE, priority, weight,  corporate, </a:t>
-            </a:r>
-            <a:r>
-              <a:rPr lang="en-AU" sz="2000" dirty="0" err="1">
-                <a:solidFill>
-                  <a:schemeClr val="tx1"/>
-                </a:solidFill>
-              </a:rPr>
-              <a:t>etc</a:t>
-            </a:r>
-            <a:r>
-              <a:rPr lang="en-AU" sz="2000" dirty="0">
-                <a:solidFill>
-                  <a:schemeClr val="tx1"/>
-                </a:solidFill>
-              </a:rPr>
-              <a:t>)</a:t>
+              <a:t> GPS tracking could be utilized, not entirely possible to implement without a GPS installed in a vehicle. However a map could be incorporated into the site that could be used.</a:t>
             </a:r>
           </a:p>
         </p:txBody>
@@ -7920,13 +11520,18 @@
           <a:p>
             <a:pPr algn="ctr"/>
             <a:r>
-              <a:rPr lang="en-AU" sz="2000" dirty="0">
-                <a:solidFill>
-                  <a:schemeClr val="tx1"/>
-                </a:solidFill>
-              </a:rPr>
-              <a:t>Story Points</a:t>
-            </a:r>
+              <a:rPr lang="en-AU" sz="2000" dirty="0" smtClean="0">
+                <a:solidFill>
+                  <a:schemeClr val="tx1"/>
+                </a:solidFill>
+              </a:rPr>
+              <a:t>16</a:t>
+            </a:r>
+            <a:endParaRPr lang="en-AU" sz="2000" dirty="0">
+              <a:solidFill>
+                <a:schemeClr val="tx1"/>
+              </a:solidFill>
+            </a:endParaRPr>
           </a:p>
         </p:txBody>
       </p:sp>
@@ -7980,13 +11585,18 @@
           <a:p>
             <a:pPr algn="ctr"/>
             <a:r>
-              <a:rPr lang="en-AU" sz="2000" dirty="0">
-                <a:solidFill>
-                  <a:schemeClr val="tx1"/>
-                </a:solidFill>
-              </a:rPr>
-              <a:t>Priority</a:t>
-            </a:r>
+              <a:rPr lang="en-AU" sz="2000" dirty="0" smtClean="0">
+                <a:solidFill>
+                  <a:schemeClr val="tx1"/>
+                </a:solidFill>
+              </a:rPr>
+              <a:t>Could</a:t>
+            </a:r>
+            <a:endParaRPr lang="en-AU" sz="2000" dirty="0">
+              <a:solidFill>
+                <a:schemeClr val="tx1"/>
+              </a:solidFill>
+            </a:endParaRPr>
           </a:p>
         </p:txBody>
       </p:sp>
@@ -8050,12 +11660,34 @@
               <a:buChar char="•"/>
             </a:pPr>
             <a:r>
-              <a:rPr lang="en-AU" sz="2000" dirty="0">
+              <a:rPr lang="en-AU" sz="1400" dirty="0">
                 <a:solidFill>
                   <a:schemeClr val="tx1"/>
                 </a:solidFill>
               </a:rPr>
               <a:t> </a:t>
+            </a:r>
+            <a:r>
+              <a:rPr lang="en-AU" sz="1400" dirty="0" smtClean="0">
+                <a:solidFill>
+                  <a:schemeClr val="tx1"/>
+                </a:solidFill>
+              </a:rPr>
+              <a:t>Real time monitoring may not be that useful as the admin is unlikely to be actively watching where the drivers are driving. The ability to view the routes the driver took (from warehouse to collection/drop off) however could be quite useful to ensure drivers aren’t making too many detours.</a:t>
+            </a:r>
+          </a:p>
+          <a:p>
+            <a:pPr marL="179388" indent="-179388">
+              <a:buFont typeface="Arial" pitchFamily="34" charset="0"/>
+              <a:buChar char="•"/>
+            </a:pPr>
+            <a:r>
+              <a:rPr lang="en-AU" sz="1400" dirty="0" smtClean="0">
+                <a:solidFill>
+                  <a:schemeClr val="tx1"/>
+                </a:solidFill>
+              </a:rPr>
+              <a:t>That being noted, the only necessary requirement is to ensure that timestamps are being recorded at the time of collection as well as when the package arrives at the warehouse, when the driver leaves the warehouse with the package and when the delivery has been completed.</a:t>
             </a:r>
           </a:p>
         </p:txBody>
@@ -8063,7 +11695,7 @@
     </p:spTree>
     <p:extLst>
       <p:ext uri="{BB962C8B-B14F-4D97-AF65-F5344CB8AC3E}">
-        <p14:creationId xmlns:p14="http://schemas.microsoft.com/office/powerpoint/2010/main" val="2665811885"/>
+        <p14:creationId xmlns:p14="http://schemas.microsoft.com/office/powerpoint/2010/main" val="1146663992"/>
       </p:ext>
     </p:extLst>
   </p:cSld>
@@ -8145,8 +11777,21 @@
                   <a:schemeClr val="tx1"/>
                 </a:solidFill>
               </a:rPr>
-              <a:t>Story 1-6</a:t>
-            </a:r>
+              <a:t>Story </a:t>
+            </a:r>
+            <a:r>
+              <a:rPr lang="en-AU" sz="2000" dirty="0" smtClean="0">
+                <a:solidFill>
+                  <a:schemeClr val="tx1"/>
+                </a:solidFill>
+              </a:rPr>
+              <a:t>A-5</a:t>
+            </a:r>
+            <a:endParaRPr lang="en-AU" sz="2000" dirty="0">
+              <a:solidFill>
+                <a:schemeClr val="tx1"/>
+              </a:solidFill>
+            </a:endParaRPr>
           </a:p>
         </p:txBody>
       </p:sp>
@@ -8194,9 +11839,10 @@
           <a:p>
             <a:pPr algn="ctr"/>
             <a:r>
-              <a:rPr lang="en-AU" sz="2800" dirty="0"/>
-              <a:t>Administrator</a:t>
-            </a:r>
+              <a:rPr lang="en-AU" sz="2800" dirty="0" smtClean="0"/>
+              <a:t>Delivery Type</a:t>
+            </a:r>
+            <a:endParaRPr lang="en-AU" sz="2800" dirty="0"/>
           </a:p>
         </p:txBody>
       </p:sp>
@@ -8254,13 +11900,48 @@
                   <a:schemeClr val="tx1"/>
                 </a:solidFill>
               </a:rPr>
-              <a:t>•	As the administrator I want to understand the process behind the delivery of a package so the company can scale as it grows.</a:t>
-            </a:r>
-            <a:endParaRPr lang="en-AU" sz="2400" dirty="0">
-              <a:solidFill>
-                <a:schemeClr val="tx1"/>
-              </a:solidFill>
-            </a:endParaRPr>
+              <a:t>•	As an administrator I want to </a:t>
+            </a:r>
+            <a:r>
+              <a:rPr lang="en-US" sz="2400" dirty="0" smtClean="0">
+                <a:solidFill>
+                  <a:schemeClr val="tx1"/>
+                </a:solidFill>
+              </a:rPr>
+              <a:t>be able to see </a:t>
+            </a:r>
+            <a:r>
+              <a:rPr lang="en-US" sz="2400" dirty="0">
+                <a:solidFill>
+                  <a:schemeClr val="tx1"/>
+                </a:solidFill>
+              </a:rPr>
+              <a:t>the type of delivery (</a:t>
+            </a:r>
+            <a:r>
+              <a:rPr lang="en-US" sz="2400" dirty="0" err="1">
+                <a:solidFill>
+                  <a:schemeClr val="tx1"/>
+                </a:solidFill>
+              </a:rPr>
+              <a:t>ie</a:t>
+            </a:r>
+            <a:r>
+              <a:rPr lang="en-US" sz="2400" dirty="0">
+                <a:solidFill>
+                  <a:schemeClr val="tx1"/>
+                </a:solidFill>
+              </a:rPr>
+              <a:t> priority, weight) so I can </a:t>
+            </a:r>
+            <a:r>
+              <a:rPr lang="en-US" sz="2400" dirty="0" smtClean="0">
+                <a:solidFill>
+                  <a:schemeClr val="tx1"/>
+                </a:solidFill>
+              </a:rPr>
+              <a:t>prioritize and plan delivery runs</a:t>
+            </a:r>
           </a:p>
         </p:txBody>
       </p:sp>
@@ -8332,7 +12013,23 @@
                   <a:schemeClr val="tx1"/>
                 </a:solidFill>
               </a:rPr>
-              <a:t> A form “field” that includes the process type that will be utilized, will be added to the order “form”. Another tab will include a picture field that shows the varying types of models utilized to deliver the item. IE Corporate or private, etc…</a:t>
+              <a:t> In the orders tab there should be a series of fields used to explain the type of delivery (IE, priority, weight,  corporate, </a:t>
+            </a:r>
+            <a:r>
+              <a:rPr lang="en-AU" sz="2000" dirty="0" err="1">
+                <a:solidFill>
+                  <a:schemeClr val="tx1"/>
+                </a:solidFill>
+              </a:rPr>
+              <a:t>etc</a:t>
+            </a:r>
+            <a:r>
+              <a:rPr lang="en-AU" sz="2000" dirty="0">
+                <a:solidFill>
+                  <a:schemeClr val="tx1"/>
+                </a:solidFill>
+              </a:rPr>
+              <a:t>)</a:t>
             </a:r>
           </a:p>
         </p:txBody>
@@ -8386,13 +12083,18 @@
           <a:p>
             <a:pPr algn="ctr"/>
             <a:r>
-              <a:rPr lang="en-AU" sz="2000" dirty="0">
-                <a:solidFill>
-                  <a:schemeClr val="tx1"/>
-                </a:solidFill>
-              </a:rPr>
-              <a:t>Story Points</a:t>
-            </a:r>
+              <a:rPr lang="en-AU" sz="2000" dirty="0" smtClean="0">
+                <a:solidFill>
+                  <a:schemeClr val="tx1"/>
+                </a:solidFill>
+              </a:rPr>
+              <a:t>2</a:t>
+            </a:r>
+            <a:endParaRPr lang="en-AU" sz="2000" dirty="0">
+              <a:solidFill>
+                <a:schemeClr val="tx1"/>
+              </a:solidFill>
+            </a:endParaRPr>
           </a:p>
         </p:txBody>
       </p:sp>
@@ -8446,13 +12148,18 @@
           <a:p>
             <a:pPr algn="ctr"/>
             <a:r>
-              <a:rPr lang="en-AU" sz="2000" dirty="0">
-                <a:solidFill>
-                  <a:schemeClr val="tx1"/>
-                </a:solidFill>
-              </a:rPr>
-              <a:t>Priority</a:t>
-            </a:r>
+              <a:rPr lang="en-AU" sz="2000" dirty="0" smtClean="0">
+                <a:solidFill>
+                  <a:schemeClr val="tx1"/>
+                </a:solidFill>
+              </a:rPr>
+              <a:t>Should</a:t>
+            </a:r>
+            <a:endParaRPr lang="en-AU" sz="2000" dirty="0">
+              <a:solidFill>
+                <a:schemeClr val="tx1"/>
+              </a:solidFill>
+            </a:endParaRPr>
           </a:p>
         </p:txBody>
       </p:sp>
@@ -8523,26 +12230,13 @@
               </a:rPr>
               <a:t> </a:t>
             </a:r>
-            <a:r>
-              <a:rPr lang="en-AU" sz="2000" dirty="0" smtClean="0">
-                <a:solidFill>
-                  <a:schemeClr val="tx1"/>
-                </a:solidFill>
-              </a:rPr>
-              <a:t>Desirable</a:t>
-            </a:r>
-            <a:endParaRPr lang="en-AU" sz="2000" dirty="0">
-              <a:solidFill>
-                <a:schemeClr val="tx1"/>
-              </a:solidFill>
-            </a:endParaRPr>
           </a:p>
         </p:txBody>
       </p:sp>
     </p:spTree>
     <p:extLst>
       <p:ext uri="{BB962C8B-B14F-4D97-AF65-F5344CB8AC3E}">
-        <p14:creationId xmlns:p14="http://schemas.microsoft.com/office/powerpoint/2010/main" val="2645369756"/>
+        <p14:creationId xmlns:p14="http://schemas.microsoft.com/office/powerpoint/2010/main" val="2665811885"/>
       </p:ext>
     </p:extLst>
   </p:cSld>
@@ -8624,8 +12318,21 @@
                   <a:schemeClr val="tx1"/>
                 </a:solidFill>
               </a:rPr>
-              <a:t>Story 2-1</a:t>
-            </a:r>
+              <a:t>Story </a:t>
+            </a:r>
+            <a:r>
+              <a:rPr lang="en-AU" sz="2000" dirty="0" smtClean="0">
+                <a:solidFill>
+                  <a:schemeClr val="tx1"/>
+                </a:solidFill>
+              </a:rPr>
+              <a:t>A-6</a:t>
+            </a:r>
+            <a:endParaRPr lang="en-AU" sz="2000" dirty="0">
+              <a:solidFill>
+                <a:schemeClr val="tx1"/>
+              </a:solidFill>
+            </a:endParaRPr>
           </a:p>
         </p:txBody>
       </p:sp>
@@ -8673,9 +12380,10 @@
           <a:p>
             <a:pPr algn="ctr"/>
             <a:r>
-              <a:rPr lang="en-AU" sz="2800" dirty="0"/>
-              <a:t>Customer</a:t>
-            </a:r>
+              <a:rPr lang="en-AU" sz="2800" dirty="0" smtClean="0"/>
+              <a:t>Business Process</a:t>
+            </a:r>
+            <a:endParaRPr lang="en-AU" sz="2800" dirty="0"/>
           </a:p>
         </p:txBody>
       </p:sp>
@@ -8733,7 +12441,7 @@
                   <a:schemeClr val="tx1"/>
                 </a:solidFill>
               </a:rPr>
-              <a:t>•	As a customer I want to be able to register an account so that I don’t to have to constantly fill in my information for a delivery.</a:t>
+              <a:t>•	As the administrator I want to understand the process behind the delivery of a package so the company can scale as it grows.</a:t>
             </a:r>
             <a:endParaRPr lang="en-AU" sz="2400" dirty="0">
               <a:solidFill>
@@ -8811,7 +12519,7 @@
                   <a:schemeClr val="tx1"/>
                 </a:solidFill>
               </a:rPr>
-              <a:t> The ability to create accounts will be added to the website, to allow clients and staff alike to not have to fill in their information each time.</a:t>
+              <a:t> A form “field” that includes the process type that will be utilized, will be added to the order “form”. Another tab will include a picture field that shows the varying types of models utilized to deliver the item. IE Corporate or private, etc…</a:t>
             </a:r>
           </a:p>
         </p:txBody>
@@ -8865,13 +12573,18 @@
           <a:p>
             <a:pPr algn="ctr"/>
             <a:r>
-              <a:rPr lang="en-AU" sz="2000" dirty="0">
-                <a:solidFill>
-                  <a:schemeClr val="tx1"/>
-                </a:solidFill>
-              </a:rPr>
-              <a:t>Story Points</a:t>
-            </a:r>
+              <a:rPr lang="en-AU" sz="2000" dirty="0" smtClean="0">
+                <a:solidFill>
+                  <a:schemeClr val="tx1"/>
+                </a:solidFill>
+              </a:rPr>
+              <a:t>8</a:t>
+            </a:r>
+            <a:endParaRPr lang="en-AU" sz="2000" dirty="0">
+              <a:solidFill>
+                <a:schemeClr val="tx1"/>
+              </a:solidFill>
+            </a:endParaRPr>
           </a:p>
         </p:txBody>
       </p:sp>
@@ -8925,13 +12638,18 @@
           <a:p>
             <a:pPr algn="ctr"/>
             <a:r>
-              <a:rPr lang="en-AU" sz="2000" dirty="0">
-                <a:solidFill>
-                  <a:schemeClr val="tx1"/>
-                </a:solidFill>
-              </a:rPr>
-              <a:t>Priority</a:t>
-            </a:r>
+              <a:rPr lang="en-AU" sz="2000" dirty="0" smtClean="0">
+                <a:solidFill>
+                  <a:schemeClr val="tx1"/>
+                </a:solidFill>
+              </a:rPr>
+              <a:t>Could</a:t>
+            </a:r>
+            <a:endParaRPr lang="en-AU" sz="2000" dirty="0">
+              <a:solidFill>
+                <a:schemeClr val="tx1"/>
+              </a:solidFill>
+            </a:endParaRPr>
           </a:p>
         </p:txBody>
       </p:sp>
@@ -8995,12 +12713,20 @@
               <a:buChar char="•"/>
             </a:pPr>
             <a:r>
+              <a:rPr lang="en-AU" sz="2000" dirty="0">
+                <a:solidFill>
+                  <a:schemeClr val="tx1"/>
+                </a:solidFill>
+              </a:rPr>
+              <a:t> </a:t>
+            </a:r>
+            <a:r>
               <a:rPr lang="en-AU" sz="2000" dirty="0" smtClean="0">
                 <a:solidFill>
                   <a:schemeClr val="tx1"/>
                 </a:solidFill>
               </a:rPr>
-              <a:t>There could also be a user story/card for customers NOT wanting to have to sign up as they may have no intention using the service multiple times. </a:t>
+              <a:t>Desirable</a:t>
             </a:r>
             <a:endParaRPr lang="en-AU" sz="2000" dirty="0">
               <a:solidFill>
@@ -9013,7 +12739,7 @@
     </p:spTree>
     <p:extLst>
       <p:ext uri="{BB962C8B-B14F-4D97-AF65-F5344CB8AC3E}">
-        <p14:creationId xmlns:p14="http://schemas.microsoft.com/office/powerpoint/2010/main" val="791674297"/>
+        <p14:creationId xmlns:p14="http://schemas.microsoft.com/office/powerpoint/2010/main" val="2645369756"/>
       </p:ext>
     </p:extLst>
   </p:cSld>
@@ -9095,8 +12821,21 @@
                   <a:schemeClr val="tx1"/>
                 </a:solidFill>
               </a:rPr>
-              <a:t>Story 1-1</a:t>
-            </a:r>
+              <a:t>Story </a:t>
+            </a:r>
+            <a:r>
+              <a:rPr lang="en-AU" sz="2000" dirty="0" smtClean="0">
+                <a:solidFill>
+                  <a:schemeClr val="tx1"/>
+                </a:solidFill>
+              </a:rPr>
+              <a:t>C-1</a:t>
+            </a:r>
+            <a:endParaRPr lang="en-AU" sz="2000" dirty="0">
+              <a:solidFill>
+                <a:schemeClr val="tx1"/>
+              </a:solidFill>
+            </a:endParaRPr>
           </a:p>
         </p:txBody>
       </p:sp>
@@ -9144,9 +12883,10 @@
           <a:p>
             <a:pPr algn="ctr"/>
             <a:r>
-              <a:rPr lang="en-AU" sz="2800" dirty="0"/>
-              <a:t>Customer</a:t>
-            </a:r>
+              <a:rPr lang="en-AU" sz="2800" dirty="0" smtClean="0"/>
+              <a:t>Customer Account</a:t>
+            </a:r>
+            <a:endParaRPr lang="en-AU" sz="2800" dirty="0"/>
           </a:p>
         </p:txBody>
       </p:sp>
@@ -9198,22 +12938,13 @@
           <a:bodyPr rtlCol="0" anchor="t" anchorCtr="0"/>
           <a:lstStyle/>
           <a:p>
-            <a:pPr lvl="0"/>
-            <a:r>
-              <a:rPr lang="en-US" dirty="0">
-                <a:solidFill>
-                  <a:schemeClr val="tx1"/>
-                </a:solidFill>
-              </a:rPr>
-              <a:t>•	</a:t>
-            </a:r>
             <a:r>
               <a:rPr lang="en-US" sz="2400" dirty="0">
                 <a:solidFill>
                   <a:schemeClr val="tx1"/>
                 </a:solidFill>
               </a:rPr>
-              <a:t>As a customer I want to know how to place an order so I can understand how the business processes my order to ensure it arrives in a mannered time. </a:t>
+              <a:t>•	As a customer I want to be able to register an account so that I don’t to have to constantly fill in my information for a delivery.</a:t>
             </a:r>
             <a:endParaRPr lang="en-AU" sz="2400" dirty="0">
               <a:solidFill>
@@ -9231,7 +12962,7 @@
         </p:nvSpPr>
         <p:spPr>
           <a:xfrm>
-            <a:off x="39153" y="3361656"/>
+            <a:off x="39153" y="3335530"/>
             <a:ext cx="9828000" cy="1620000"/>
           </a:xfrm>
           <a:prstGeom prst="rect">
@@ -9291,7 +13022,7 @@
                   <a:schemeClr val="tx1"/>
                 </a:solidFill>
               </a:rPr>
-              <a:t> A tab will be added to the website which will be available to everyone, regardless of if they have an account or not. This tab will open a how to page, including contact details for further queries.</a:t>
+              <a:t> The ability to create accounts will be added to the website, to allow clients and staff alike to not have to fill in their information each time.</a:t>
             </a:r>
           </a:p>
         </p:txBody>
@@ -9345,13 +13076,18 @@
           <a:p>
             <a:pPr algn="ctr"/>
             <a:r>
-              <a:rPr lang="en-AU" sz="2000" dirty="0">
-                <a:solidFill>
-                  <a:schemeClr val="tx1"/>
-                </a:solidFill>
-              </a:rPr>
-              <a:t>Story Points</a:t>
-            </a:r>
+              <a:rPr lang="en-AU" sz="2000" dirty="0" smtClean="0">
+                <a:solidFill>
+                  <a:schemeClr val="tx1"/>
+                </a:solidFill>
+              </a:rPr>
+              <a:t>4</a:t>
+            </a:r>
+            <a:endParaRPr lang="en-AU" sz="2000" dirty="0">
+              <a:solidFill>
+                <a:schemeClr val="tx1"/>
+              </a:solidFill>
+            </a:endParaRPr>
           </a:p>
         </p:txBody>
       </p:sp>
@@ -9405,13 +13141,18 @@
           <a:p>
             <a:pPr algn="ctr"/>
             <a:r>
-              <a:rPr lang="en-AU" sz="2000" dirty="0">
-                <a:solidFill>
-                  <a:schemeClr val="tx1"/>
-                </a:solidFill>
-              </a:rPr>
-              <a:t>Priority</a:t>
-            </a:r>
+              <a:rPr lang="en-AU" sz="2000" dirty="0" smtClean="0">
+                <a:solidFill>
+                  <a:schemeClr val="tx1"/>
+                </a:solidFill>
+              </a:rPr>
+              <a:t>Must</a:t>
+            </a:r>
+            <a:endParaRPr lang="en-AU" sz="2000" dirty="0">
+              <a:solidFill>
+                <a:schemeClr val="tx1"/>
+              </a:solidFill>
+            </a:endParaRPr>
           </a:p>
         </p:txBody>
       </p:sp>
@@ -9480,7 +13221,7 @@
                   <a:schemeClr val="tx1"/>
                 </a:solidFill>
               </a:rPr>
-              <a:t>Ideally the website and process of placing a delivery order should be intuitive enough for a help page to redundant/not useful.</a:t>
+              <a:t>There could also be a user story/card for customers NOT wanting to have to sign up as they may have no intention using the service multiple times. </a:t>
             </a:r>
             <a:endParaRPr lang="en-AU" sz="2000" dirty="0">
               <a:solidFill>
@@ -9493,7 +13234,7 @@
     </p:spTree>
     <p:extLst>
       <p:ext uri="{BB962C8B-B14F-4D97-AF65-F5344CB8AC3E}">
-        <p14:creationId xmlns:p14="http://schemas.microsoft.com/office/powerpoint/2010/main" val="3996652161"/>
+        <p14:creationId xmlns:p14="http://schemas.microsoft.com/office/powerpoint/2010/main" val="791674297"/>
       </p:ext>
     </p:extLst>
   </p:cSld>
